--- a/Inteligência Artificial e Big Data/03-Aprendizado Supervisionado.pptx
+++ b/Inteligência Artificial e Big Data/03-Aprendizado Supervisionado.pptx
@@ -2,34 +2,24 @@
 <file path=ppt/presentation.xml><?xml version="1.0" encoding="utf-8"?>
 <p:presentation xmlns:a="http://schemas.openxmlformats.org/drawingml/2006/main" xmlns:r="http://schemas.openxmlformats.org/officeDocument/2006/relationships" xmlns:p="http://schemas.openxmlformats.org/presentationml/2006/main" saveSubsetFonts="1" autoCompressPictures="0">
   <p:sldMasterIdLst>
-    <p:sldMasterId id="2147483648" r:id="rId1"/>
+    <p:sldMasterId id="2147483672" r:id="rId1"/>
   </p:sldMasterIdLst>
   <p:sldIdLst>
-    <p:sldId id="256" r:id="rId7"/>
-    <p:sldId id="257" r:id="rId8"/>
-    <p:sldId id="258" r:id="rId9"/>
-    <p:sldId id="259" r:id="rId10"/>
-    <p:sldId id="260" r:id="rId11"/>
-    <p:sldId id="261" r:id="rId12"/>
-    <p:sldId id="262" r:id="rId13"/>
-    <p:sldId id="263" r:id="rId14"/>
-    <p:sldId id="264" r:id="rId15"/>
-    <p:sldId id="265" r:id="rId16"/>
-    <p:sldId id="266" r:id="rId17"/>
-    <p:sldId id="267" r:id="rId18"/>
-    <p:sldId id="268" r:id="rId19"/>
-    <p:sldId id="269" r:id="rId20"/>
-    <p:sldId id="270" r:id="rId21"/>
-    <p:sldId id="271" r:id="rId22"/>
-    <p:sldId id="272" r:id="rId23"/>
-    <p:sldId id="273" r:id="rId24"/>
-    <p:sldId id="274" r:id="rId25"/>
-    <p:sldId id="275" r:id="rId26"/>
-    <p:sldId id="276" r:id="rId27"/>
-    <p:sldId id="277" r:id="rId28"/>
-    <p:sldId id="278" r:id="rId29"/>
-    <p:sldId id="279" r:id="rId30"/>
-    <p:sldId id="280" r:id="rId31"/>
+    <p:sldId id="256" r:id="rId2"/>
+    <p:sldId id="257" r:id="rId3"/>
+    <p:sldId id="258" r:id="rId4"/>
+    <p:sldId id="259" r:id="rId5"/>
+    <p:sldId id="281" r:id="rId6"/>
+    <p:sldId id="282" r:id="rId7"/>
+    <p:sldId id="260" r:id="rId8"/>
+    <p:sldId id="261" r:id="rId9"/>
+    <p:sldId id="262" r:id="rId10"/>
+    <p:sldId id="263" r:id="rId11"/>
+    <p:sldId id="264" r:id="rId12"/>
+    <p:sldId id="265" r:id="rId13"/>
+    <p:sldId id="266" r:id="rId14"/>
+    <p:sldId id="267" r:id="rId15"/>
+    <p:sldId id="268" r:id="rId16"/>
   </p:sldIdLst>
   <p:sldSz cx="9144000" cy="6858000" type="screen4x3"/>
   <p:notesSz cx="6858000" cy="9144000"/>
@@ -128,11 +118,27 @@
       </a:defRPr>
     </a:lvl9pPr>
   </p:defaultTextStyle>
+  <p:extLst>
+    <p:ext uri="{EFAFB233-063F-42B5-8137-9DF3F51BA10A}">
+      <p15:sldGuideLst xmlns:p15="http://schemas.microsoft.com/office/powerpoint/2012/main">
+        <p15:guide id="1" orient="horz" pos="2160">
+          <p15:clr>
+            <a:srgbClr val="A4A3A4"/>
+          </p15:clr>
+        </p15:guide>
+        <p15:guide id="2" pos="2880">
+          <p15:clr>
+            <a:srgbClr val="A4A3A4"/>
+          </p15:clr>
+        </p15:guide>
+      </p15:sldGuideLst>
+    </p:ext>
+  </p:extLst>
 </p:presentation>
 </file>
 
 <file path=ppt/slideLayouts/slideLayout1.xml><?xml version="1.0" encoding="utf-8"?>
-<p:sldLayout xmlns:a="http://schemas.openxmlformats.org/drawingml/2006/main" xmlns:r="http://schemas.openxmlformats.org/officeDocument/2006/relationships" xmlns:p="http://schemas.openxmlformats.org/presentationml/2006/main" type="title" preserve="1">
+<p:sldLayout xmlns:a="http://schemas.openxmlformats.org/drawingml/2006/main" xmlns:r="http://schemas.openxmlformats.org/officeDocument/2006/relationships" xmlns:p="http://schemas.openxmlformats.org/presentationml/2006/main" showMasterSp="0" type="title" preserve="1">
   <p:cSld name="Title Slide">
     <p:spTree>
       <p:nvGrpSpPr>
@@ -150,6 +156,82 @@
       </p:grpSpPr>
       <p:sp>
         <p:nvSpPr>
+          <p:cNvPr id="7" name="Rectangle 6"/>
+          <p:cNvSpPr/>
+          <p:nvPr/>
+        </p:nvSpPr>
+        <p:spPr>
+          <a:xfrm>
+            <a:off x="2382" y="6400800"/>
+            <a:ext cx="9141619" cy="457200"/>
+          </a:xfrm>
+          <a:prstGeom prst="rect">
+            <a:avLst/>
+          </a:prstGeom>
+          <a:solidFill>
+            <a:schemeClr val="accent2"/>
+          </a:solidFill>
+          <a:ln>
+            <a:noFill/>
+          </a:ln>
+        </p:spPr>
+        <p:style>
+          <a:lnRef idx="2">
+            <a:schemeClr val="accent1">
+              <a:shade val="50000"/>
+            </a:schemeClr>
+          </a:lnRef>
+          <a:fillRef idx="1">
+            <a:schemeClr val="accent1"/>
+          </a:fillRef>
+          <a:effectRef idx="0">
+            <a:schemeClr val="accent1"/>
+          </a:effectRef>
+          <a:fontRef idx="minor">
+            <a:schemeClr val="lt1"/>
+          </a:fontRef>
+        </p:style>
+      </p:sp>
+      <p:sp>
+        <p:nvSpPr>
+          <p:cNvPr id="8" name="Rectangle 7"/>
+          <p:cNvSpPr/>
+          <p:nvPr/>
+        </p:nvSpPr>
+        <p:spPr>
+          <a:xfrm>
+            <a:off x="12" y="6334316"/>
+            <a:ext cx="9141619" cy="64008"/>
+          </a:xfrm>
+          <a:prstGeom prst="rect">
+            <a:avLst/>
+          </a:prstGeom>
+          <a:solidFill>
+            <a:schemeClr val="accent1"/>
+          </a:solidFill>
+          <a:ln>
+            <a:noFill/>
+          </a:ln>
+        </p:spPr>
+        <p:style>
+          <a:lnRef idx="2">
+            <a:schemeClr val="accent1">
+              <a:shade val="50000"/>
+            </a:schemeClr>
+          </a:lnRef>
+          <a:fillRef idx="1">
+            <a:schemeClr val="accent1"/>
+          </a:fillRef>
+          <a:effectRef idx="0">
+            <a:schemeClr val="accent1"/>
+          </a:effectRef>
+          <a:fontRef idx="minor">
+            <a:schemeClr val="lt1"/>
+          </a:fontRef>
+        </p:style>
+      </p:sp>
+      <p:sp>
+        <p:nvSpPr>
           <p:cNvPr id="2" name="Title 1"/>
           <p:cNvSpPr>
             <a:spLocks noGrp="1"/>
@@ -160,19 +242,35 @@
         </p:nvSpPr>
         <p:spPr>
           <a:xfrm>
-            <a:off x="685800" y="2130425"/>
-            <a:ext cx="7772400" cy="1470025"/>
+            <a:off x="822960" y="758952"/>
+            <a:ext cx="7543800" cy="3566160"/>
           </a:xfrm>
         </p:spPr>
         <p:txBody>
-          <a:bodyPr/>
-          <a:lstStyle/>
-          <a:p>
-            <a:r>
-              <a:rPr lang="en-US" smtClean="0"/>
+          <a:bodyPr anchor="b">
+            <a:normAutofit/>
+          </a:bodyPr>
+          <a:lstStyle>
+            <a:lvl1pPr algn="l">
+              <a:lnSpc>
+                <a:spcPct val="85000"/>
+              </a:lnSpc>
+              <a:defRPr sz="8000" spc="-50" baseline="0">
+                <a:solidFill>
+                  <a:schemeClr val="tx1">
+                    <a:lumMod val="85000"/>
+                    <a:lumOff val="15000"/>
+                  </a:schemeClr>
+                </a:solidFill>
+              </a:defRPr>
+            </a:lvl1pPr>
+          </a:lstStyle>
+          <a:p>
+            <a:r>
+              <a:rPr lang="en-US"/>
               <a:t>Click to edit Master title style</a:t>
             </a:r>
-            <a:endParaRPr lang="en-US"/>
+            <a:endParaRPr lang="en-US" dirty="0"/>
           </a:p>
         </p:txBody>
       </p:sp>
@@ -188,110 +286,63 @@
         </p:nvSpPr>
         <p:spPr>
           <a:xfrm>
-            <a:off x="1371600" y="3886200"/>
-            <a:ext cx="6400800" cy="1752600"/>
+            <a:off x="825038" y="4455621"/>
+            <a:ext cx="7543800" cy="1143000"/>
           </a:xfrm>
         </p:spPr>
         <p:txBody>
-          <a:bodyPr/>
+          <a:bodyPr lIns="91440" rIns="91440">
+            <a:normAutofit/>
+          </a:bodyPr>
           <a:lstStyle>
-            <a:lvl1pPr marL="0" indent="0" algn="ctr">
+            <a:lvl1pPr marL="0" indent="0" algn="l">
               <a:buNone/>
-              <a:defRPr>
+              <a:defRPr sz="2400" cap="all" spc="200" baseline="0">
                 <a:solidFill>
-                  <a:schemeClr val="tx1">
-                    <a:tint val="75000"/>
-                  </a:schemeClr>
+                  <a:schemeClr val="tx2"/>
                 </a:solidFill>
+                <a:latin typeface="+mj-lt"/>
               </a:defRPr>
             </a:lvl1pPr>
             <a:lvl2pPr marL="457200" indent="0" algn="ctr">
               <a:buNone/>
-              <a:defRPr>
-                <a:solidFill>
-                  <a:schemeClr val="tx1">
-                    <a:tint val="75000"/>
-                  </a:schemeClr>
-                </a:solidFill>
-              </a:defRPr>
+              <a:defRPr sz="2400"/>
             </a:lvl2pPr>
             <a:lvl3pPr marL="914400" indent="0" algn="ctr">
               <a:buNone/>
-              <a:defRPr>
-                <a:solidFill>
-                  <a:schemeClr val="tx1">
-                    <a:tint val="75000"/>
-                  </a:schemeClr>
-                </a:solidFill>
-              </a:defRPr>
+              <a:defRPr sz="2400"/>
             </a:lvl3pPr>
             <a:lvl4pPr marL="1371600" indent="0" algn="ctr">
               <a:buNone/>
-              <a:defRPr>
-                <a:solidFill>
-                  <a:schemeClr val="tx1">
-                    <a:tint val="75000"/>
-                  </a:schemeClr>
-                </a:solidFill>
-              </a:defRPr>
+              <a:defRPr sz="2000"/>
             </a:lvl4pPr>
             <a:lvl5pPr marL="1828800" indent="0" algn="ctr">
               <a:buNone/>
-              <a:defRPr>
-                <a:solidFill>
-                  <a:schemeClr val="tx1">
-                    <a:tint val="75000"/>
-                  </a:schemeClr>
-                </a:solidFill>
-              </a:defRPr>
+              <a:defRPr sz="2000"/>
             </a:lvl5pPr>
             <a:lvl6pPr marL="2286000" indent="0" algn="ctr">
               <a:buNone/>
-              <a:defRPr>
-                <a:solidFill>
-                  <a:schemeClr val="tx1">
-                    <a:tint val="75000"/>
-                  </a:schemeClr>
-                </a:solidFill>
-              </a:defRPr>
+              <a:defRPr sz="2000"/>
             </a:lvl6pPr>
             <a:lvl7pPr marL="2743200" indent="0" algn="ctr">
               <a:buNone/>
-              <a:defRPr>
-                <a:solidFill>
-                  <a:schemeClr val="tx1">
-                    <a:tint val="75000"/>
-                  </a:schemeClr>
-                </a:solidFill>
-              </a:defRPr>
+              <a:defRPr sz="2000"/>
             </a:lvl7pPr>
             <a:lvl8pPr marL="3200400" indent="0" algn="ctr">
               <a:buNone/>
-              <a:defRPr>
-                <a:solidFill>
-                  <a:schemeClr val="tx1">
-                    <a:tint val="75000"/>
-                  </a:schemeClr>
-                </a:solidFill>
-              </a:defRPr>
+              <a:defRPr sz="2000"/>
             </a:lvl8pPr>
             <a:lvl9pPr marL="3657600" indent="0" algn="ctr">
               <a:buNone/>
-              <a:defRPr>
-                <a:solidFill>
-                  <a:schemeClr val="tx1">
-                    <a:tint val="75000"/>
-                  </a:schemeClr>
-                </a:solidFill>
-              </a:defRPr>
+              <a:defRPr sz="2000"/>
             </a:lvl9pPr>
           </a:lstStyle>
           <a:p>
             <a:r>
-              <a:rPr lang="en-US" smtClean="0"/>
+              <a:rPr lang="en-US"/>
               <a:t>Click to edit Master subtitle style</a:t>
             </a:r>
-            <a:endParaRPr lang="en-US"/>
+            <a:endParaRPr lang="en-US" dirty="0"/>
           </a:p>
         </p:txBody>
       </p:sp>
@@ -312,7 +363,7 @@
           <a:p>
             <a:fld id="{5BCAD085-E8A6-8845-BD4E-CB4CCA059FC4}" type="datetimeFigureOut">
               <a:rPr lang="en-US" smtClean="0"/>
-              <a:t>1/27/13</a:t>
+              <a:t>8/28/2025</a:t>
             </a:fld>
             <a:endParaRPr lang="en-US"/>
           </a:p>
@@ -360,10 +411,48 @@
           </a:p>
         </p:txBody>
       </p:sp>
+      <p:cxnSp>
+        <p:nvCxnSpPr>
+          <p:cNvPr id="9" name="Straight Connector 8"/>
+          <p:cNvCxnSpPr/>
+          <p:nvPr/>
+        </p:nvCxnSpPr>
+        <p:spPr>
+          <a:xfrm>
+            <a:off x="905744" y="4343400"/>
+            <a:ext cx="7406640" cy="0"/>
+          </a:xfrm>
+          <a:prstGeom prst="line">
+            <a:avLst/>
+          </a:prstGeom>
+          <a:ln w="6350">
+            <a:solidFill>
+              <a:schemeClr val="tx1">
+                <a:lumMod val="50000"/>
+                <a:lumOff val="50000"/>
+              </a:schemeClr>
+            </a:solidFill>
+          </a:ln>
+        </p:spPr>
+        <p:style>
+          <a:lnRef idx="1">
+            <a:schemeClr val="accent1"/>
+          </a:lnRef>
+          <a:fillRef idx="0">
+            <a:schemeClr val="accent1"/>
+          </a:fillRef>
+          <a:effectRef idx="0">
+            <a:schemeClr val="accent1"/>
+          </a:effectRef>
+          <a:fontRef idx="minor">
+            <a:schemeClr val="tx1"/>
+          </a:fontRef>
+        </p:style>
+      </p:cxnSp>
     </p:spTree>
     <p:extLst>
       <p:ext uri="{BB962C8B-B14F-4D97-AF65-F5344CB8AC3E}">
-        <p14:creationId xmlns:p14="http://schemas.microsoft.com/office/powerpoint/2010/main" val="3168075583"/>
+        <p14:creationId xmlns:p14="http://schemas.microsoft.com/office/powerpoint/2010/main" val="1512715334"/>
       </p:ext>
     </p:extLst>
   </p:cSld>
@@ -406,10 +495,10 @@
           <a:lstStyle/>
           <a:p>
             <a:r>
-              <a:rPr lang="en-US" smtClean="0"/>
+              <a:rPr lang="en-US"/>
               <a:t>Click to edit Master title style</a:t>
             </a:r>
-            <a:endParaRPr lang="en-US"/>
+            <a:endParaRPr lang="en-US" dirty="0"/>
           </a:p>
         </p:txBody>
       </p:sp>
@@ -425,43 +514,43 @@
         </p:nvSpPr>
         <p:spPr/>
         <p:txBody>
-          <a:bodyPr vert="eaVert"/>
+          <a:bodyPr vert="eaVert" lIns="45720" tIns="0" rIns="45720" bIns="0"/>
           <a:lstStyle/>
           <a:p>
             <a:pPr lvl="0"/>
             <a:r>
-              <a:rPr lang="en-US" smtClean="0"/>
+              <a:rPr lang="en-US"/>
               <a:t>Click to edit Master text styles</a:t>
             </a:r>
           </a:p>
           <a:p>
             <a:pPr lvl="1"/>
             <a:r>
-              <a:rPr lang="en-US" smtClean="0"/>
+              <a:rPr lang="en-US"/>
               <a:t>Second level</a:t>
             </a:r>
           </a:p>
           <a:p>
             <a:pPr lvl="2"/>
             <a:r>
-              <a:rPr lang="en-US" smtClean="0"/>
+              <a:rPr lang="en-US"/>
               <a:t>Third level</a:t>
             </a:r>
           </a:p>
           <a:p>
             <a:pPr lvl="3"/>
             <a:r>
-              <a:rPr lang="en-US" smtClean="0"/>
+              <a:rPr lang="en-US"/>
               <a:t>Fourth level</a:t>
             </a:r>
           </a:p>
           <a:p>
             <a:pPr lvl="4"/>
             <a:r>
-              <a:rPr lang="en-US" smtClean="0"/>
+              <a:rPr lang="en-US"/>
               <a:t>Fifth level</a:t>
             </a:r>
-            <a:endParaRPr lang="en-US"/>
+            <a:endParaRPr lang="en-US" dirty="0"/>
           </a:p>
         </p:txBody>
       </p:sp>
@@ -482,7 +571,7 @@
           <a:p>
             <a:fld id="{5BCAD085-E8A6-8845-BD4E-CB4CCA059FC4}" type="datetimeFigureOut">
               <a:rPr lang="en-US" smtClean="0"/>
-              <a:t>1/27/13</a:t>
+              <a:t>8/28/2025</a:t>
             </a:fld>
             <a:endParaRPr lang="en-US"/>
           </a:p>
@@ -533,7 +622,7 @@
     </p:spTree>
     <p:extLst>
       <p:ext uri="{BB962C8B-B14F-4D97-AF65-F5344CB8AC3E}">
-        <p14:creationId xmlns:p14="http://schemas.microsoft.com/office/powerpoint/2010/main" val="2910927964"/>
+        <p14:creationId xmlns:p14="http://schemas.microsoft.com/office/powerpoint/2010/main" val="3561714841"/>
       </p:ext>
     </p:extLst>
   </p:cSld>
@@ -544,7 +633,7 @@
 </file>
 
 <file path=ppt/slideLayouts/slideLayout11.xml><?xml version="1.0" encoding="utf-8"?>
-<p:sldLayout xmlns:a="http://schemas.openxmlformats.org/drawingml/2006/main" xmlns:r="http://schemas.openxmlformats.org/officeDocument/2006/relationships" xmlns:p="http://schemas.openxmlformats.org/presentationml/2006/main" type="vertTitleAndTx" preserve="1">
+<p:sldLayout xmlns:a="http://schemas.openxmlformats.org/drawingml/2006/main" xmlns:r="http://schemas.openxmlformats.org/officeDocument/2006/relationships" xmlns:p="http://schemas.openxmlformats.org/presentationml/2006/main" showMasterSp="0" type="vertTitleAndTx" preserve="1">
   <p:cSld name="Vertical Title and Text">
     <p:spTree>
       <p:nvGrpSpPr>
@@ -562,6 +651,82 @@
       </p:grpSpPr>
       <p:sp>
         <p:nvSpPr>
+          <p:cNvPr id="7" name="Rectangle 6"/>
+          <p:cNvSpPr/>
+          <p:nvPr/>
+        </p:nvSpPr>
+        <p:spPr>
+          <a:xfrm>
+            <a:off x="2382" y="6400800"/>
+            <a:ext cx="9141619" cy="457200"/>
+          </a:xfrm>
+          <a:prstGeom prst="rect">
+            <a:avLst/>
+          </a:prstGeom>
+          <a:solidFill>
+            <a:schemeClr val="accent2"/>
+          </a:solidFill>
+          <a:ln>
+            <a:noFill/>
+          </a:ln>
+        </p:spPr>
+        <p:style>
+          <a:lnRef idx="2">
+            <a:schemeClr val="accent1">
+              <a:shade val="50000"/>
+            </a:schemeClr>
+          </a:lnRef>
+          <a:fillRef idx="1">
+            <a:schemeClr val="accent1"/>
+          </a:fillRef>
+          <a:effectRef idx="0">
+            <a:schemeClr val="accent1"/>
+          </a:effectRef>
+          <a:fontRef idx="minor">
+            <a:schemeClr val="lt1"/>
+          </a:fontRef>
+        </p:style>
+      </p:sp>
+      <p:sp>
+        <p:nvSpPr>
+          <p:cNvPr id="8" name="Rectangle 7"/>
+          <p:cNvSpPr/>
+          <p:nvPr/>
+        </p:nvSpPr>
+        <p:spPr>
+          <a:xfrm>
+            <a:off x="12" y="6334316"/>
+            <a:ext cx="9141619" cy="64008"/>
+          </a:xfrm>
+          <a:prstGeom prst="rect">
+            <a:avLst/>
+          </a:prstGeom>
+          <a:solidFill>
+            <a:schemeClr val="accent1"/>
+          </a:solidFill>
+          <a:ln>
+            <a:noFill/>
+          </a:ln>
+        </p:spPr>
+        <p:style>
+          <a:lnRef idx="2">
+            <a:schemeClr val="accent1">
+              <a:shade val="50000"/>
+            </a:schemeClr>
+          </a:lnRef>
+          <a:fillRef idx="1">
+            <a:schemeClr val="accent1"/>
+          </a:fillRef>
+          <a:effectRef idx="0">
+            <a:schemeClr val="accent1"/>
+          </a:effectRef>
+          <a:fontRef idx="minor">
+            <a:schemeClr val="lt1"/>
+          </a:fontRef>
+        </p:style>
+      </p:sp>
+      <p:sp>
+        <p:nvSpPr>
           <p:cNvPr id="2" name="Vertical Title 1"/>
           <p:cNvSpPr>
             <a:spLocks noGrp="1"/>
@@ -572,8 +737,8 @@
         </p:nvSpPr>
         <p:spPr>
           <a:xfrm>
-            <a:off x="6629400" y="274638"/>
-            <a:ext cx="2057400" cy="5851525"/>
+            <a:off x="6543675" y="412302"/>
+            <a:ext cx="1971675" cy="5759898"/>
           </a:xfrm>
         </p:spPr>
         <p:txBody>
@@ -581,10 +746,10 @@
           <a:lstStyle/>
           <a:p>
             <a:r>
-              <a:rPr lang="en-US" smtClean="0"/>
+              <a:rPr lang="en-US"/>
               <a:t>Click to edit Master title style</a:t>
             </a:r>
-            <a:endParaRPr lang="en-US"/>
+            <a:endParaRPr lang="en-US" dirty="0"/>
           </a:p>
         </p:txBody>
       </p:sp>
@@ -600,48 +765,48 @@
         </p:nvSpPr>
         <p:spPr>
           <a:xfrm>
-            <a:off x="457200" y="274638"/>
-            <a:ext cx="6019800" cy="5851525"/>
+            <a:off x="628650" y="412302"/>
+            <a:ext cx="5800725" cy="5759898"/>
           </a:xfrm>
         </p:spPr>
         <p:txBody>
-          <a:bodyPr vert="eaVert"/>
+          <a:bodyPr vert="eaVert" lIns="45720" tIns="0" rIns="45720" bIns="0"/>
           <a:lstStyle/>
           <a:p>
             <a:pPr lvl="0"/>
             <a:r>
-              <a:rPr lang="en-US" smtClean="0"/>
+              <a:rPr lang="en-US"/>
               <a:t>Click to edit Master text styles</a:t>
             </a:r>
           </a:p>
           <a:p>
             <a:pPr lvl="1"/>
             <a:r>
-              <a:rPr lang="en-US" smtClean="0"/>
+              <a:rPr lang="en-US"/>
               <a:t>Second level</a:t>
             </a:r>
           </a:p>
           <a:p>
             <a:pPr lvl="2"/>
             <a:r>
-              <a:rPr lang="en-US" smtClean="0"/>
+              <a:rPr lang="en-US"/>
               <a:t>Third level</a:t>
             </a:r>
           </a:p>
           <a:p>
             <a:pPr lvl="3"/>
             <a:r>
-              <a:rPr lang="en-US" smtClean="0"/>
+              <a:rPr lang="en-US"/>
               <a:t>Fourth level</a:t>
             </a:r>
           </a:p>
           <a:p>
             <a:pPr lvl="4"/>
             <a:r>
-              <a:rPr lang="en-US" smtClean="0"/>
+              <a:rPr lang="en-US"/>
               <a:t>Fifth level</a:t>
             </a:r>
-            <a:endParaRPr lang="en-US"/>
+            <a:endParaRPr lang="en-US" dirty="0"/>
           </a:p>
         </p:txBody>
       </p:sp>
@@ -662,7 +827,7 @@
           <a:p>
             <a:fld id="{5BCAD085-E8A6-8845-BD4E-CB4CCA059FC4}" type="datetimeFigureOut">
               <a:rPr lang="en-US" smtClean="0"/>
-              <a:t>1/27/13</a:t>
+              <a:t>8/28/2025</a:t>
             </a:fld>
             <a:endParaRPr lang="en-US"/>
           </a:p>
@@ -713,7 +878,7 @@
     </p:spTree>
     <p:extLst>
       <p:ext uri="{BB962C8B-B14F-4D97-AF65-F5344CB8AC3E}">
-        <p14:creationId xmlns:p14="http://schemas.microsoft.com/office/powerpoint/2010/main" val="3612223792"/>
+        <p14:creationId xmlns:p14="http://schemas.microsoft.com/office/powerpoint/2010/main" val="168184402"/>
       </p:ext>
     </p:extLst>
   </p:cSld>
@@ -756,10 +921,10 @@
           <a:lstStyle/>
           <a:p>
             <a:r>
-              <a:rPr lang="en-US" smtClean="0"/>
+              <a:rPr lang="en-US"/>
               <a:t>Click to edit Master title style</a:t>
             </a:r>
-            <a:endParaRPr lang="en-US"/>
+            <a:endParaRPr lang="en-US" dirty="0"/>
           </a:p>
         </p:txBody>
       </p:sp>
@@ -780,38 +945,38 @@
           <a:p>
             <a:pPr lvl="0"/>
             <a:r>
-              <a:rPr lang="en-US" smtClean="0"/>
+              <a:rPr lang="en-US"/>
               <a:t>Click to edit Master text styles</a:t>
             </a:r>
           </a:p>
           <a:p>
             <a:pPr lvl="1"/>
             <a:r>
-              <a:rPr lang="en-US" smtClean="0"/>
+              <a:rPr lang="en-US"/>
               <a:t>Second level</a:t>
             </a:r>
           </a:p>
           <a:p>
             <a:pPr lvl="2"/>
             <a:r>
-              <a:rPr lang="en-US" smtClean="0"/>
+              <a:rPr lang="en-US"/>
               <a:t>Third level</a:t>
             </a:r>
           </a:p>
           <a:p>
             <a:pPr lvl="3"/>
             <a:r>
-              <a:rPr lang="en-US" smtClean="0"/>
+              <a:rPr lang="en-US"/>
               <a:t>Fourth level</a:t>
             </a:r>
           </a:p>
           <a:p>
             <a:pPr lvl="4"/>
             <a:r>
-              <a:rPr lang="en-US" smtClean="0"/>
+              <a:rPr lang="en-US"/>
               <a:t>Fifth level</a:t>
             </a:r>
-            <a:endParaRPr lang="en-US"/>
+            <a:endParaRPr lang="en-US" dirty="0"/>
           </a:p>
         </p:txBody>
       </p:sp>
@@ -832,7 +997,7 @@
           <a:p>
             <a:fld id="{5BCAD085-E8A6-8845-BD4E-CB4CCA059FC4}" type="datetimeFigureOut">
               <a:rPr lang="en-US" smtClean="0"/>
-              <a:t>1/27/13</a:t>
+              <a:t>8/28/2025</a:t>
             </a:fld>
             <a:endParaRPr lang="en-US"/>
           </a:p>
@@ -883,7 +1048,7 @@
     </p:spTree>
     <p:extLst>
       <p:ext uri="{BB962C8B-B14F-4D97-AF65-F5344CB8AC3E}">
-        <p14:creationId xmlns:p14="http://schemas.microsoft.com/office/powerpoint/2010/main" val="2614314258"/>
+        <p14:creationId xmlns:p14="http://schemas.microsoft.com/office/powerpoint/2010/main" val="79518275"/>
       </p:ext>
     </p:extLst>
   </p:cSld>
@@ -894,8 +1059,16 @@
 </file>
 
 <file path=ppt/slideLayouts/slideLayout3.xml><?xml version="1.0" encoding="utf-8"?>
-<p:sldLayout xmlns:a="http://schemas.openxmlformats.org/drawingml/2006/main" xmlns:r="http://schemas.openxmlformats.org/officeDocument/2006/relationships" xmlns:p="http://schemas.openxmlformats.org/presentationml/2006/main" type="secHead" preserve="1">
+<p:sldLayout xmlns:a="http://schemas.openxmlformats.org/drawingml/2006/main" xmlns:r="http://schemas.openxmlformats.org/officeDocument/2006/relationships" xmlns:p="http://schemas.openxmlformats.org/presentationml/2006/main" showMasterSp="0" type="secHead" preserve="1">
   <p:cSld name="Section Header">
+    <p:bg>
+      <p:bgPr>
+        <a:solidFill>
+          <a:schemeClr val="bg1"/>
+        </a:solidFill>
+        <a:effectLst/>
+      </p:bgPr>
+    </p:bg>
     <p:spTree>
       <p:nvGrpSpPr>
         <p:cNvPr id="1" name=""/>
@@ -912,6 +1085,82 @@
       </p:grpSpPr>
       <p:sp>
         <p:nvSpPr>
+          <p:cNvPr id="7" name="Rectangle 6"/>
+          <p:cNvSpPr/>
+          <p:nvPr/>
+        </p:nvSpPr>
+        <p:spPr>
+          <a:xfrm>
+            <a:off x="2382" y="6400800"/>
+            <a:ext cx="9141619" cy="457200"/>
+          </a:xfrm>
+          <a:prstGeom prst="rect">
+            <a:avLst/>
+          </a:prstGeom>
+          <a:solidFill>
+            <a:schemeClr val="accent2"/>
+          </a:solidFill>
+          <a:ln>
+            <a:noFill/>
+          </a:ln>
+        </p:spPr>
+        <p:style>
+          <a:lnRef idx="2">
+            <a:schemeClr val="accent1">
+              <a:shade val="50000"/>
+            </a:schemeClr>
+          </a:lnRef>
+          <a:fillRef idx="1">
+            <a:schemeClr val="accent1"/>
+          </a:fillRef>
+          <a:effectRef idx="0">
+            <a:schemeClr val="accent1"/>
+          </a:effectRef>
+          <a:fontRef idx="minor">
+            <a:schemeClr val="lt1"/>
+          </a:fontRef>
+        </p:style>
+      </p:sp>
+      <p:sp>
+        <p:nvSpPr>
+          <p:cNvPr id="8" name="Rectangle 7"/>
+          <p:cNvSpPr/>
+          <p:nvPr/>
+        </p:nvSpPr>
+        <p:spPr>
+          <a:xfrm>
+            <a:off x="12" y="6334316"/>
+            <a:ext cx="9141619" cy="64008"/>
+          </a:xfrm>
+          <a:prstGeom prst="rect">
+            <a:avLst/>
+          </a:prstGeom>
+          <a:solidFill>
+            <a:schemeClr val="accent1"/>
+          </a:solidFill>
+          <a:ln>
+            <a:noFill/>
+          </a:ln>
+        </p:spPr>
+        <p:style>
+          <a:lnRef idx="2">
+            <a:schemeClr val="accent1">
+              <a:shade val="50000"/>
+            </a:schemeClr>
+          </a:lnRef>
+          <a:fillRef idx="1">
+            <a:schemeClr val="accent1"/>
+          </a:fillRef>
+          <a:effectRef idx="0">
+            <a:schemeClr val="accent1"/>
+          </a:effectRef>
+          <a:fontRef idx="minor">
+            <a:schemeClr val="lt1"/>
+          </a:fontRef>
+        </p:style>
+      </p:sp>
+      <p:sp>
+        <p:nvSpPr>
           <p:cNvPr id="2" name="Title 1"/>
           <p:cNvSpPr>
             <a:spLocks noGrp="1"/>
@@ -922,23 +1171,35 @@
         </p:nvSpPr>
         <p:spPr>
           <a:xfrm>
-            <a:off x="722313" y="4406900"/>
-            <a:ext cx="7772400" cy="1362075"/>
+            <a:off x="822960" y="758952"/>
+            <a:ext cx="7543800" cy="3566160"/>
           </a:xfrm>
         </p:spPr>
         <p:txBody>
-          <a:bodyPr anchor="t"/>
+          <a:bodyPr anchor="b" anchorCtr="0">
+            <a:normAutofit/>
+          </a:bodyPr>
           <a:lstStyle>
-            <a:lvl1pPr algn="l">
-              <a:defRPr sz="4000" b="1" cap="all"/>
+            <a:lvl1pPr>
+              <a:lnSpc>
+                <a:spcPct val="85000"/>
+              </a:lnSpc>
+              <a:defRPr sz="8000" b="0">
+                <a:solidFill>
+                  <a:schemeClr val="tx1">
+                    <a:lumMod val="85000"/>
+                    <a:lumOff val="15000"/>
+                  </a:schemeClr>
+                </a:solidFill>
+              </a:defRPr>
             </a:lvl1pPr>
           </a:lstStyle>
           <a:p>
             <a:r>
-              <a:rPr lang="en-US" smtClean="0"/>
+              <a:rPr lang="en-US"/>
               <a:t>Click to edit Master title style</a:t>
             </a:r>
-            <a:endParaRPr lang="en-US"/>
+            <a:endParaRPr lang="en-US" dirty="0"/>
           </a:p>
         </p:txBody>
       </p:sp>
@@ -954,21 +1215,22 @@
         </p:nvSpPr>
         <p:spPr>
           <a:xfrm>
-            <a:off x="722313" y="2906713"/>
-            <a:ext cx="7772400" cy="1500187"/>
+            <a:off x="822960" y="4453128"/>
+            <a:ext cx="7543800" cy="1143000"/>
           </a:xfrm>
         </p:spPr>
         <p:txBody>
-          <a:bodyPr anchor="b"/>
+          <a:bodyPr lIns="91440" rIns="91440" anchor="t" anchorCtr="0">
+            <a:normAutofit/>
+          </a:bodyPr>
           <a:lstStyle>
             <a:lvl1pPr marL="0" indent="0">
               <a:buNone/>
-              <a:defRPr sz="2000">
+              <a:defRPr sz="2400" cap="all" spc="200" baseline="0">
                 <a:solidFill>
-                  <a:schemeClr val="tx1">
-                    <a:tint val="75000"/>
-                  </a:schemeClr>
+                  <a:schemeClr val="tx2"/>
                 </a:solidFill>
+                <a:latin typeface="+mj-lt"/>
               </a:defRPr>
             </a:lvl1pPr>
             <a:lvl2pPr marL="457200" indent="0">
@@ -1055,7 +1317,7 @@
           <a:p>
             <a:pPr lvl="0"/>
             <a:r>
-              <a:rPr lang="en-US" smtClean="0"/>
+              <a:rPr lang="en-US"/>
               <a:t>Click to edit Master text styles</a:t>
             </a:r>
           </a:p>
@@ -1078,7 +1340,7 @@
           <a:p>
             <a:fld id="{5BCAD085-E8A6-8845-BD4E-CB4CCA059FC4}" type="datetimeFigureOut">
               <a:rPr lang="en-US" smtClean="0"/>
-              <a:t>1/27/13</a:t>
+              <a:t>8/28/2025</a:t>
             </a:fld>
             <a:endParaRPr lang="en-US"/>
           </a:p>
@@ -1126,10 +1388,48 @@
           </a:p>
         </p:txBody>
       </p:sp>
+      <p:cxnSp>
+        <p:nvCxnSpPr>
+          <p:cNvPr id="9" name="Straight Connector 8"/>
+          <p:cNvCxnSpPr/>
+          <p:nvPr/>
+        </p:nvCxnSpPr>
+        <p:spPr>
+          <a:xfrm>
+            <a:off x="905744" y="4343400"/>
+            <a:ext cx="7406640" cy="0"/>
+          </a:xfrm>
+          <a:prstGeom prst="line">
+            <a:avLst/>
+          </a:prstGeom>
+          <a:ln w="6350">
+            <a:solidFill>
+              <a:schemeClr val="tx1">
+                <a:lumMod val="50000"/>
+                <a:lumOff val="50000"/>
+              </a:schemeClr>
+            </a:solidFill>
+          </a:ln>
+        </p:spPr>
+        <p:style>
+          <a:lnRef idx="1">
+            <a:schemeClr val="accent1"/>
+          </a:lnRef>
+          <a:fillRef idx="0">
+            <a:schemeClr val="accent1"/>
+          </a:fillRef>
+          <a:effectRef idx="0">
+            <a:schemeClr val="accent1"/>
+          </a:effectRef>
+          <a:fontRef idx="minor">
+            <a:schemeClr val="tx1"/>
+          </a:fontRef>
+        </p:style>
+      </p:cxnSp>
     </p:spTree>
     <p:extLst>
       <p:ext uri="{BB962C8B-B14F-4D97-AF65-F5344CB8AC3E}">
-        <p14:creationId xmlns:p14="http://schemas.microsoft.com/office/powerpoint/2010/main" val="960648375"/>
+        <p14:creationId xmlns:p14="http://schemas.microsoft.com/office/powerpoint/2010/main" val="406549108"/>
       </p:ext>
     </p:extLst>
   </p:cSld>
@@ -1158,7 +1458,7 @@
       </p:grpSpPr>
       <p:sp>
         <p:nvSpPr>
-          <p:cNvPr id="2" name="Title 1"/>
+          <p:cNvPr id="8" name="Title 7"/>
           <p:cNvSpPr>
             <a:spLocks noGrp="1"/>
           </p:cNvSpPr>
@@ -1166,16 +1466,21 @@
             <p:ph type="title"/>
           </p:nvPr>
         </p:nvSpPr>
-        <p:spPr/>
+        <p:spPr>
+          <a:xfrm>
+            <a:off x="822960" y="286604"/>
+            <a:ext cx="7543800" cy="1450757"/>
+          </a:xfrm>
+        </p:spPr>
         <p:txBody>
           <a:bodyPr/>
           <a:lstStyle/>
           <a:p>
             <a:r>
-              <a:rPr lang="en-US" smtClean="0"/>
+              <a:rPr lang="en-US"/>
               <a:t>Click to edit Master title style</a:t>
             </a:r>
-            <a:endParaRPr lang="en-US"/>
+            <a:endParaRPr lang="en-US" dirty="0"/>
           </a:p>
         </p:txBody>
       </p:sp>
@@ -1191,76 +1496,48 @@
         </p:nvSpPr>
         <p:spPr>
           <a:xfrm>
-            <a:off x="457200" y="1600200"/>
-            <a:ext cx="4038600" cy="4525963"/>
+            <a:off x="822960" y="1845734"/>
+            <a:ext cx="3703320" cy="4023360"/>
           </a:xfrm>
         </p:spPr>
         <p:txBody>
           <a:bodyPr/>
-          <a:lstStyle>
-            <a:lvl1pPr>
-              <a:defRPr sz="2800"/>
-            </a:lvl1pPr>
-            <a:lvl2pPr>
-              <a:defRPr sz="2400"/>
-            </a:lvl2pPr>
-            <a:lvl3pPr>
-              <a:defRPr sz="2000"/>
-            </a:lvl3pPr>
-            <a:lvl4pPr>
-              <a:defRPr sz="1800"/>
-            </a:lvl4pPr>
-            <a:lvl5pPr>
-              <a:defRPr sz="1800"/>
-            </a:lvl5pPr>
-            <a:lvl6pPr>
-              <a:defRPr sz="1800"/>
-            </a:lvl6pPr>
-            <a:lvl7pPr>
-              <a:defRPr sz="1800"/>
-            </a:lvl7pPr>
-            <a:lvl8pPr>
-              <a:defRPr sz="1800"/>
-            </a:lvl8pPr>
-            <a:lvl9pPr>
-              <a:defRPr sz="1800"/>
-            </a:lvl9pPr>
-          </a:lstStyle>
+          <a:lstStyle/>
           <a:p>
             <a:pPr lvl="0"/>
             <a:r>
-              <a:rPr lang="en-US" smtClean="0"/>
+              <a:rPr lang="en-US"/>
               <a:t>Click to edit Master text styles</a:t>
             </a:r>
           </a:p>
           <a:p>
             <a:pPr lvl="1"/>
             <a:r>
-              <a:rPr lang="en-US" smtClean="0"/>
+              <a:rPr lang="en-US"/>
               <a:t>Second level</a:t>
             </a:r>
           </a:p>
           <a:p>
             <a:pPr lvl="2"/>
             <a:r>
-              <a:rPr lang="en-US" smtClean="0"/>
+              <a:rPr lang="en-US"/>
               <a:t>Third level</a:t>
             </a:r>
           </a:p>
           <a:p>
             <a:pPr lvl="3"/>
             <a:r>
-              <a:rPr lang="en-US" smtClean="0"/>
+              <a:rPr lang="en-US"/>
               <a:t>Fourth level</a:t>
             </a:r>
           </a:p>
           <a:p>
             <a:pPr lvl="4"/>
             <a:r>
-              <a:rPr lang="en-US" smtClean="0"/>
+              <a:rPr lang="en-US"/>
               <a:t>Fifth level</a:t>
             </a:r>
-            <a:endParaRPr lang="en-US"/>
+            <a:endParaRPr lang="en-US" dirty="0"/>
           </a:p>
         </p:txBody>
       </p:sp>
@@ -1276,76 +1553,48 @@
         </p:nvSpPr>
         <p:spPr>
           <a:xfrm>
-            <a:off x="4648200" y="1600200"/>
-            <a:ext cx="4038600" cy="4525963"/>
+            <a:off x="4663440" y="1845735"/>
+            <a:ext cx="3703320" cy="4023360"/>
           </a:xfrm>
         </p:spPr>
         <p:txBody>
           <a:bodyPr/>
-          <a:lstStyle>
-            <a:lvl1pPr>
-              <a:defRPr sz="2800"/>
-            </a:lvl1pPr>
-            <a:lvl2pPr>
-              <a:defRPr sz="2400"/>
-            </a:lvl2pPr>
-            <a:lvl3pPr>
-              <a:defRPr sz="2000"/>
-            </a:lvl3pPr>
-            <a:lvl4pPr>
-              <a:defRPr sz="1800"/>
-            </a:lvl4pPr>
-            <a:lvl5pPr>
-              <a:defRPr sz="1800"/>
-            </a:lvl5pPr>
-            <a:lvl6pPr>
-              <a:defRPr sz="1800"/>
-            </a:lvl6pPr>
-            <a:lvl7pPr>
-              <a:defRPr sz="1800"/>
-            </a:lvl7pPr>
-            <a:lvl8pPr>
-              <a:defRPr sz="1800"/>
-            </a:lvl8pPr>
-            <a:lvl9pPr>
-              <a:defRPr sz="1800"/>
-            </a:lvl9pPr>
-          </a:lstStyle>
+          <a:lstStyle/>
           <a:p>
             <a:pPr lvl="0"/>
             <a:r>
-              <a:rPr lang="en-US" smtClean="0"/>
+              <a:rPr lang="en-US"/>
               <a:t>Click to edit Master text styles</a:t>
             </a:r>
           </a:p>
           <a:p>
             <a:pPr lvl="1"/>
             <a:r>
-              <a:rPr lang="en-US" smtClean="0"/>
+              <a:rPr lang="en-US"/>
               <a:t>Second level</a:t>
             </a:r>
           </a:p>
           <a:p>
             <a:pPr lvl="2"/>
             <a:r>
-              <a:rPr lang="en-US" smtClean="0"/>
+              <a:rPr lang="en-US"/>
               <a:t>Third level</a:t>
             </a:r>
           </a:p>
           <a:p>
             <a:pPr lvl="3"/>
             <a:r>
-              <a:rPr lang="en-US" smtClean="0"/>
+              <a:rPr lang="en-US"/>
               <a:t>Fourth level</a:t>
             </a:r>
           </a:p>
           <a:p>
             <a:pPr lvl="4"/>
             <a:r>
-              <a:rPr lang="en-US" smtClean="0"/>
+              <a:rPr lang="en-US"/>
               <a:t>Fifth level</a:t>
             </a:r>
-            <a:endParaRPr lang="en-US"/>
+            <a:endParaRPr lang="en-US" dirty="0"/>
           </a:p>
         </p:txBody>
       </p:sp>
@@ -1366,7 +1615,7 @@
           <a:p>
             <a:fld id="{5BCAD085-E8A6-8845-BD4E-CB4CCA059FC4}" type="datetimeFigureOut">
               <a:rPr lang="en-US" smtClean="0"/>
-              <a:t>1/27/13</a:t>
+              <a:t>8/28/2025</a:t>
             </a:fld>
             <a:endParaRPr lang="en-US"/>
           </a:p>
@@ -1417,7 +1666,7 @@
     </p:spTree>
     <p:extLst>
       <p:ext uri="{BB962C8B-B14F-4D97-AF65-F5344CB8AC3E}">
-        <p14:creationId xmlns:p14="http://schemas.microsoft.com/office/powerpoint/2010/main" val="2782244947"/>
+        <p14:creationId xmlns:p14="http://schemas.microsoft.com/office/powerpoint/2010/main" val="1520699160"/>
       </p:ext>
     </p:extLst>
   </p:cSld>
@@ -1446,7 +1695,7 @@
       </p:grpSpPr>
       <p:sp>
         <p:nvSpPr>
-          <p:cNvPr id="2" name="Title 1"/>
+          <p:cNvPr id="10" name="Title 9"/>
           <p:cNvSpPr>
             <a:spLocks noGrp="1"/>
           </p:cNvSpPr>
@@ -1454,20 +1703,21 @@
             <p:ph type="title"/>
           </p:nvPr>
         </p:nvSpPr>
-        <p:spPr/>
+        <p:spPr>
+          <a:xfrm>
+            <a:off x="822960" y="286604"/>
+            <a:ext cx="7543800" cy="1450757"/>
+          </a:xfrm>
+        </p:spPr>
         <p:txBody>
           <a:bodyPr/>
-          <a:lstStyle>
-            <a:lvl1pPr>
-              <a:defRPr/>
-            </a:lvl1pPr>
-          </a:lstStyle>
-          <a:p>
-            <a:r>
-              <a:rPr lang="en-US" smtClean="0"/>
+          <a:lstStyle/>
+          <a:p>
+            <a:r>
+              <a:rPr lang="en-US"/>
               <a:t>Click to edit Master title style</a:t>
             </a:r>
-            <a:endParaRPr lang="en-US"/>
+            <a:endParaRPr lang="en-US" dirty="0"/>
           </a:p>
         </p:txBody>
       </p:sp>
@@ -1483,16 +1733,22 @@
         </p:nvSpPr>
         <p:spPr>
           <a:xfrm>
-            <a:off x="457200" y="1535113"/>
-            <a:ext cx="4040188" cy="639762"/>
+            <a:off x="822960" y="1846052"/>
+            <a:ext cx="3703320" cy="736282"/>
           </a:xfrm>
         </p:spPr>
         <p:txBody>
-          <a:bodyPr anchor="b"/>
+          <a:bodyPr lIns="91440" rIns="91440" anchor="ctr">
+            <a:normAutofit/>
+          </a:bodyPr>
           <a:lstStyle>
             <a:lvl1pPr marL="0" indent="0">
               <a:buNone/>
-              <a:defRPr sz="2400" b="1"/>
+              <a:defRPr sz="2000" b="0" cap="all" baseline="0">
+                <a:solidFill>
+                  <a:schemeClr val="tx2"/>
+                </a:solidFill>
+              </a:defRPr>
             </a:lvl1pPr>
             <a:lvl2pPr marL="457200" indent="0">
               <a:buNone/>
@@ -1530,7 +1786,7 @@
           <a:p>
             <a:pPr lvl="0"/>
             <a:r>
-              <a:rPr lang="en-US" smtClean="0"/>
+              <a:rPr lang="en-US"/>
               <a:t>Click to edit Master text styles</a:t>
             </a:r>
           </a:p>
@@ -1548,76 +1804,48 @@
         </p:nvSpPr>
         <p:spPr>
           <a:xfrm>
-            <a:off x="457200" y="2174875"/>
-            <a:ext cx="4040188" cy="3951288"/>
+            <a:off x="822960" y="2582334"/>
+            <a:ext cx="3703320" cy="3378200"/>
           </a:xfrm>
         </p:spPr>
         <p:txBody>
           <a:bodyPr/>
-          <a:lstStyle>
-            <a:lvl1pPr>
-              <a:defRPr sz="2400"/>
-            </a:lvl1pPr>
-            <a:lvl2pPr>
-              <a:defRPr sz="2000"/>
-            </a:lvl2pPr>
-            <a:lvl3pPr>
-              <a:defRPr sz="1800"/>
-            </a:lvl3pPr>
-            <a:lvl4pPr>
-              <a:defRPr sz="1600"/>
-            </a:lvl4pPr>
-            <a:lvl5pPr>
-              <a:defRPr sz="1600"/>
-            </a:lvl5pPr>
-            <a:lvl6pPr>
-              <a:defRPr sz="1600"/>
-            </a:lvl6pPr>
-            <a:lvl7pPr>
-              <a:defRPr sz="1600"/>
-            </a:lvl7pPr>
-            <a:lvl8pPr>
-              <a:defRPr sz="1600"/>
-            </a:lvl8pPr>
-            <a:lvl9pPr>
-              <a:defRPr sz="1600"/>
-            </a:lvl9pPr>
-          </a:lstStyle>
+          <a:lstStyle/>
           <a:p>
             <a:pPr lvl="0"/>
             <a:r>
-              <a:rPr lang="en-US" smtClean="0"/>
+              <a:rPr lang="en-US"/>
               <a:t>Click to edit Master text styles</a:t>
             </a:r>
           </a:p>
           <a:p>
             <a:pPr lvl="1"/>
             <a:r>
-              <a:rPr lang="en-US" smtClean="0"/>
+              <a:rPr lang="en-US"/>
               <a:t>Second level</a:t>
             </a:r>
           </a:p>
           <a:p>
             <a:pPr lvl="2"/>
             <a:r>
-              <a:rPr lang="en-US" smtClean="0"/>
+              <a:rPr lang="en-US"/>
               <a:t>Third level</a:t>
             </a:r>
           </a:p>
           <a:p>
             <a:pPr lvl="3"/>
             <a:r>
-              <a:rPr lang="en-US" smtClean="0"/>
+              <a:rPr lang="en-US"/>
               <a:t>Fourth level</a:t>
             </a:r>
           </a:p>
           <a:p>
             <a:pPr lvl="4"/>
             <a:r>
-              <a:rPr lang="en-US" smtClean="0"/>
+              <a:rPr lang="en-US"/>
               <a:t>Fifth level</a:t>
             </a:r>
-            <a:endParaRPr lang="en-US"/>
+            <a:endParaRPr lang="en-US" dirty="0"/>
           </a:p>
         </p:txBody>
       </p:sp>
@@ -1633,16 +1861,22 @@
         </p:nvSpPr>
         <p:spPr>
           <a:xfrm>
-            <a:off x="4645025" y="1535113"/>
-            <a:ext cx="4041775" cy="639762"/>
+            <a:off x="4663440" y="1846052"/>
+            <a:ext cx="3703320" cy="736282"/>
           </a:xfrm>
         </p:spPr>
         <p:txBody>
-          <a:bodyPr anchor="b"/>
+          <a:bodyPr lIns="91440" rIns="91440" anchor="ctr">
+            <a:normAutofit/>
+          </a:bodyPr>
           <a:lstStyle>
             <a:lvl1pPr marL="0" indent="0">
               <a:buNone/>
-              <a:defRPr sz="2400" b="1"/>
+              <a:defRPr sz="2000" b="0" cap="all" baseline="0">
+                <a:solidFill>
+                  <a:schemeClr val="tx2"/>
+                </a:solidFill>
+              </a:defRPr>
             </a:lvl1pPr>
             <a:lvl2pPr marL="457200" indent="0">
               <a:buNone/>
@@ -1680,7 +1914,7 @@
           <a:p>
             <a:pPr lvl="0"/>
             <a:r>
-              <a:rPr lang="en-US" smtClean="0"/>
+              <a:rPr lang="en-US"/>
               <a:t>Click to edit Master text styles</a:t>
             </a:r>
           </a:p>
@@ -1698,76 +1932,48 @@
         </p:nvSpPr>
         <p:spPr>
           <a:xfrm>
-            <a:off x="4645025" y="2174875"/>
-            <a:ext cx="4041775" cy="3951288"/>
+            <a:off x="4663440" y="2582334"/>
+            <a:ext cx="3703320" cy="3378200"/>
           </a:xfrm>
         </p:spPr>
         <p:txBody>
           <a:bodyPr/>
-          <a:lstStyle>
-            <a:lvl1pPr>
-              <a:defRPr sz="2400"/>
-            </a:lvl1pPr>
-            <a:lvl2pPr>
-              <a:defRPr sz="2000"/>
-            </a:lvl2pPr>
-            <a:lvl3pPr>
-              <a:defRPr sz="1800"/>
-            </a:lvl3pPr>
-            <a:lvl4pPr>
-              <a:defRPr sz="1600"/>
-            </a:lvl4pPr>
-            <a:lvl5pPr>
-              <a:defRPr sz="1600"/>
-            </a:lvl5pPr>
-            <a:lvl6pPr>
-              <a:defRPr sz="1600"/>
-            </a:lvl6pPr>
-            <a:lvl7pPr>
-              <a:defRPr sz="1600"/>
-            </a:lvl7pPr>
-            <a:lvl8pPr>
-              <a:defRPr sz="1600"/>
-            </a:lvl8pPr>
-            <a:lvl9pPr>
-              <a:defRPr sz="1600"/>
-            </a:lvl9pPr>
-          </a:lstStyle>
+          <a:lstStyle/>
           <a:p>
             <a:pPr lvl="0"/>
             <a:r>
-              <a:rPr lang="en-US" smtClean="0"/>
+              <a:rPr lang="en-US"/>
               <a:t>Click to edit Master text styles</a:t>
             </a:r>
           </a:p>
           <a:p>
             <a:pPr lvl="1"/>
             <a:r>
-              <a:rPr lang="en-US" smtClean="0"/>
+              <a:rPr lang="en-US"/>
               <a:t>Second level</a:t>
             </a:r>
           </a:p>
           <a:p>
             <a:pPr lvl="2"/>
             <a:r>
-              <a:rPr lang="en-US" smtClean="0"/>
+              <a:rPr lang="en-US"/>
               <a:t>Third level</a:t>
             </a:r>
           </a:p>
           <a:p>
             <a:pPr lvl="3"/>
             <a:r>
-              <a:rPr lang="en-US" smtClean="0"/>
+              <a:rPr lang="en-US"/>
               <a:t>Fourth level</a:t>
             </a:r>
           </a:p>
           <a:p>
             <a:pPr lvl="4"/>
             <a:r>
-              <a:rPr lang="en-US" smtClean="0"/>
+              <a:rPr lang="en-US"/>
               <a:t>Fifth level</a:t>
             </a:r>
-            <a:endParaRPr lang="en-US"/>
+            <a:endParaRPr lang="en-US" dirty="0"/>
           </a:p>
         </p:txBody>
       </p:sp>
@@ -1788,7 +1994,7 @@
           <a:p>
             <a:fld id="{5BCAD085-E8A6-8845-BD4E-CB4CCA059FC4}" type="datetimeFigureOut">
               <a:rPr lang="en-US" smtClean="0"/>
-              <a:t>1/27/13</a:t>
+              <a:t>8/28/2025</a:t>
             </a:fld>
             <a:endParaRPr lang="en-US"/>
           </a:p>
@@ -1839,7 +2045,7 @@
     </p:spTree>
     <p:extLst>
       <p:ext uri="{BB962C8B-B14F-4D97-AF65-F5344CB8AC3E}">
-        <p14:creationId xmlns:p14="http://schemas.microsoft.com/office/powerpoint/2010/main" val="990158736"/>
+        <p14:creationId xmlns:p14="http://schemas.microsoft.com/office/powerpoint/2010/main" val="435028526"/>
       </p:ext>
     </p:extLst>
   </p:cSld>
@@ -1882,10 +2088,10 @@
           <a:lstStyle/>
           <a:p>
             <a:r>
-              <a:rPr lang="en-US" smtClean="0"/>
+              <a:rPr lang="en-US"/>
               <a:t>Click to edit Master title style</a:t>
             </a:r>
-            <a:endParaRPr lang="en-US"/>
+            <a:endParaRPr lang="en-US" dirty="0"/>
           </a:p>
         </p:txBody>
       </p:sp>
@@ -1906,7 +2112,7 @@
           <a:p>
             <a:fld id="{5BCAD085-E8A6-8845-BD4E-CB4CCA059FC4}" type="datetimeFigureOut">
               <a:rPr lang="en-US" smtClean="0"/>
-              <a:t>1/27/13</a:t>
+              <a:t>8/28/2025</a:t>
             </a:fld>
             <a:endParaRPr lang="en-US"/>
           </a:p>
@@ -1957,7 +2163,7 @@
     </p:spTree>
     <p:extLst>
       <p:ext uri="{BB962C8B-B14F-4D97-AF65-F5344CB8AC3E}">
-        <p14:creationId xmlns:p14="http://schemas.microsoft.com/office/powerpoint/2010/main" val="727027711"/>
+        <p14:creationId xmlns:p14="http://schemas.microsoft.com/office/powerpoint/2010/main" val="4172835313"/>
       </p:ext>
     </p:extLst>
   </p:cSld>
@@ -1968,7 +2174,7 @@
 </file>
 
 <file path=ppt/slideLayouts/slideLayout7.xml><?xml version="1.0" encoding="utf-8"?>
-<p:sldLayout xmlns:a="http://schemas.openxmlformats.org/drawingml/2006/main" xmlns:r="http://schemas.openxmlformats.org/officeDocument/2006/relationships" xmlns:p="http://schemas.openxmlformats.org/presentationml/2006/main" type="blank" preserve="1">
+<p:sldLayout xmlns:a="http://schemas.openxmlformats.org/drawingml/2006/main" xmlns:r="http://schemas.openxmlformats.org/officeDocument/2006/relationships" xmlns:p="http://schemas.openxmlformats.org/presentationml/2006/main" showMasterSp="0" type="blank" preserve="1">
   <p:cSld name="Blank">
     <p:spTree>
       <p:nvGrpSpPr>
@@ -1986,7 +2192,83 @@
       </p:grpSpPr>
       <p:sp>
         <p:nvSpPr>
-          <p:cNvPr id="2" name="Date Placeholder 1"/>
+          <p:cNvPr id="5" name="Rectangle 4"/>
+          <p:cNvSpPr/>
+          <p:nvPr/>
+        </p:nvSpPr>
+        <p:spPr>
+          <a:xfrm>
+            <a:off x="2382" y="6400800"/>
+            <a:ext cx="9141619" cy="457200"/>
+          </a:xfrm>
+          <a:prstGeom prst="rect">
+            <a:avLst/>
+          </a:prstGeom>
+          <a:solidFill>
+            <a:schemeClr val="accent2"/>
+          </a:solidFill>
+          <a:ln>
+            <a:noFill/>
+          </a:ln>
+        </p:spPr>
+        <p:style>
+          <a:lnRef idx="2">
+            <a:schemeClr val="accent1">
+              <a:shade val="50000"/>
+            </a:schemeClr>
+          </a:lnRef>
+          <a:fillRef idx="1">
+            <a:schemeClr val="accent1"/>
+          </a:fillRef>
+          <a:effectRef idx="0">
+            <a:schemeClr val="accent1"/>
+          </a:effectRef>
+          <a:fontRef idx="minor">
+            <a:schemeClr val="lt1"/>
+          </a:fontRef>
+        </p:style>
+      </p:sp>
+      <p:sp>
+        <p:nvSpPr>
+          <p:cNvPr id="6" name="Rectangle 5"/>
+          <p:cNvSpPr/>
+          <p:nvPr/>
+        </p:nvSpPr>
+        <p:spPr>
+          <a:xfrm>
+            <a:off x="12" y="6334316"/>
+            <a:ext cx="9141619" cy="64008"/>
+          </a:xfrm>
+          <a:prstGeom prst="rect">
+            <a:avLst/>
+          </a:prstGeom>
+          <a:solidFill>
+            <a:schemeClr val="accent1"/>
+          </a:solidFill>
+          <a:ln>
+            <a:noFill/>
+          </a:ln>
+        </p:spPr>
+        <p:style>
+          <a:lnRef idx="2">
+            <a:schemeClr val="accent1">
+              <a:shade val="50000"/>
+            </a:schemeClr>
+          </a:lnRef>
+          <a:fillRef idx="1">
+            <a:schemeClr val="accent1"/>
+          </a:fillRef>
+          <a:effectRef idx="0">
+            <a:schemeClr val="accent1"/>
+          </a:effectRef>
+          <a:fontRef idx="minor">
+            <a:schemeClr val="lt1"/>
+          </a:fontRef>
+        </p:style>
+      </p:sp>
+      <p:sp>
+        <p:nvSpPr>
+          <p:cNvPr id="7" name="Date Placeholder 6"/>
           <p:cNvSpPr>
             <a:spLocks noGrp="1"/>
           </p:cNvSpPr>
@@ -2001,7 +2283,7 @@
           <a:p>
             <a:fld id="{5BCAD085-E8A6-8845-BD4E-CB4CCA059FC4}" type="datetimeFigureOut">
               <a:rPr lang="en-US" smtClean="0"/>
-              <a:t>1/27/13</a:t>
+              <a:t>8/28/2025</a:t>
             </a:fld>
             <a:endParaRPr lang="en-US"/>
           </a:p>
@@ -2009,7 +2291,7 @@
       </p:sp>
       <p:sp>
         <p:nvSpPr>
-          <p:cNvPr id="3" name="Footer Placeholder 2"/>
+          <p:cNvPr id="8" name="Footer Placeholder 7"/>
           <p:cNvSpPr>
             <a:spLocks noGrp="1"/>
           </p:cNvSpPr>
@@ -2020,7 +2302,15 @@
         <p:spPr/>
         <p:txBody>
           <a:bodyPr/>
-          <a:lstStyle/>
+          <a:lstStyle>
+            <a:lvl1pPr>
+              <a:defRPr>
+                <a:solidFill>
+                  <a:srgbClr val="FFFFFF"/>
+                </a:solidFill>
+              </a:defRPr>
+            </a:lvl1pPr>
+          </a:lstStyle>
           <a:p>
             <a:endParaRPr lang="en-US"/>
           </a:p>
@@ -2028,7 +2318,7 @@
       </p:sp>
       <p:sp>
         <p:nvSpPr>
-          <p:cNvPr id="4" name="Slide Number Placeholder 3"/>
+          <p:cNvPr id="9" name="Slide Number Placeholder 8"/>
           <p:cNvSpPr>
             <a:spLocks noGrp="1"/>
           </p:cNvSpPr>
@@ -2052,7 +2342,7 @@
     </p:spTree>
     <p:extLst>
       <p:ext uri="{BB962C8B-B14F-4D97-AF65-F5344CB8AC3E}">
-        <p14:creationId xmlns:p14="http://schemas.microsoft.com/office/powerpoint/2010/main" val="1212999818"/>
+        <p14:creationId xmlns:p14="http://schemas.microsoft.com/office/powerpoint/2010/main" val="4127761998"/>
       </p:ext>
     </p:extLst>
   </p:cSld>
@@ -2063,7 +2353,7 @@
 </file>
 
 <file path=ppt/slideLayouts/slideLayout8.xml><?xml version="1.0" encoding="utf-8"?>
-<p:sldLayout xmlns:a="http://schemas.openxmlformats.org/drawingml/2006/main" xmlns:r="http://schemas.openxmlformats.org/officeDocument/2006/relationships" xmlns:p="http://schemas.openxmlformats.org/presentationml/2006/main" type="objTx" preserve="1">
+<p:sldLayout xmlns:a="http://schemas.openxmlformats.org/drawingml/2006/main" xmlns:r="http://schemas.openxmlformats.org/officeDocument/2006/relationships" xmlns:p="http://schemas.openxmlformats.org/presentationml/2006/main" showMasterSp="0" type="objTx" preserve="1">
   <p:cSld name="Content with Caption">
     <p:spTree>
       <p:nvGrpSpPr>
@@ -2081,6 +2371,82 @@
       </p:grpSpPr>
       <p:sp>
         <p:nvSpPr>
+          <p:cNvPr id="8" name="Rectangle 7"/>
+          <p:cNvSpPr/>
+          <p:nvPr/>
+        </p:nvSpPr>
+        <p:spPr>
+          <a:xfrm>
+            <a:off x="13" y="0"/>
+            <a:ext cx="3038093" cy="6858000"/>
+          </a:xfrm>
+          <a:prstGeom prst="rect">
+            <a:avLst/>
+          </a:prstGeom>
+          <a:solidFill>
+            <a:schemeClr val="accent2"/>
+          </a:solidFill>
+          <a:ln>
+            <a:noFill/>
+          </a:ln>
+        </p:spPr>
+        <p:style>
+          <a:lnRef idx="2">
+            <a:schemeClr val="accent1">
+              <a:shade val="50000"/>
+            </a:schemeClr>
+          </a:lnRef>
+          <a:fillRef idx="1">
+            <a:schemeClr val="accent1"/>
+          </a:fillRef>
+          <a:effectRef idx="0">
+            <a:schemeClr val="accent1"/>
+          </a:effectRef>
+          <a:fontRef idx="minor">
+            <a:schemeClr val="lt1"/>
+          </a:fontRef>
+        </p:style>
+      </p:sp>
+      <p:sp>
+        <p:nvSpPr>
+          <p:cNvPr id="9" name="Rectangle 8"/>
+          <p:cNvSpPr/>
+          <p:nvPr/>
+        </p:nvSpPr>
+        <p:spPr>
+          <a:xfrm>
+            <a:off x="3030053" y="0"/>
+            <a:ext cx="48006" cy="6858000"/>
+          </a:xfrm>
+          <a:prstGeom prst="rect">
+            <a:avLst/>
+          </a:prstGeom>
+          <a:solidFill>
+            <a:schemeClr val="accent1"/>
+          </a:solidFill>
+          <a:ln>
+            <a:noFill/>
+          </a:ln>
+        </p:spPr>
+        <p:style>
+          <a:lnRef idx="2">
+            <a:schemeClr val="accent1">
+              <a:shade val="50000"/>
+            </a:schemeClr>
+          </a:lnRef>
+          <a:fillRef idx="1">
+            <a:schemeClr val="accent1"/>
+          </a:fillRef>
+          <a:effectRef idx="0">
+            <a:schemeClr val="accent1"/>
+          </a:effectRef>
+          <a:fontRef idx="minor">
+            <a:schemeClr val="lt1"/>
+          </a:fontRef>
+        </p:style>
+      </p:sp>
+      <p:sp>
+        <p:nvSpPr>
           <p:cNvPr id="2" name="Title 1"/>
           <p:cNvSpPr>
             <a:spLocks noGrp="1"/>
@@ -2091,23 +2457,29 @@
         </p:nvSpPr>
         <p:spPr>
           <a:xfrm>
-            <a:off x="457200" y="273050"/>
-            <a:ext cx="3008313" cy="1162050"/>
+            <a:off x="342900" y="594359"/>
+            <a:ext cx="2400300" cy="2286000"/>
           </a:xfrm>
         </p:spPr>
         <p:txBody>
-          <a:bodyPr anchor="b"/>
+          <a:bodyPr anchor="b">
+            <a:normAutofit/>
+          </a:bodyPr>
           <a:lstStyle>
-            <a:lvl1pPr algn="l">
-              <a:defRPr sz="2000" b="1"/>
+            <a:lvl1pPr>
+              <a:defRPr sz="3600" b="0">
+                <a:solidFill>
+                  <a:srgbClr val="FFFFFF"/>
+                </a:solidFill>
+              </a:defRPr>
             </a:lvl1pPr>
           </a:lstStyle>
           <a:p>
             <a:r>
-              <a:rPr lang="en-US" smtClean="0"/>
+              <a:rPr lang="en-US"/>
               <a:t>Click to edit Master title style</a:t>
             </a:r>
-            <a:endParaRPr lang="en-US"/>
+            <a:endParaRPr lang="en-US" dirty="0"/>
           </a:p>
         </p:txBody>
       </p:sp>
@@ -2123,76 +2495,48 @@
         </p:nvSpPr>
         <p:spPr>
           <a:xfrm>
-            <a:off x="3575050" y="273050"/>
-            <a:ext cx="5111750" cy="5853113"/>
+            <a:off x="3600450" y="731520"/>
+            <a:ext cx="4869180" cy="5257800"/>
           </a:xfrm>
         </p:spPr>
         <p:txBody>
           <a:bodyPr/>
-          <a:lstStyle>
-            <a:lvl1pPr>
-              <a:defRPr sz="3200"/>
-            </a:lvl1pPr>
-            <a:lvl2pPr>
-              <a:defRPr sz="2800"/>
-            </a:lvl2pPr>
-            <a:lvl3pPr>
-              <a:defRPr sz="2400"/>
-            </a:lvl3pPr>
-            <a:lvl4pPr>
-              <a:defRPr sz="2000"/>
-            </a:lvl4pPr>
-            <a:lvl5pPr>
-              <a:defRPr sz="2000"/>
-            </a:lvl5pPr>
-            <a:lvl6pPr>
-              <a:defRPr sz="2000"/>
-            </a:lvl6pPr>
-            <a:lvl7pPr>
-              <a:defRPr sz="2000"/>
-            </a:lvl7pPr>
-            <a:lvl8pPr>
-              <a:defRPr sz="2000"/>
-            </a:lvl8pPr>
-            <a:lvl9pPr>
-              <a:defRPr sz="2000"/>
-            </a:lvl9pPr>
-          </a:lstStyle>
+          <a:lstStyle/>
           <a:p>
             <a:pPr lvl="0"/>
             <a:r>
-              <a:rPr lang="en-US" smtClean="0"/>
+              <a:rPr lang="en-US"/>
               <a:t>Click to edit Master text styles</a:t>
             </a:r>
           </a:p>
           <a:p>
             <a:pPr lvl="1"/>
             <a:r>
-              <a:rPr lang="en-US" smtClean="0"/>
+              <a:rPr lang="en-US"/>
               <a:t>Second level</a:t>
             </a:r>
           </a:p>
           <a:p>
             <a:pPr lvl="2"/>
             <a:r>
-              <a:rPr lang="en-US" smtClean="0"/>
+              <a:rPr lang="en-US"/>
               <a:t>Third level</a:t>
             </a:r>
           </a:p>
           <a:p>
             <a:pPr lvl="3"/>
             <a:r>
-              <a:rPr lang="en-US" smtClean="0"/>
+              <a:rPr lang="en-US"/>
               <a:t>Fourth level</a:t>
             </a:r>
           </a:p>
           <a:p>
             <a:pPr lvl="4"/>
             <a:r>
-              <a:rPr lang="en-US" smtClean="0"/>
+              <a:rPr lang="en-US"/>
               <a:t>Fifth level</a:t>
             </a:r>
-            <a:endParaRPr lang="en-US"/>
+            <a:endParaRPr lang="en-US" dirty="0"/>
           </a:p>
         </p:txBody>
       </p:sp>
@@ -2208,16 +2552,22 @@
         </p:nvSpPr>
         <p:spPr>
           <a:xfrm>
-            <a:off x="457200" y="1435100"/>
-            <a:ext cx="3008313" cy="4691063"/>
+            <a:off x="342900" y="2926080"/>
+            <a:ext cx="2400300" cy="3379124"/>
           </a:xfrm>
         </p:spPr>
         <p:txBody>
-          <a:bodyPr/>
+          <a:bodyPr lIns="91440" rIns="91440">
+            <a:normAutofit/>
+          </a:bodyPr>
           <a:lstStyle>
             <a:lvl1pPr marL="0" indent="0">
               <a:buNone/>
-              <a:defRPr sz="1400"/>
+              <a:defRPr sz="1500">
+                <a:solidFill>
+                  <a:srgbClr val="FFFFFF"/>
+                </a:solidFill>
+              </a:defRPr>
             </a:lvl1pPr>
             <a:lvl2pPr marL="457200" indent="0">
               <a:buNone/>
@@ -2255,7 +2605,7 @@
           <a:p>
             <a:pPr lvl="0"/>
             <a:r>
-              <a:rPr lang="en-US" smtClean="0"/>
+              <a:rPr lang="en-US"/>
               <a:t>Click to edit Master text styles</a:t>
             </a:r>
           </a:p>
@@ -2271,14 +2621,23 @@
             <p:ph type="dt" sz="half" idx="10"/>
           </p:nvPr>
         </p:nvSpPr>
-        <p:spPr/>
+        <p:spPr>
+          <a:xfrm>
+            <a:off x="349134" y="6459786"/>
+            <a:ext cx="1963883" cy="365125"/>
+          </a:xfrm>
+        </p:spPr>
         <p:txBody>
           <a:bodyPr/>
-          <a:lstStyle/>
+          <a:lstStyle>
+            <a:lvl1pPr algn="l">
+              <a:defRPr/>
+            </a:lvl1pPr>
+          </a:lstStyle>
           <a:p>
             <a:fld id="{5BCAD085-E8A6-8845-BD4E-CB4CCA059FC4}" type="datetimeFigureOut">
               <a:rPr lang="en-US" smtClean="0"/>
-              <a:t>1/27/13</a:t>
+              <a:t>8/28/2025</a:t>
             </a:fld>
             <a:endParaRPr lang="en-US"/>
           </a:p>
@@ -2294,10 +2653,23 @@
             <p:ph type="ftr" sz="quarter" idx="11"/>
           </p:nvPr>
         </p:nvSpPr>
-        <p:spPr/>
+        <p:spPr>
+          <a:xfrm>
+            <a:off x="3600450" y="6459786"/>
+            <a:ext cx="3486150" cy="365125"/>
+          </a:xfrm>
+        </p:spPr>
         <p:txBody>
           <a:bodyPr/>
-          <a:lstStyle/>
+          <a:lstStyle>
+            <a:lvl1pPr algn="l">
+              <a:defRPr>
+                <a:solidFill>
+                  <a:schemeClr val="tx2"/>
+                </a:solidFill>
+              </a:defRPr>
+            </a:lvl1pPr>
+          </a:lstStyle>
           <a:p>
             <a:endParaRPr lang="en-US"/>
           </a:p>
@@ -2316,7 +2688,15 @@
         <p:spPr/>
         <p:txBody>
           <a:bodyPr/>
-          <a:lstStyle/>
+          <a:lstStyle>
+            <a:lvl1pPr>
+              <a:defRPr>
+                <a:solidFill>
+                  <a:schemeClr val="tx2"/>
+                </a:solidFill>
+              </a:defRPr>
+            </a:lvl1pPr>
+          </a:lstStyle>
           <a:p>
             <a:fld id="{C1FF6DA9-008F-8B48-92A6-B652298478BF}" type="slidenum">
               <a:rPr lang="en-US" smtClean="0"/>
@@ -2329,7 +2709,7 @@
     </p:spTree>
     <p:extLst>
       <p:ext uri="{BB962C8B-B14F-4D97-AF65-F5344CB8AC3E}">
-        <p14:creationId xmlns:p14="http://schemas.microsoft.com/office/powerpoint/2010/main" val="1840726560"/>
+        <p14:creationId xmlns:p14="http://schemas.microsoft.com/office/powerpoint/2010/main" val="4070146698"/>
       </p:ext>
     </p:extLst>
   </p:cSld>
@@ -2340,7 +2720,7 @@
 </file>
 
 <file path=ppt/slideLayouts/slideLayout9.xml><?xml version="1.0" encoding="utf-8"?>
-<p:sldLayout xmlns:a="http://schemas.openxmlformats.org/drawingml/2006/main" xmlns:r="http://schemas.openxmlformats.org/officeDocument/2006/relationships" xmlns:p="http://schemas.openxmlformats.org/presentationml/2006/main" type="picTx" preserve="1">
+<p:sldLayout xmlns:a="http://schemas.openxmlformats.org/drawingml/2006/main" xmlns:r="http://schemas.openxmlformats.org/officeDocument/2006/relationships" xmlns:p="http://schemas.openxmlformats.org/presentationml/2006/main" showMasterSp="0" type="picTx" preserve="1">
   <p:cSld name="Picture with Caption">
     <p:spTree>
       <p:nvGrpSpPr>
@@ -2358,6 +2738,82 @@
       </p:grpSpPr>
       <p:sp>
         <p:nvSpPr>
+          <p:cNvPr id="8" name="Rectangle 7"/>
+          <p:cNvSpPr/>
+          <p:nvPr/>
+        </p:nvSpPr>
+        <p:spPr>
+          <a:xfrm>
+            <a:off x="0" y="4953000"/>
+            <a:ext cx="9141619" cy="1905000"/>
+          </a:xfrm>
+          <a:prstGeom prst="rect">
+            <a:avLst/>
+          </a:prstGeom>
+          <a:solidFill>
+            <a:schemeClr val="accent2"/>
+          </a:solidFill>
+          <a:ln>
+            <a:noFill/>
+          </a:ln>
+        </p:spPr>
+        <p:style>
+          <a:lnRef idx="2">
+            <a:schemeClr val="accent1">
+              <a:shade val="50000"/>
+            </a:schemeClr>
+          </a:lnRef>
+          <a:fillRef idx="1">
+            <a:schemeClr val="accent1"/>
+          </a:fillRef>
+          <a:effectRef idx="0">
+            <a:schemeClr val="accent1"/>
+          </a:effectRef>
+          <a:fontRef idx="minor">
+            <a:schemeClr val="lt1"/>
+          </a:fontRef>
+        </p:style>
+      </p:sp>
+      <p:sp>
+        <p:nvSpPr>
+          <p:cNvPr id="9" name="Rectangle 8"/>
+          <p:cNvSpPr/>
+          <p:nvPr/>
+        </p:nvSpPr>
+        <p:spPr>
+          <a:xfrm>
+            <a:off x="12" y="4915076"/>
+            <a:ext cx="9141619" cy="64008"/>
+          </a:xfrm>
+          <a:prstGeom prst="rect">
+            <a:avLst/>
+          </a:prstGeom>
+          <a:solidFill>
+            <a:schemeClr val="accent1"/>
+          </a:solidFill>
+          <a:ln>
+            <a:noFill/>
+          </a:ln>
+        </p:spPr>
+        <p:style>
+          <a:lnRef idx="2">
+            <a:schemeClr val="accent1">
+              <a:shade val="50000"/>
+            </a:schemeClr>
+          </a:lnRef>
+          <a:fillRef idx="1">
+            <a:schemeClr val="accent1"/>
+          </a:fillRef>
+          <a:effectRef idx="0">
+            <a:schemeClr val="accent1"/>
+          </a:effectRef>
+          <a:fontRef idx="minor">
+            <a:schemeClr val="lt1"/>
+          </a:fontRef>
+        </p:style>
+      </p:sp>
+      <p:sp>
+        <p:nvSpPr>
           <p:cNvPr id="2" name="Title 1"/>
           <p:cNvSpPr>
             <a:spLocks noGrp="1"/>
@@ -2368,23 +2824,29 @@
         </p:nvSpPr>
         <p:spPr>
           <a:xfrm>
-            <a:off x="1792288" y="4800600"/>
-            <a:ext cx="5486400" cy="566738"/>
+            <a:off x="822960" y="5074920"/>
+            <a:ext cx="7585234" cy="822960"/>
           </a:xfrm>
         </p:spPr>
         <p:txBody>
-          <a:bodyPr anchor="b"/>
+          <a:bodyPr tIns="0" bIns="0" anchor="b">
+            <a:noAutofit/>
+          </a:bodyPr>
           <a:lstStyle>
-            <a:lvl1pPr algn="l">
-              <a:defRPr sz="2000" b="1"/>
+            <a:lvl1pPr>
+              <a:defRPr sz="3600" b="0">
+                <a:solidFill>
+                  <a:srgbClr val="FFFFFF"/>
+                </a:solidFill>
+              </a:defRPr>
             </a:lvl1pPr>
           </a:lstStyle>
           <a:p>
             <a:r>
-              <a:rPr lang="en-US" smtClean="0"/>
+              <a:rPr lang="en-US"/>
               <a:t>Click to edit Master title style</a:t>
             </a:r>
-            <a:endParaRPr lang="en-US"/>
+            <a:endParaRPr lang="en-US" dirty="0"/>
           </a:p>
         </p:txBody>
       </p:sp>
@@ -2392,7 +2854,7 @@
         <p:nvSpPr>
           <p:cNvPr id="3" name="Picture Placeholder 2"/>
           <p:cNvSpPr>
-            <a:spLocks noGrp="1"/>
+            <a:spLocks noGrp="1" noChangeAspect="1"/>
           </p:cNvSpPr>
           <p:nvPr>
             <p:ph type="pic" idx="1"/>
@@ -2400,12 +2862,17 @@
         </p:nvSpPr>
         <p:spPr>
           <a:xfrm>
-            <a:off x="1792288" y="612775"/>
-            <a:ext cx="5486400" cy="4114800"/>
+            <a:off x="12" y="0"/>
+            <a:ext cx="9143989" cy="4915076"/>
           </a:xfrm>
+          <a:solidFill>
+            <a:schemeClr val="bg2">
+              <a:lumMod val="90000"/>
+            </a:schemeClr>
+          </a:solidFill>
         </p:spPr>
         <p:txBody>
-          <a:bodyPr/>
+          <a:bodyPr lIns="457200" tIns="457200" anchor="t"/>
           <a:lstStyle>
             <a:lvl1pPr marL="0" indent="0">
               <a:buNone/>
@@ -2445,7 +2912,11 @@
             </a:lvl9pPr>
           </a:lstStyle>
           <a:p>
-            <a:endParaRPr lang="en-US"/>
+            <a:r>
+              <a:rPr lang="en-US"/>
+              <a:t>Click icon to add picture</a:t>
+            </a:r>
+            <a:endParaRPr lang="en-US" dirty="0"/>
           </a:p>
         </p:txBody>
       </p:sp>
@@ -2461,16 +2932,28 @@
         </p:nvSpPr>
         <p:spPr>
           <a:xfrm>
-            <a:off x="1792288" y="5367338"/>
-            <a:ext cx="5486400" cy="804862"/>
+            <a:off x="822960" y="5907024"/>
+            <a:ext cx="7589520" cy="594360"/>
           </a:xfrm>
         </p:spPr>
         <p:txBody>
-          <a:bodyPr/>
+          <a:bodyPr lIns="91440" tIns="0" rIns="91440" bIns="0">
+            <a:normAutofit/>
+          </a:bodyPr>
           <a:lstStyle>
             <a:lvl1pPr marL="0" indent="0">
+              <a:spcBef>
+                <a:spcPts val="0"/>
+              </a:spcBef>
+              <a:spcAft>
+                <a:spcPts val="600"/>
+              </a:spcAft>
               <a:buNone/>
-              <a:defRPr sz="1400"/>
+              <a:defRPr sz="1500">
+                <a:solidFill>
+                  <a:srgbClr val="FFFFFF"/>
+                </a:solidFill>
+              </a:defRPr>
             </a:lvl1pPr>
             <a:lvl2pPr marL="457200" indent="0">
               <a:buNone/>
@@ -2508,7 +2991,7 @@
           <a:p>
             <a:pPr lvl="0"/>
             <a:r>
-              <a:rPr lang="en-US" smtClean="0"/>
+              <a:rPr lang="en-US"/>
               <a:t>Click to edit Master text styles</a:t>
             </a:r>
           </a:p>
@@ -2531,7 +3014,7 @@
           <a:p>
             <a:fld id="{5BCAD085-E8A6-8845-BD4E-CB4CCA059FC4}" type="datetimeFigureOut">
               <a:rPr lang="en-US" smtClean="0"/>
-              <a:t>1/27/13</a:t>
+              <a:t>8/28/2025</a:t>
             </a:fld>
             <a:endParaRPr lang="en-US"/>
           </a:p>
@@ -2582,7 +3065,7 @@
     </p:spTree>
     <p:extLst>
       <p:ext uri="{BB962C8B-B14F-4D97-AF65-F5344CB8AC3E}">
-        <p14:creationId xmlns:p14="http://schemas.microsoft.com/office/powerpoint/2010/main" val="3889236939"/>
+        <p14:creationId xmlns:p14="http://schemas.microsoft.com/office/powerpoint/2010/main" val="3248446382"/>
       </p:ext>
     </p:extLst>
   </p:cSld>
@@ -2616,6 +3099,82 @@
       </p:grpSpPr>
       <p:sp>
         <p:nvSpPr>
+          <p:cNvPr id="7" name="Rectangle 6"/>
+          <p:cNvSpPr/>
+          <p:nvPr/>
+        </p:nvSpPr>
+        <p:spPr>
+          <a:xfrm>
+            <a:off x="0" y="6400800"/>
+            <a:ext cx="9144001" cy="457200"/>
+          </a:xfrm>
+          <a:prstGeom prst="rect">
+            <a:avLst/>
+          </a:prstGeom>
+          <a:solidFill>
+            <a:schemeClr val="accent2"/>
+          </a:solidFill>
+          <a:ln>
+            <a:noFill/>
+          </a:ln>
+        </p:spPr>
+        <p:style>
+          <a:lnRef idx="2">
+            <a:schemeClr val="accent1">
+              <a:shade val="50000"/>
+            </a:schemeClr>
+          </a:lnRef>
+          <a:fillRef idx="1">
+            <a:schemeClr val="accent1"/>
+          </a:fillRef>
+          <a:effectRef idx="0">
+            <a:schemeClr val="accent1"/>
+          </a:effectRef>
+          <a:fontRef idx="minor">
+            <a:schemeClr val="lt1"/>
+          </a:fontRef>
+        </p:style>
+      </p:sp>
+      <p:sp>
+        <p:nvSpPr>
+          <p:cNvPr id="9" name="Rectangle 8"/>
+          <p:cNvSpPr/>
+          <p:nvPr/>
+        </p:nvSpPr>
+        <p:spPr>
+          <a:xfrm>
+            <a:off x="0" y="6334315"/>
+            <a:ext cx="9144001" cy="65999"/>
+          </a:xfrm>
+          <a:prstGeom prst="rect">
+            <a:avLst/>
+          </a:prstGeom>
+          <a:solidFill>
+            <a:schemeClr val="accent1"/>
+          </a:solidFill>
+          <a:ln>
+            <a:noFill/>
+          </a:ln>
+        </p:spPr>
+        <p:style>
+          <a:lnRef idx="2">
+            <a:schemeClr val="accent1">
+              <a:shade val="50000"/>
+            </a:schemeClr>
+          </a:lnRef>
+          <a:fillRef idx="1">
+            <a:schemeClr val="accent1"/>
+          </a:fillRef>
+          <a:effectRef idx="0">
+            <a:schemeClr val="accent1"/>
+          </a:effectRef>
+          <a:fontRef idx="minor">
+            <a:schemeClr val="lt1"/>
+          </a:fontRef>
+        </p:style>
+      </p:sp>
+      <p:sp>
+        <p:nvSpPr>
           <p:cNvPr id="2" name="Title Placeholder 1"/>
           <p:cNvSpPr>
             <a:spLocks noGrp="1"/>
@@ -2626,24 +3185,24 @@
         </p:nvSpPr>
         <p:spPr>
           <a:xfrm>
-            <a:off x="457200" y="274638"/>
-            <a:ext cx="8229600" cy="1143000"/>
+            <a:off x="822960" y="286604"/>
+            <a:ext cx="7543800" cy="1450757"/>
           </a:xfrm>
           <a:prstGeom prst="rect">
             <a:avLst/>
           </a:prstGeom>
         </p:spPr>
         <p:txBody>
-          <a:bodyPr vert="horz" lIns="91440" tIns="45720" rIns="91440" bIns="45720" rtlCol="0" anchor="ctr">
+          <a:bodyPr vert="horz" lIns="91440" tIns="45720" rIns="91440" bIns="45720" rtlCol="0" anchor="b">
             <a:normAutofit/>
           </a:bodyPr>
           <a:lstStyle/>
           <a:p>
             <a:r>
-              <a:rPr lang="en-US" smtClean="0"/>
+              <a:rPr lang="en-US"/>
               <a:t>Click to edit Master title style</a:t>
             </a:r>
-            <a:endParaRPr lang="en-US"/>
+            <a:endParaRPr lang="en-US" dirty="0"/>
           </a:p>
         </p:txBody>
       </p:sp>
@@ -2659,53 +3218,53 @@
         </p:nvSpPr>
         <p:spPr>
           <a:xfrm>
-            <a:off x="457200" y="1600200"/>
-            <a:ext cx="8229600" cy="4525963"/>
+            <a:off x="822959" y="1845734"/>
+            <a:ext cx="7543801" cy="4023360"/>
           </a:xfrm>
           <a:prstGeom prst="rect">
             <a:avLst/>
           </a:prstGeom>
         </p:spPr>
         <p:txBody>
-          <a:bodyPr vert="horz" lIns="91440" tIns="45720" rIns="91440" bIns="45720" rtlCol="0">
+          <a:bodyPr vert="horz" lIns="0" tIns="45720" rIns="0" bIns="45720" rtlCol="0">
             <a:normAutofit/>
           </a:bodyPr>
           <a:lstStyle/>
           <a:p>
             <a:pPr lvl="0"/>
             <a:r>
-              <a:rPr lang="en-US" smtClean="0"/>
+              <a:rPr lang="en-US"/>
               <a:t>Click to edit Master text styles</a:t>
             </a:r>
           </a:p>
           <a:p>
             <a:pPr lvl="1"/>
             <a:r>
-              <a:rPr lang="en-US" smtClean="0"/>
+              <a:rPr lang="en-US"/>
               <a:t>Second level</a:t>
             </a:r>
           </a:p>
           <a:p>
             <a:pPr lvl="2"/>
             <a:r>
-              <a:rPr lang="en-US" smtClean="0"/>
+              <a:rPr lang="en-US"/>
               <a:t>Third level</a:t>
             </a:r>
           </a:p>
           <a:p>
             <a:pPr lvl="3"/>
             <a:r>
-              <a:rPr lang="en-US" smtClean="0"/>
+              <a:rPr lang="en-US"/>
               <a:t>Fourth level</a:t>
             </a:r>
           </a:p>
           <a:p>
             <a:pPr lvl="4"/>
             <a:r>
-              <a:rPr lang="en-US" smtClean="0"/>
+              <a:rPr lang="en-US"/>
               <a:t>Fifth level</a:t>
             </a:r>
-            <a:endParaRPr lang="en-US"/>
+            <a:endParaRPr lang="en-US" dirty="0"/>
           </a:p>
         </p:txBody>
       </p:sp>
@@ -2721,8 +3280,8 @@
         </p:nvSpPr>
         <p:spPr>
           <a:xfrm>
-            <a:off x="457200" y="6356350"/>
-            <a:ext cx="2133600" cy="365125"/>
+            <a:off x="822961" y="6459786"/>
+            <a:ext cx="1854203" cy="365125"/>
           </a:xfrm>
           <a:prstGeom prst="rect">
             <a:avLst/>
@@ -2732,11 +3291,9 @@
           <a:bodyPr vert="horz" lIns="91440" tIns="45720" rIns="91440" bIns="45720" rtlCol="0" anchor="ctr"/>
           <a:lstStyle>
             <a:lvl1pPr algn="l">
-              <a:defRPr sz="1200">
+              <a:defRPr sz="900">
                 <a:solidFill>
-                  <a:schemeClr val="tx1">
-                    <a:tint val="75000"/>
-                  </a:schemeClr>
+                  <a:srgbClr val="FFFFFF"/>
                 </a:solidFill>
               </a:defRPr>
             </a:lvl1pPr>
@@ -2744,7 +3301,7 @@
           <a:p>
             <a:fld id="{5BCAD085-E8A6-8845-BD4E-CB4CCA059FC4}" type="datetimeFigureOut">
               <a:rPr lang="en-US" smtClean="0"/>
-              <a:t>1/27/13</a:t>
+              <a:t>8/28/2025</a:t>
             </a:fld>
             <a:endParaRPr lang="en-US"/>
           </a:p>
@@ -2762,8 +3319,8 @@
         </p:nvSpPr>
         <p:spPr>
           <a:xfrm>
-            <a:off x="3124200" y="6356350"/>
-            <a:ext cx="2895600" cy="365125"/>
+            <a:off x="2764639" y="6459786"/>
+            <a:ext cx="3617103" cy="365125"/>
           </a:xfrm>
           <a:prstGeom prst="rect">
             <a:avLst/>
@@ -2773,11 +3330,9 @@
           <a:bodyPr vert="horz" lIns="91440" tIns="45720" rIns="91440" bIns="45720" rtlCol="0" anchor="ctr"/>
           <a:lstStyle>
             <a:lvl1pPr algn="ctr">
-              <a:defRPr sz="1200">
+              <a:defRPr sz="900" cap="all" baseline="0">
                 <a:solidFill>
-                  <a:schemeClr val="tx1">
-                    <a:tint val="75000"/>
-                  </a:schemeClr>
+                  <a:srgbClr val="FFFFFF"/>
                 </a:solidFill>
               </a:defRPr>
             </a:lvl1pPr>
@@ -2799,8 +3354,8 @@
         </p:nvSpPr>
         <p:spPr>
           <a:xfrm>
-            <a:off x="6553200" y="6356350"/>
-            <a:ext cx="2133600" cy="365125"/>
+            <a:off x="7425344" y="6459786"/>
+            <a:ext cx="984019" cy="365125"/>
           </a:xfrm>
           <a:prstGeom prst="rect">
             <a:avLst/>
@@ -2810,11 +3365,9 @@
           <a:bodyPr vert="horz" lIns="91440" tIns="45720" rIns="91440" bIns="45720" rtlCol="0" anchor="ctr"/>
           <a:lstStyle>
             <a:lvl1pPr algn="r">
-              <a:defRPr sz="1200">
+              <a:defRPr sz="1050">
                 <a:solidFill>
-                  <a:schemeClr val="tx1">
-                    <a:tint val="75000"/>
-                  </a:schemeClr>
+                  <a:srgbClr val="FFFFFF"/>
                 </a:solidFill>
               </a:defRPr>
             </a:lvl1pPr>
@@ -2828,37 +3381,81 @@
           </a:p>
         </p:txBody>
       </p:sp>
+      <p:cxnSp>
+        <p:nvCxnSpPr>
+          <p:cNvPr id="10" name="Straight Connector 9"/>
+          <p:cNvCxnSpPr/>
+          <p:nvPr/>
+        </p:nvCxnSpPr>
+        <p:spPr>
+          <a:xfrm>
+            <a:off x="895149" y="1737845"/>
+            <a:ext cx="7475220" cy="0"/>
+          </a:xfrm>
+          <a:prstGeom prst="line">
+            <a:avLst/>
+          </a:prstGeom>
+          <a:ln w="6350">
+            <a:solidFill>
+              <a:schemeClr val="tx1">
+                <a:lumMod val="50000"/>
+                <a:lumOff val="50000"/>
+              </a:schemeClr>
+            </a:solidFill>
+          </a:ln>
+        </p:spPr>
+        <p:style>
+          <a:lnRef idx="1">
+            <a:schemeClr val="accent1"/>
+          </a:lnRef>
+          <a:fillRef idx="0">
+            <a:schemeClr val="accent1"/>
+          </a:fillRef>
+          <a:effectRef idx="0">
+            <a:schemeClr val="accent1"/>
+          </a:effectRef>
+          <a:fontRef idx="minor">
+            <a:schemeClr val="tx1"/>
+          </a:fontRef>
+        </p:style>
+      </p:cxnSp>
     </p:spTree>
     <p:extLst>
       <p:ext uri="{BB962C8B-B14F-4D97-AF65-F5344CB8AC3E}">
-        <p14:creationId xmlns:p14="http://schemas.microsoft.com/office/powerpoint/2010/main" val="2209977519"/>
+        <p14:creationId xmlns:p14="http://schemas.microsoft.com/office/powerpoint/2010/main" val="1442746941"/>
       </p:ext>
     </p:extLst>
   </p:cSld>
   <p:clrMap bg1="lt1" tx1="dk1" bg2="lt2" tx2="dk2" accent1="accent1" accent2="accent2" accent3="accent3" accent4="accent4" accent5="accent5" accent6="accent6" hlink="hlink" folHlink="folHlink"/>
   <p:sldLayoutIdLst>
-    <p:sldLayoutId id="2147483649" r:id="rId1"/>
-    <p:sldLayoutId id="2147483650" r:id="rId2"/>
-    <p:sldLayoutId id="2147483651" r:id="rId3"/>
-    <p:sldLayoutId id="2147483652" r:id="rId4"/>
-    <p:sldLayoutId id="2147483653" r:id="rId5"/>
-    <p:sldLayoutId id="2147483654" r:id="rId6"/>
-    <p:sldLayoutId id="2147483655" r:id="rId7"/>
-    <p:sldLayoutId id="2147483656" r:id="rId8"/>
-    <p:sldLayoutId id="2147483657" r:id="rId9"/>
-    <p:sldLayoutId id="2147483658" r:id="rId10"/>
-    <p:sldLayoutId id="2147483659" r:id="rId11"/>
+    <p:sldLayoutId id="2147483673" r:id="rId1"/>
+    <p:sldLayoutId id="2147483674" r:id="rId2"/>
+    <p:sldLayoutId id="2147483675" r:id="rId3"/>
+    <p:sldLayoutId id="2147483676" r:id="rId4"/>
+    <p:sldLayoutId id="2147483677" r:id="rId5"/>
+    <p:sldLayoutId id="2147483678" r:id="rId6"/>
+    <p:sldLayoutId id="2147483679" r:id="rId7"/>
+    <p:sldLayoutId id="2147483680" r:id="rId8"/>
+    <p:sldLayoutId id="2147483681" r:id="rId9"/>
+    <p:sldLayoutId id="2147483682" r:id="rId10"/>
+    <p:sldLayoutId id="2147483683" r:id="rId11"/>
   </p:sldLayoutIdLst>
   <p:txStyles>
     <p:titleStyle>
-      <a:lvl1pPr algn="ctr" defTabSz="457200" rtl="0" eaLnBrk="1" latinLnBrk="0" hangingPunct="1">
+      <a:lvl1pPr algn="l" defTabSz="914400" rtl="0" eaLnBrk="1" latinLnBrk="0" hangingPunct="1">
+        <a:lnSpc>
+          <a:spcPct val="85000"/>
+        </a:lnSpc>
         <a:spcBef>
           <a:spcPct val="0"/>
         </a:spcBef>
         <a:buNone/>
-        <a:defRPr sz="4400" kern="1200">
+        <a:defRPr sz="4800" kern="1200" spc="-50" baseline="0">
           <a:solidFill>
-            <a:schemeClr val="tx1"/>
+            <a:schemeClr val="tx1">
+              <a:lumMod val="75000"/>
+              <a:lumOff val="25000"/>
+            </a:schemeClr>
           </a:solidFill>
           <a:latin typeface="+mj-lt"/>
           <a:ea typeface="+mj-ea"/>
@@ -2867,135 +3464,244 @@
       </a:lvl1pPr>
     </p:titleStyle>
     <p:bodyStyle>
-      <a:lvl1pPr marL="342900" indent="-342900" algn="l" defTabSz="457200" rtl="0" eaLnBrk="1" latinLnBrk="0" hangingPunct="1">
+      <a:lvl1pPr marL="91440" indent="-91440" algn="l" defTabSz="914400" rtl="0" eaLnBrk="1" latinLnBrk="0" hangingPunct="1">
+        <a:lnSpc>
+          <a:spcPct val="90000"/>
+        </a:lnSpc>
         <a:spcBef>
-          <a:spcPct val="20000"/>
+          <a:spcPts val="1200"/>
         </a:spcBef>
-        <a:buFont typeface="Arial"/>
-        <a:buChar char="•"/>
-        <a:defRPr sz="3200" kern="1200">
+        <a:spcAft>
+          <a:spcPts val="200"/>
+        </a:spcAft>
+        <a:buClr>
+          <a:schemeClr val="accent1"/>
+        </a:buClr>
+        <a:buSzPct val="100000"/>
+        <a:buFont typeface="Calibri" panose="020F0502020204030204" pitchFamily="34" charset="0"/>
+        <a:buChar char=" "/>
+        <a:defRPr sz="2000" kern="1200">
           <a:solidFill>
-            <a:schemeClr val="tx1"/>
+            <a:schemeClr val="tx1">
+              <a:lumMod val="75000"/>
+              <a:lumOff val="25000"/>
+            </a:schemeClr>
           </a:solidFill>
           <a:latin typeface="+mn-lt"/>
           <a:ea typeface="+mn-ea"/>
           <a:cs typeface="+mn-cs"/>
         </a:defRPr>
       </a:lvl1pPr>
-      <a:lvl2pPr marL="742950" indent="-285750" algn="l" defTabSz="457200" rtl="0" eaLnBrk="1" latinLnBrk="0" hangingPunct="1">
+      <a:lvl2pPr marL="384048" indent="-182880" algn="l" defTabSz="914400" rtl="0" eaLnBrk="1" latinLnBrk="0" hangingPunct="1">
+        <a:lnSpc>
+          <a:spcPct val="90000"/>
+        </a:lnSpc>
         <a:spcBef>
-          <a:spcPct val="20000"/>
+          <a:spcPts val="200"/>
         </a:spcBef>
-        <a:buFont typeface="Arial"/>
-        <a:buChar char="–"/>
-        <a:defRPr sz="2800" kern="1200">
+        <a:spcAft>
+          <a:spcPts val="400"/>
+        </a:spcAft>
+        <a:buClr>
+          <a:schemeClr val="accent1"/>
+        </a:buClr>
+        <a:buFont typeface="Calibri" pitchFamily="34" charset="0"/>
+        <a:buChar char="◦"/>
+        <a:defRPr sz="1800" kern="1200">
           <a:solidFill>
-            <a:schemeClr val="tx1"/>
+            <a:schemeClr val="tx1">
+              <a:lumMod val="75000"/>
+              <a:lumOff val="25000"/>
+            </a:schemeClr>
           </a:solidFill>
           <a:latin typeface="+mn-lt"/>
           <a:ea typeface="+mn-ea"/>
           <a:cs typeface="+mn-cs"/>
         </a:defRPr>
       </a:lvl2pPr>
-      <a:lvl3pPr marL="1143000" indent="-228600" algn="l" defTabSz="457200" rtl="0" eaLnBrk="1" latinLnBrk="0" hangingPunct="1">
+      <a:lvl3pPr marL="566928" indent="-182880" algn="l" defTabSz="914400" rtl="0" eaLnBrk="1" latinLnBrk="0" hangingPunct="1">
+        <a:lnSpc>
+          <a:spcPct val="90000"/>
+        </a:lnSpc>
         <a:spcBef>
-          <a:spcPct val="20000"/>
+          <a:spcPts val="200"/>
         </a:spcBef>
-        <a:buFont typeface="Arial"/>
-        <a:buChar char="•"/>
-        <a:defRPr sz="2400" kern="1200">
+        <a:spcAft>
+          <a:spcPts val="400"/>
+        </a:spcAft>
+        <a:buClr>
+          <a:schemeClr val="accent1"/>
+        </a:buClr>
+        <a:buFont typeface="Calibri" pitchFamily="34" charset="0"/>
+        <a:buChar char="◦"/>
+        <a:defRPr sz="1400" kern="1200">
           <a:solidFill>
-            <a:schemeClr val="tx1"/>
+            <a:schemeClr val="tx1">
+              <a:lumMod val="75000"/>
+              <a:lumOff val="25000"/>
+            </a:schemeClr>
           </a:solidFill>
           <a:latin typeface="+mn-lt"/>
           <a:ea typeface="+mn-ea"/>
           <a:cs typeface="+mn-cs"/>
         </a:defRPr>
       </a:lvl3pPr>
-      <a:lvl4pPr marL="1600200" indent="-228600" algn="l" defTabSz="457200" rtl="0" eaLnBrk="1" latinLnBrk="0" hangingPunct="1">
+      <a:lvl4pPr marL="749808" indent="-182880" algn="l" defTabSz="914400" rtl="0" eaLnBrk="1" latinLnBrk="0" hangingPunct="1">
+        <a:lnSpc>
+          <a:spcPct val="90000"/>
+        </a:lnSpc>
         <a:spcBef>
-          <a:spcPct val="20000"/>
+          <a:spcPts val="200"/>
         </a:spcBef>
-        <a:buFont typeface="Arial"/>
-        <a:buChar char="–"/>
-        <a:defRPr sz="2000" kern="1200">
+        <a:spcAft>
+          <a:spcPts val="400"/>
+        </a:spcAft>
+        <a:buClr>
+          <a:schemeClr val="accent1"/>
+        </a:buClr>
+        <a:buFont typeface="Calibri" pitchFamily="34" charset="0"/>
+        <a:buChar char="◦"/>
+        <a:defRPr sz="1400" kern="1200">
           <a:solidFill>
-            <a:schemeClr val="tx1"/>
+            <a:schemeClr val="tx1">
+              <a:lumMod val="75000"/>
+              <a:lumOff val="25000"/>
+            </a:schemeClr>
           </a:solidFill>
           <a:latin typeface="+mn-lt"/>
           <a:ea typeface="+mn-ea"/>
           <a:cs typeface="+mn-cs"/>
         </a:defRPr>
       </a:lvl4pPr>
-      <a:lvl5pPr marL="2057400" indent="-228600" algn="l" defTabSz="457200" rtl="0" eaLnBrk="1" latinLnBrk="0" hangingPunct="1">
+      <a:lvl5pPr marL="932688" indent="-182880" algn="l" defTabSz="914400" rtl="0" eaLnBrk="1" latinLnBrk="0" hangingPunct="1">
+        <a:lnSpc>
+          <a:spcPct val="90000"/>
+        </a:lnSpc>
         <a:spcBef>
-          <a:spcPct val="20000"/>
+          <a:spcPts val="200"/>
         </a:spcBef>
-        <a:buFont typeface="Arial"/>
-        <a:buChar char="»"/>
-        <a:defRPr sz="2000" kern="1200">
+        <a:spcAft>
+          <a:spcPts val="400"/>
+        </a:spcAft>
+        <a:buClr>
+          <a:schemeClr val="accent1"/>
+        </a:buClr>
+        <a:buFont typeface="Calibri" pitchFamily="34" charset="0"/>
+        <a:buChar char="◦"/>
+        <a:defRPr sz="1400" kern="1200">
           <a:solidFill>
-            <a:schemeClr val="tx1"/>
+            <a:schemeClr val="tx1">
+              <a:lumMod val="75000"/>
+              <a:lumOff val="25000"/>
+            </a:schemeClr>
           </a:solidFill>
           <a:latin typeface="+mn-lt"/>
           <a:ea typeface="+mn-ea"/>
           <a:cs typeface="+mn-cs"/>
         </a:defRPr>
       </a:lvl5pPr>
-      <a:lvl6pPr marL="2514600" indent="-228600" algn="l" defTabSz="457200" rtl="0" eaLnBrk="1" latinLnBrk="0" hangingPunct="1">
+      <a:lvl6pPr marL="1100000" indent="-228600" algn="l" defTabSz="914400" rtl="0" eaLnBrk="1" latinLnBrk="0" hangingPunct="1">
+        <a:lnSpc>
+          <a:spcPct val="90000"/>
+        </a:lnSpc>
         <a:spcBef>
-          <a:spcPct val="20000"/>
+          <a:spcPts val="200"/>
         </a:spcBef>
-        <a:buFont typeface="Arial"/>
-        <a:buChar char="•"/>
-        <a:defRPr sz="2000" kern="1200">
+        <a:spcAft>
+          <a:spcPts val="400"/>
+        </a:spcAft>
+        <a:buClr>
+          <a:schemeClr val="accent1"/>
+        </a:buClr>
+        <a:buFont typeface="Calibri" pitchFamily="34" charset="0"/>
+        <a:buChar char="◦"/>
+        <a:defRPr sz="1400" kern="1200">
           <a:solidFill>
-            <a:schemeClr val="tx1"/>
+            <a:schemeClr val="tx1">
+              <a:lumMod val="75000"/>
+              <a:lumOff val="25000"/>
+            </a:schemeClr>
           </a:solidFill>
           <a:latin typeface="+mn-lt"/>
           <a:ea typeface="+mn-ea"/>
           <a:cs typeface="+mn-cs"/>
         </a:defRPr>
       </a:lvl6pPr>
-      <a:lvl7pPr marL="2971800" indent="-228600" algn="l" defTabSz="457200" rtl="0" eaLnBrk="1" latinLnBrk="0" hangingPunct="1">
+      <a:lvl7pPr marL="1300000" indent="-228600" algn="l" defTabSz="914400" rtl="0" eaLnBrk="1" latinLnBrk="0" hangingPunct="1">
+        <a:lnSpc>
+          <a:spcPct val="90000"/>
+        </a:lnSpc>
         <a:spcBef>
-          <a:spcPct val="20000"/>
+          <a:spcPts val="200"/>
         </a:spcBef>
-        <a:buFont typeface="Arial"/>
-        <a:buChar char="•"/>
-        <a:defRPr sz="2000" kern="1200">
+        <a:spcAft>
+          <a:spcPts val="400"/>
+        </a:spcAft>
+        <a:buClr>
+          <a:schemeClr val="accent1"/>
+        </a:buClr>
+        <a:buFont typeface="Calibri" pitchFamily="34" charset="0"/>
+        <a:buChar char="◦"/>
+        <a:defRPr sz="1400" kern="1200">
           <a:solidFill>
-            <a:schemeClr val="tx1"/>
+            <a:schemeClr val="tx1">
+              <a:lumMod val="75000"/>
+              <a:lumOff val="25000"/>
+            </a:schemeClr>
           </a:solidFill>
           <a:latin typeface="+mn-lt"/>
           <a:ea typeface="+mn-ea"/>
           <a:cs typeface="+mn-cs"/>
         </a:defRPr>
       </a:lvl7pPr>
-      <a:lvl8pPr marL="3429000" indent="-228600" algn="l" defTabSz="457200" rtl="0" eaLnBrk="1" latinLnBrk="0" hangingPunct="1">
+      <a:lvl8pPr marL="1500000" indent="-228600" algn="l" defTabSz="914400" rtl="0" eaLnBrk="1" latinLnBrk="0" hangingPunct="1">
+        <a:lnSpc>
+          <a:spcPct val="90000"/>
+        </a:lnSpc>
         <a:spcBef>
-          <a:spcPct val="20000"/>
+          <a:spcPts val="200"/>
         </a:spcBef>
-        <a:buFont typeface="Arial"/>
-        <a:buChar char="•"/>
-        <a:defRPr sz="2000" kern="1200">
+        <a:spcAft>
+          <a:spcPts val="400"/>
+        </a:spcAft>
+        <a:buClr>
+          <a:schemeClr val="accent1"/>
+        </a:buClr>
+        <a:buFont typeface="Calibri" pitchFamily="34" charset="0"/>
+        <a:buChar char="◦"/>
+        <a:defRPr sz="1400" kern="1200">
           <a:solidFill>
-            <a:schemeClr val="tx1"/>
+            <a:schemeClr val="tx1">
+              <a:lumMod val="75000"/>
+              <a:lumOff val="25000"/>
+            </a:schemeClr>
           </a:solidFill>
           <a:latin typeface="+mn-lt"/>
           <a:ea typeface="+mn-ea"/>
           <a:cs typeface="+mn-cs"/>
         </a:defRPr>
       </a:lvl8pPr>
-      <a:lvl9pPr marL="3886200" indent="-228600" algn="l" defTabSz="457200" rtl="0" eaLnBrk="1" latinLnBrk="0" hangingPunct="1">
+      <a:lvl9pPr marL="1700000" indent="-228600" algn="l" defTabSz="914400" rtl="0" eaLnBrk="1" latinLnBrk="0" hangingPunct="1">
+        <a:lnSpc>
+          <a:spcPct val="90000"/>
+        </a:lnSpc>
         <a:spcBef>
-          <a:spcPct val="20000"/>
+          <a:spcPts val="200"/>
         </a:spcBef>
-        <a:buFont typeface="Arial"/>
-        <a:buChar char="•"/>
-        <a:defRPr sz="2000" kern="1200">
+        <a:spcAft>
+          <a:spcPts val="400"/>
+        </a:spcAft>
+        <a:buClr>
+          <a:schemeClr val="accent1"/>
+        </a:buClr>
+        <a:buFont typeface="Calibri" pitchFamily="34" charset="0"/>
+        <a:buChar char="◦"/>
+        <a:defRPr sz="1400" kern="1200">
           <a:solidFill>
-            <a:schemeClr val="tx1"/>
+            <a:schemeClr val="tx1">
+              <a:lumMod val="75000"/>
+              <a:lumOff val="25000"/>
+            </a:schemeClr>
           </a:solidFill>
           <a:latin typeface="+mn-lt"/>
           <a:ea typeface="+mn-ea"/>
@@ -3007,7 +3713,7 @@
       <a:defPPr>
         <a:defRPr lang="en-US"/>
       </a:defPPr>
-      <a:lvl1pPr marL="0" algn="l" defTabSz="457200" rtl="0" eaLnBrk="1" latinLnBrk="0" hangingPunct="1">
+      <a:lvl1pPr marL="0" algn="l" defTabSz="914400" rtl="0" eaLnBrk="1" latinLnBrk="0" hangingPunct="1">
         <a:defRPr sz="1800" kern="1200">
           <a:solidFill>
             <a:schemeClr val="tx1"/>
@@ -3017,7 +3723,7 @@
           <a:cs typeface="+mn-cs"/>
         </a:defRPr>
       </a:lvl1pPr>
-      <a:lvl2pPr marL="457200" algn="l" defTabSz="457200" rtl="0" eaLnBrk="1" latinLnBrk="0" hangingPunct="1">
+      <a:lvl2pPr marL="457200" algn="l" defTabSz="914400" rtl="0" eaLnBrk="1" latinLnBrk="0" hangingPunct="1">
         <a:defRPr sz="1800" kern="1200">
           <a:solidFill>
             <a:schemeClr val="tx1"/>
@@ -3027,7 +3733,7 @@
           <a:cs typeface="+mn-cs"/>
         </a:defRPr>
       </a:lvl2pPr>
-      <a:lvl3pPr marL="914400" algn="l" defTabSz="457200" rtl="0" eaLnBrk="1" latinLnBrk="0" hangingPunct="1">
+      <a:lvl3pPr marL="914400" algn="l" defTabSz="914400" rtl="0" eaLnBrk="1" latinLnBrk="0" hangingPunct="1">
         <a:defRPr sz="1800" kern="1200">
           <a:solidFill>
             <a:schemeClr val="tx1"/>
@@ -3037,7 +3743,7 @@
           <a:cs typeface="+mn-cs"/>
         </a:defRPr>
       </a:lvl3pPr>
-      <a:lvl4pPr marL="1371600" algn="l" defTabSz="457200" rtl="0" eaLnBrk="1" latinLnBrk="0" hangingPunct="1">
+      <a:lvl4pPr marL="1371600" algn="l" defTabSz="914400" rtl="0" eaLnBrk="1" latinLnBrk="0" hangingPunct="1">
         <a:defRPr sz="1800" kern="1200">
           <a:solidFill>
             <a:schemeClr val="tx1"/>
@@ -3047,7 +3753,7 @@
           <a:cs typeface="+mn-cs"/>
         </a:defRPr>
       </a:lvl4pPr>
-      <a:lvl5pPr marL="1828800" algn="l" defTabSz="457200" rtl="0" eaLnBrk="1" latinLnBrk="0" hangingPunct="1">
+      <a:lvl5pPr marL="1828800" algn="l" defTabSz="914400" rtl="0" eaLnBrk="1" latinLnBrk="0" hangingPunct="1">
         <a:defRPr sz="1800" kern="1200">
           <a:solidFill>
             <a:schemeClr val="tx1"/>
@@ -3057,7 +3763,7 @@
           <a:cs typeface="+mn-cs"/>
         </a:defRPr>
       </a:lvl5pPr>
-      <a:lvl6pPr marL="2286000" algn="l" defTabSz="457200" rtl="0" eaLnBrk="1" latinLnBrk="0" hangingPunct="1">
+      <a:lvl6pPr marL="2286000" algn="l" defTabSz="914400" rtl="0" eaLnBrk="1" latinLnBrk="0" hangingPunct="1">
         <a:defRPr sz="1800" kern="1200">
           <a:solidFill>
             <a:schemeClr val="tx1"/>
@@ -3067,7 +3773,7 @@
           <a:cs typeface="+mn-cs"/>
         </a:defRPr>
       </a:lvl6pPr>
-      <a:lvl7pPr marL="2743200" algn="l" defTabSz="457200" rtl="0" eaLnBrk="1" latinLnBrk="0" hangingPunct="1">
+      <a:lvl7pPr marL="2743200" algn="l" defTabSz="914400" rtl="0" eaLnBrk="1" latinLnBrk="0" hangingPunct="1">
         <a:defRPr sz="1800" kern="1200">
           <a:solidFill>
             <a:schemeClr val="tx1"/>
@@ -3077,7 +3783,7 @@
           <a:cs typeface="+mn-cs"/>
         </a:defRPr>
       </a:lvl7pPr>
-      <a:lvl8pPr marL="3200400" algn="l" defTabSz="457200" rtl="0" eaLnBrk="1" latinLnBrk="0" hangingPunct="1">
+      <a:lvl8pPr marL="3200400" algn="l" defTabSz="914400" rtl="0" eaLnBrk="1" latinLnBrk="0" hangingPunct="1">
         <a:defRPr sz="1800" kern="1200">
           <a:solidFill>
             <a:schemeClr val="tx1"/>
@@ -3087,7 +3793,7 @@
           <a:cs typeface="+mn-cs"/>
         </a:defRPr>
       </a:lvl8pPr>
-      <a:lvl9pPr marL="3657600" algn="l" defTabSz="457200" rtl="0" eaLnBrk="1" latinLnBrk="0" hangingPunct="1">
+      <a:lvl9pPr marL="3657600" algn="l" defTabSz="914400" rtl="0" eaLnBrk="1" latinLnBrk="0" hangingPunct="1">
         <a:defRPr sz="1800" kern="1200">
           <a:solidFill>
             <a:schemeClr val="tx1"/>
@@ -3103,7 +3809,7 @@
 </file>
 
 <file path=ppt/slides/slide1.xml><?xml version="1.0" encoding="utf-8"?>
-<p:sld xmlns:a="http://schemas.openxmlformats.org/drawingml/2006/main" xmlns:p="http://schemas.openxmlformats.org/presentationml/2006/main" xmlns:r="http://schemas.openxmlformats.org/officeDocument/2006/relationships">
+<p:sld xmlns:a="http://schemas.openxmlformats.org/drawingml/2006/main" xmlns:r="http://schemas.openxmlformats.org/officeDocument/2006/relationships" xmlns:p="http://schemas.openxmlformats.org/presentationml/2006/main">
   <p:cSld>
     <p:spTree>
       <p:nvGrpSpPr>
@@ -3111,7 +3817,14 @@
         <p:cNvGrpSpPr/>
         <p:nvPr/>
       </p:nvGrpSpPr>
-      <p:grpSpPr/>
+      <p:grpSpPr>
+        <a:xfrm>
+          <a:off x="0" y="0"/>
+          <a:ext cx="0" cy="0"/>
+          <a:chOff x="0" y="0"/>
+          <a:chExt cx="0" cy="0"/>
+        </a:xfrm>
+      </p:grpSpPr>
       <p:sp>
         <p:nvSpPr>
           <p:cNvPr id="2" name="Title 1"/>
@@ -3128,8 +3841,22 @@
           <a:lstStyle/>
           <a:p>
             <a:r>
-              <a:t>Aula 3 – Aprendizado Supervisionado</a:t>
-            </a:r>
+              <a:rPr lang="en-US" dirty="0" err="1"/>
+              <a:t>A</a:t>
+            </a:r>
+            <a:r>
+              <a:rPr dirty="0" err="1"/>
+              <a:t>prendizado</a:t>
+            </a:r>
+            <a:r>
+              <a:rPr dirty="0"/>
+              <a:t> </a:t>
+            </a:r>
+            <a:r>
+              <a:rPr dirty="0" err="1"/>
+              <a:t>Supervisionado</a:t>
+            </a:r>
+            <a:endParaRPr dirty="0"/>
           </a:p>
         </p:txBody>
       </p:sp>
@@ -3147,7 +3874,9 @@
         <p:txBody>
           <a:bodyPr/>
           <a:lstStyle/>
-          <a:p/>
+          <a:p>
+            <a:endParaRPr/>
+          </a:p>
         </p:txBody>
       </p:sp>
     </p:spTree>
@@ -3159,7 +3888,7 @@
 </file>
 
 <file path=ppt/slides/slide10.xml><?xml version="1.0" encoding="utf-8"?>
-<p:sld xmlns:a="http://schemas.openxmlformats.org/drawingml/2006/main" xmlns:p="http://schemas.openxmlformats.org/presentationml/2006/main" xmlns:r="http://schemas.openxmlformats.org/officeDocument/2006/relationships">
+<p:sld xmlns:a="http://schemas.openxmlformats.org/drawingml/2006/main" xmlns:r="http://schemas.openxmlformats.org/officeDocument/2006/relationships" xmlns:p="http://schemas.openxmlformats.org/presentationml/2006/main">
   <p:cSld>
     <p:spTree>
       <p:nvGrpSpPr>
@@ -3167,7 +3896,14 @@
         <p:cNvGrpSpPr/>
         <p:nvPr/>
       </p:nvGrpSpPr>
-      <p:grpSpPr/>
+      <p:grpSpPr>
+        <a:xfrm>
+          <a:off x="0" y="0"/>
+          <a:ext cx="0" cy="0"/>
+          <a:chOff x="0" y="0"/>
+          <a:chExt cx="0" cy="0"/>
+        </a:xfrm>
+      </p:grpSpPr>
       <p:sp>
         <p:nvSpPr>
           <p:cNvPr id="2" name="Title 1"/>
@@ -3184,7 +3920,7 @@
           <a:lstStyle/>
           <a:p>
             <a:r>
-              <a:t>3.1 Divisão treino e teste</a:t>
+              <a:t>b) Árvore de Decisão</a:t>
             </a:r>
           </a:p>
         </p:txBody>
@@ -3201,77 +3937,366 @@
         </p:nvSpPr>
         <p:spPr/>
         <p:txBody>
-          <a:bodyPr/>
+          <a:bodyPr>
+            <a:normAutofit/>
+          </a:bodyPr>
           <a:lstStyle/>
           <a:p>
             <a:r>
-              <a:t>A base de dados deve ser dividida em dois subconjuntos principais:</a:t>
-            </a:r>
-          </a:p>
-          <a:p/>
-          <a:p>
-            <a:r>
-              <a:t>Treino (70–80%): usado para ensinar o modelo, isto é, ajustar os parâmetros com base nos exemplos.</a:t>
-            </a:r>
-          </a:p>
-          <a:p>
-            <a:r>
-              <a:t>Teste (20–30%): usado para avaliar o modelo em dados inéditos, verificando se ele generaliza além dos casos já vistos.</a:t>
-            </a:r>
-          </a:p>
-          <a:p/>
-          <a:p>
-            <a:r>
-              <a:t>Exemplo no varejo:</a:t>
-            </a:r>
-          </a:p>
-          <a:p/>
-          <a:p>
-            <a:r>
-              <a:t>Dataset de 10.000 clientes.</a:t>
-            </a:r>
-          </a:p>
-          <a:p/>
-          <a:p>
-            <a:r>
-              <a:t>7.000 → treino</a:t>
-            </a:r>
-          </a:p>
-          <a:p>
-            <a:r>
-              <a:t>3.000 → teste</a:t>
-            </a:r>
-          </a:p>
-          <a:p>
-            <a:r>
-              <a:t>Se um cliente do teste nunca foi visto pelo modelo, mas ele consegue prever corretamente seu comportamento, significa que o modelo está aprendendo padrões reais.</a:t>
-            </a:r>
-          </a:p>
-          <a:p/>
-          <a:p>
-            <a:r>
-              <a:t>Analogia:</a:t>
-            </a:r>
-          </a:p>
-          <a:p>
-            <a:r>
-              <a:t>É como estudar para uma prova.</a:t>
-            </a:r>
-          </a:p>
-          <a:p/>
-          <a:p>
-            <a:r>
-              <a:t>O conjunto de treino são os exercícios resolvidos no estudo.</a:t>
-            </a:r>
-          </a:p>
-          <a:p>
-            <a:r>
-              <a:t>O conjunto de teste é a prova real, com questões diferentes.</a:t>
-            </a:r>
-          </a:p>
-          <a:p>
-            <a:r>
-              <a:t>Se o aluno só souber repetir exatamente os exercícios vistos, mas não resolver novas questões, significa que ele não aprendeu de verdade – apenas decorou.</a:t>
+              <a:rPr dirty="0" err="1"/>
+              <a:t>Estrutura</a:t>
+            </a:r>
+            <a:r>
+              <a:rPr dirty="0"/>
+              <a:t> </a:t>
+            </a:r>
+            <a:r>
+              <a:rPr dirty="0" err="1"/>
+              <a:t>em</a:t>
+            </a:r>
+            <a:r>
+              <a:rPr dirty="0"/>
+              <a:t> </a:t>
+            </a:r>
+            <a:r>
+              <a:rPr dirty="0" err="1"/>
+              <a:t>formato</a:t>
+            </a:r>
+            <a:r>
+              <a:rPr dirty="0"/>
+              <a:t> de </a:t>
+            </a:r>
+            <a:r>
+              <a:rPr dirty="0" err="1"/>
+              <a:t>árvore</a:t>
+            </a:r>
+            <a:r>
+              <a:rPr dirty="0"/>
+              <a:t>, </a:t>
+            </a:r>
+            <a:r>
+              <a:rPr dirty="0" err="1"/>
+              <a:t>baseada</a:t>
+            </a:r>
+            <a:r>
+              <a:rPr dirty="0"/>
+              <a:t> </a:t>
+            </a:r>
+            <a:r>
+              <a:rPr dirty="0" err="1"/>
+              <a:t>em</a:t>
+            </a:r>
+            <a:r>
+              <a:rPr dirty="0"/>
+              <a:t> </a:t>
+            </a:r>
+            <a:r>
+              <a:rPr dirty="0" err="1"/>
+              <a:t>regras</a:t>
+            </a:r>
+            <a:r>
+              <a:rPr dirty="0"/>
+              <a:t> “se... </a:t>
+            </a:r>
+            <a:r>
+              <a:rPr dirty="0" err="1"/>
+              <a:t>então</a:t>
+            </a:r>
+            <a:r>
+              <a:rPr dirty="0"/>
+              <a:t>...”.</a:t>
+            </a:r>
+          </a:p>
+          <a:p>
+            <a:r>
+              <a:rPr dirty="0" err="1"/>
+              <a:t>Exemplo</a:t>
+            </a:r>
+            <a:r>
+              <a:rPr dirty="0"/>
+              <a:t> no </a:t>
+            </a:r>
+            <a:r>
+              <a:rPr dirty="0" err="1"/>
+              <a:t>varejo</a:t>
+            </a:r>
+            <a:r>
+              <a:rPr dirty="0"/>
+              <a:t>:</a:t>
+            </a:r>
+          </a:p>
+          <a:p>
+            <a:pPr lvl="1"/>
+            <a:r>
+              <a:rPr dirty="0"/>
+              <a:t>Se ticket</a:t>
+            </a:r>
+            <a:r>
+              <a:rPr lang="en-US" dirty="0"/>
+              <a:t> </a:t>
+            </a:r>
+            <a:r>
+              <a:rPr dirty="0" err="1"/>
+              <a:t>médio</a:t>
+            </a:r>
+            <a:r>
+              <a:rPr dirty="0"/>
+              <a:t> &gt; </a:t>
+            </a:r>
+            <a:r>
+              <a:rPr lang="en-US" dirty="0"/>
+              <a:t>R$</a:t>
+            </a:r>
+            <a:r>
+              <a:rPr dirty="0"/>
+              <a:t> 200 e </a:t>
+            </a:r>
+            <a:r>
+              <a:rPr dirty="0" err="1"/>
+              <a:t>cliente</a:t>
+            </a:r>
+            <a:r>
+              <a:rPr dirty="0"/>
+              <a:t> </a:t>
+            </a:r>
+            <a:r>
+              <a:rPr dirty="0" err="1"/>
+              <a:t>usa</a:t>
+            </a:r>
+            <a:r>
+              <a:rPr dirty="0"/>
+              <a:t> </a:t>
+            </a:r>
+            <a:r>
+              <a:rPr dirty="0" err="1"/>
+              <a:t>cupons</a:t>
+            </a:r>
+            <a:r>
+              <a:rPr dirty="0"/>
+              <a:t> → </a:t>
+            </a:r>
+            <a:r>
+              <a:rPr dirty="0" err="1"/>
+              <a:t>prever</a:t>
+            </a:r>
+            <a:r>
+              <a:rPr dirty="0"/>
+              <a:t> “</a:t>
+            </a:r>
+            <a:r>
+              <a:rPr dirty="0" err="1"/>
+              <a:t>vai</a:t>
+            </a:r>
+            <a:r>
+              <a:rPr dirty="0"/>
+              <a:t> </a:t>
+            </a:r>
+            <a:r>
+              <a:rPr dirty="0" err="1"/>
+              <a:t>comprar</a:t>
+            </a:r>
+            <a:r>
+              <a:rPr dirty="0"/>
+              <a:t>”.</a:t>
+            </a:r>
+          </a:p>
+          <a:p>
+            <a:pPr lvl="1"/>
+            <a:r>
+              <a:rPr dirty="0" err="1"/>
+              <a:t>Senão</a:t>
+            </a:r>
+            <a:r>
+              <a:rPr dirty="0"/>
+              <a:t> → </a:t>
+            </a:r>
+            <a:r>
+              <a:rPr dirty="0" err="1"/>
+              <a:t>prever</a:t>
+            </a:r>
+            <a:r>
+              <a:rPr dirty="0"/>
+              <a:t> “</a:t>
+            </a:r>
+            <a:r>
+              <a:rPr dirty="0" err="1"/>
+              <a:t>não</a:t>
+            </a:r>
+            <a:r>
+              <a:rPr dirty="0"/>
+              <a:t> </a:t>
+            </a:r>
+            <a:r>
+              <a:rPr dirty="0" err="1"/>
+              <a:t>vai</a:t>
+            </a:r>
+            <a:r>
+              <a:rPr dirty="0"/>
+              <a:t> </a:t>
+            </a:r>
+            <a:r>
+              <a:rPr dirty="0" err="1"/>
+              <a:t>comprar</a:t>
+            </a:r>
+            <a:r>
+              <a:rPr dirty="0"/>
+              <a:t>”.</a:t>
+            </a:r>
+          </a:p>
+          <a:p>
+            <a:r>
+              <a:rPr dirty="0" err="1"/>
+              <a:t>Vantagem</a:t>
+            </a:r>
+            <a:r>
+              <a:rPr dirty="0"/>
+              <a:t>: </a:t>
+            </a:r>
+            <a:r>
+              <a:rPr dirty="0" err="1"/>
+              <a:t>fácil</a:t>
+            </a:r>
+            <a:r>
+              <a:rPr dirty="0"/>
+              <a:t> de </a:t>
+            </a:r>
+            <a:r>
+              <a:rPr dirty="0" err="1"/>
+              <a:t>interpretar</a:t>
+            </a:r>
+            <a:r>
+              <a:rPr dirty="0"/>
+              <a:t> e </a:t>
+            </a:r>
+            <a:r>
+              <a:rPr dirty="0" err="1"/>
+              <a:t>explicar</a:t>
+            </a:r>
+            <a:r>
+              <a:rPr dirty="0"/>
+              <a:t> para </a:t>
+            </a:r>
+            <a:r>
+              <a:rPr dirty="0" err="1"/>
+              <a:t>gestores</a:t>
+            </a:r>
+            <a:r>
+              <a:rPr dirty="0"/>
+              <a:t>, </a:t>
+            </a:r>
+            <a:r>
+              <a:rPr dirty="0" err="1"/>
+              <a:t>mostrando</a:t>
+            </a:r>
+            <a:r>
+              <a:rPr dirty="0"/>
+              <a:t> </a:t>
+            </a:r>
+            <a:r>
+              <a:rPr dirty="0" err="1"/>
+              <a:t>regras</a:t>
+            </a:r>
+            <a:r>
+              <a:rPr dirty="0"/>
+              <a:t> de </a:t>
+            </a:r>
+            <a:r>
+              <a:rPr dirty="0" err="1"/>
+              <a:t>negócio</a:t>
+            </a:r>
+            <a:r>
+              <a:rPr dirty="0"/>
+              <a:t> </a:t>
+            </a:r>
+            <a:r>
+              <a:rPr dirty="0" err="1"/>
+              <a:t>derivadas</a:t>
+            </a:r>
+            <a:r>
+              <a:rPr dirty="0"/>
+              <a:t> dos dados.</a:t>
+            </a:r>
+          </a:p>
+          <a:p>
+            <a:r>
+              <a:rPr dirty="0" err="1"/>
+              <a:t>Limitação</a:t>
+            </a:r>
+            <a:r>
+              <a:rPr dirty="0"/>
+              <a:t>: </a:t>
+            </a:r>
+            <a:r>
+              <a:rPr dirty="0" err="1"/>
+              <a:t>pode</a:t>
+            </a:r>
+            <a:r>
+              <a:rPr dirty="0"/>
+              <a:t> se </a:t>
+            </a:r>
+            <a:r>
+              <a:rPr dirty="0" err="1"/>
+              <a:t>tornar</a:t>
+            </a:r>
+            <a:r>
+              <a:rPr dirty="0"/>
+              <a:t> </a:t>
+            </a:r>
+            <a:r>
+              <a:rPr dirty="0" err="1"/>
+              <a:t>muito</a:t>
+            </a:r>
+            <a:r>
+              <a:rPr dirty="0"/>
+              <a:t> </a:t>
+            </a:r>
+            <a:r>
+              <a:rPr dirty="0" err="1"/>
+              <a:t>complexa</a:t>
+            </a:r>
+            <a:r>
+              <a:rPr dirty="0"/>
+              <a:t> (overfitting) se </a:t>
+            </a:r>
+            <a:r>
+              <a:rPr dirty="0" err="1"/>
+              <a:t>não</a:t>
+            </a:r>
+            <a:r>
+              <a:rPr dirty="0"/>
+              <a:t> for </a:t>
+            </a:r>
+            <a:r>
+              <a:rPr dirty="0" err="1"/>
+              <a:t>controlada</a:t>
+            </a:r>
+            <a:r>
+              <a:rPr dirty="0"/>
+              <a:t> (ex.: </a:t>
+            </a:r>
+            <a:r>
+              <a:rPr dirty="0" err="1"/>
+              <a:t>definindo</a:t>
+            </a:r>
+            <a:r>
+              <a:rPr dirty="0"/>
+              <a:t> </a:t>
+            </a:r>
+            <a:r>
+              <a:rPr dirty="0" err="1"/>
+              <a:t>profundidade</a:t>
+            </a:r>
+            <a:r>
+              <a:rPr dirty="0"/>
+              <a:t> </a:t>
+            </a:r>
+            <a:r>
+              <a:rPr dirty="0" err="1"/>
+              <a:t>máxima</a:t>
+            </a:r>
+            <a:r>
+              <a:rPr dirty="0"/>
+              <a:t>).</a:t>
             </a:r>
           </a:p>
         </p:txBody>
@@ -3285,7 +4310,7 @@
 </file>
 
 <file path=ppt/slides/slide11.xml><?xml version="1.0" encoding="utf-8"?>
-<p:sld xmlns:a="http://schemas.openxmlformats.org/drawingml/2006/main" xmlns:p="http://schemas.openxmlformats.org/presentationml/2006/main" xmlns:r="http://schemas.openxmlformats.org/officeDocument/2006/relationships">
+<p:sld xmlns:a="http://schemas.openxmlformats.org/drawingml/2006/main" xmlns:r="http://schemas.openxmlformats.org/officeDocument/2006/relationships" xmlns:p="http://schemas.openxmlformats.org/presentationml/2006/main">
   <p:cSld>
     <p:spTree>
       <p:nvGrpSpPr>
@@ -3293,7 +4318,14 @@
         <p:cNvGrpSpPr/>
         <p:nvPr/>
       </p:nvGrpSpPr>
-      <p:grpSpPr/>
+      <p:grpSpPr>
+        <a:xfrm>
+          <a:off x="0" y="0"/>
+          <a:ext cx="0" cy="0"/>
+          <a:chOff x="0" y="0"/>
+          <a:chExt cx="0" cy="0"/>
+        </a:xfrm>
+      </p:grpSpPr>
       <p:sp>
         <p:nvSpPr>
           <p:cNvPr id="2" name="Title 1"/>
@@ -3310,14 +4342,20 @@
           <a:lstStyle/>
           <a:p>
             <a:r>
-              <a:t>3.2 Validação cruzada</a:t>
+              <a:t>3. Preparação para a Modelagem</a:t>
             </a:r>
           </a:p>
         </p:txBody>
       </p:sp>
       <p:sp>
         <p:nvSpPr>
-          <p:cNvPr id="3" name="Content Placeholder 2"/>
+          <p:cNvPr id="4" name="Content Placeholder 3">
+            <a:extLst>
+              <a:ext uri="{FF2B5EF4-FFF2-40B4-BE49-F238E27FC236}">
+                <a16:creationId xmlns:a16="http://schemas.microsoft.com/office/drawing/2014/main" id="{3E829C72-A475-268D-1D05-4392DE064AA4}"/>
+              </a:ext>
+            </a:extLst>
+          </p:cNvPr>
           <p:cNvSpPr>
             <a:spLocks noGrp="1"/>
           </p:cNvSpPr>
@@ -3331,58 +4369,34 @@
           <a:lstStyle/>
           <a:p>
             <a:r>
-              <a:t>A validação cruzada é uma técnica para aumentar a confiabilidade da avaliação.</a:t>
-            </a:r>
-          </a:p>
-          <a:p/>
-          <a:p>
-            <a:r>
-              <a:t>Em vez de usar apenas uma divisão treino/teste, o dataset é dividido em várias partes (k-folds).</a:t>
-            </a:r>
-          </a:p>
-          <a:p>
-            <a:r>
-              <a:t>O modelo é treinado em algumas partes e testado nas restantes, até que todas sejam usadas como teste uma vez.</a:t>
-            </a:r>
-          </a:p>
-          <a:p>
-            <a:r>
-              <a:t>O desempenho final é a média dos resultados.</a:t>
-            </a:r>
-          </a:p>
-          <a:p/>
-          <a:p>
-            <a:r>
-              <a:t>Exemplo prático:</a:t>
-            </a:r>
-          </a:p>
-          <a:p/>
-          <a:p>
-            <a:r>
-              <a:t>Dataset de 1.000 clientes dividido em 5 partes iguais (k=5).</a:t>
-            </a:r>
-          </a:p>
-          <a:p/>
-          <a:p>
-            <a:r>
-              <a:t>1ª rodada → Treino: 800, Teste: 200</a:t>
-            </a:r>
-          </a:p>
-          <a:p>
-            <a:r>
-              <a:t>2ª rodada → Treino: 800, Teste: 200</a:t>
-            </a:r>
-          </a:p>
-          <a:p>
-            <a:r>
-              <a:t>… (até cada parte ser usada como teste uma vez).</a:t>
-            </a:r>
-          </a:p>
-          <a:p/>
-          <a:p>
-            <a:r>
-              <a:t>Resultado: se o modelo tiver uma acurácia média de 82%, podemos confiar que ele tem um desempenho consistente, e não apenas sorte em uma divisão específica.</a:t>
-            </a:r>
+              <a:rPr lang="pt-BR" dirty="0"/>
+              <a:t>Antes de treinar modelos de aprendizado supervisionado, é essencial preparar a forma como os dados serão usados. Segundo </a:t>
+            </a:r>
+            <a:r>
+              <a:rPr lang="pt-BR" b="1" dirty="0"/>
+              <a:t>Medeiros (2018)</a:t>
+            </a:r>
+            <a:r>
+              <a:rPr lang="pt-BR" dirty="0"/>
+              <a:t>, um dos maiores erros em projetos de IA é </a:t>
+            </a:r>
+            <a:r>
+              <a:rPr lang="pt-BR" b="1" dirty="0"/>
+              <a:t>avaliar o modelo nos mesmos dados usados para treiná-lo</a:t>
+            </a:r>
+            <a:r>
+              <a:rPr lang="pt-BR" dirty="0"/>
+              <a:t>, pois isso cria uma falsa sensação de desempenho. Já </a:t>
+            </a:r>
+            <a:r>
+              <a:rPr lang="pt-BR" b="1" dirty="0"/>
+              <a:t>Valdati (2020)</a:t>
+            </a:r>
+            <a:r>
+              <a:rPr lang="pt-BR" dirty="0"/>
+              <a:t> reforça que a qualidade da avaliação depende diretamente de boas práticas de separação de dados e validação.</a:t>
+            </a:r>
+            <a:endParaRPr lang="en-US" dirty="0"/>
           </a:p>
         </p:txBody>
       </p:sp>
@@ -3395,7 +4409,7 @@
 </file>
 
 <file path=ppt/slides/slide12.xml><?xml version="1.0" encoding="utf-8"?>
-<p:sld xmlns:a="http://schemas.openxmlformats.org/drawingml/2006/main" xmlns:p="http://schemas.openxmlformats.org/presentationml/2006/main" xmlns:r="http://schemas.openxmlformats.org/officeDocument/2006/relationships">
+<p:sld xmlns:a="http://schemas.openxmlformats.org/drawingml/2006/main" xmlns:r="http://schemas.openxmlformats.org/officeDocument/2006/relationships" xmlns:p="http://schemas.openxmlformats.org/presentationml/2006/main">
   <p:cSld>
     <p:spTree>
       <p:nvGrpSpPr>
@@ -3403,7 +4417,14 @@
         <p:cNvGrpSpPr/>
         <p:nvPr/>
       </p:nvGrpSpPr>
-      <p:grpSpPr/>
+      <p:grpSpPr>
+        <a:xfrm>
+          <a:off x="0" y="0"/>
+          <a:ext cx="0" cy="0"/>
+          <a:chOff x="0" y="0"/>
+          <a:chExt cx="0" cy="0"/>
+        </a:xfrm>
+      </p:grpSpPr>
       <p:sp>
         <p:nvSpPr>
           <p:cNvPr id="2" name="Title 1"/>
@@ -3420,7 +4441,24 @@
           <a:lstStyle/>
           <a:p>
             <a:r>
-              <a:t>Por que isso é importante para o projeto?</a:t>
+              <a:rPr dirty="0"/>
+              <a:t>3.1 </a:t>
+            </a:r>
+            <a:r>
+              <a:rPr dirty="0" err="1"/>
+              <a:t>Divisão</a:t>
+            </a:r>
+            <a:r>
+              <a:rPr dirty="0"/>
+              <a:t> </a:t>
+            </a:r>
+            <a:r>
+              <a:rPr dirty="0" err="1"/>
+              <a:t>treino</a:t>
+            </a:r>
+            <a:r>
+              <a:rPr dirty="0"/>
+              <a:t> e teste</a:t>
             </a:r>
           </a:p>
         </p:txBody>
@@ -3437,21 +4475,703 @@
         </p:nvSpPr>
         <p:spPr/>
         <p:txBody>
-          <a:bodyPr/>
+          <a:bodyPr>
+            <a:normAutofit fontScale="85000" lnSpcReduction="20000"/>
+          </a:bodyPr>
           <a:lstStyle/>
           <a:p>
             <a:r>
-              <a:t>Garante que o modelo não esteja apenas decorando os dados (overfitting).</a:t>
-            </a:r>
-          </a:p>
-          <a:p>
-            <a:r>
-              <a:t>Permite comparar diferentes algoritmos de forma justa.</a:t>
-            </a:r>
-          </a:p>
-          <a:p>
-            <a:r>
-              <a:t>Ajuda a empresa de varejo a confiar mais nos insights antes de aplicá-los em campanhas reais.</a:t>
+              <a:rPr dirty="0"/>
+              <a:t>A base de dados </a:t>
+            </a:r>
+            <a:r>
+              <a:rPr dirty="0" err="1"/>
+              <a:t>deve</a:t>
+            </a:r>
+            <a:r>
+              <a:rPr dirty="0"/>
+              <a:t> ser </a:t>
+            </a:r>
+            <a:r>
+              <a:rPr dirty="0" err="1"/>
+              <a:t>dividida</a:t>
+            </a:r>
+            <a:r>
+              <a:rPr dirty="0"/>
+              <a:t> </a:t>
+            </a:r>
+            <a:r>
+              <a:rPr dirty="0" err="1"/>
+              <a:t>em</a:t>
+            </a:r>
+            <a:r>
+              <a:rPr dirty="0"/>
+              <a:t> </a:t>
+            </a:r>
+            <a:r>
+              <a:rPr dirty="0" err="1"/>
+              <a:t>dois</a:t>
+            </a:r>
+            <a:r>
+              <a:rPr dirty="0"/>
+              <a:t> </a:t>
+            </a:r>
+            <a:r>
+              <a:rPr dirty="0" err="1"/>
+              <a:t>subconjuntos</a:t>
+            </a:r>
+            <a:r>
+              <a:rPr dirty="0"/>
+              <a:t> </a:t>
+            </a:r>
+            <a:r>
+              <a:rPr dirty="0" err="1"/>
+              <a:t>principais</a:t>
+            </a:r>
+            <a:r>
+              <a:rPr dirty="0"/>
+              <a:t>:</a:t>
+            </a:r>
+          </a:p>
+          <a:p>
+            <a:pPr lvl="1"/>
+            <a:r>
+              <a:rPr dirty="0" err="1"/>
+              <a:t>Treino</a:t>
+            </a:r>
+            <a:r>
+              <a:rPr dirty="0"/>
+              <a:t> (70–80%): </a:t>
+            </a:r>
+            <a:r>
+              <a:rPr dirty="0" err="1"/>
+              <a:t>usado</a:t>
+            </a:r>
+            <a:r>
+              <a:rPr dirty="0"/>
+              <a:t> para </a:t>
+            </a:r>
+            <a:r>
+              <a:rPr dirty="0" err="1"/>
+              <a:t>ensinar</a:t>
+            </a:r>
+            <a:r>
+              <a:rPr dirty="0"/>
+              <a:t> o </a:t>
+            </a:r>
+            <a:r>
+              <a:rPr dirty="0" err="1"/>
+              <a:t>modelo</a:t>
+            </a:r>
+            <a:r>
+              <a:rPr dirty="0"/>
+              <a:t>, </a:t>
+            </a:r>
+            <a:r>
+              <a:rPr dirty="0" err="1"/>
+              <a:t>isto</a:t>
+            </a:r>
+            <a:r>
+              <a:rPr dirty="0"/>
+              <a:t> é, </a:t>
+            </a:r>
+            <a:r>
+              <a:rPr dirty="0" err="1"/>
+              <a:t>ajustar</a:t>
+            </a:r>
+            <a:r>
+              <a:rPr dirty="0"/>
+              <a:t> </a:t>
+            </a:r>
+            <a:r>
+              <a:rPr dirty="0" err="1"/>
+              <a:t>os</a:t>
+            </a:r>
+            <a:r>
+              <a:rPr dirty="0"/>
+              <a:t> </a:t>
+            </a:r>
+            <a:r>
+              <a:rPr dirty="0" err="1"/>
+              <a:t>parâmetros</a:t>
+            </a:r>
+            <a:r>
+              <a:rPr dirty="0"/>
+              <a:t> com base </a:t>
+            </a:r>
+            <a:r>
+              <a:rPr dirty="0" err="1"/>
+              <a:t>nos</a:t>
+            </a:r>
+            <a:r>
+              <a:rPr dirty="0"/>
+              <a:t> </a:t>
+            </a:r>
+            <a:r>
+              <a:rPr dirty="0" err="1"/>
+              <a:t>exemplos</a:t>
+            </a:r>
+            <a:r>
+              <a:rPr dirty="0"/>
+              <a:t>.</a:t>
+            </a:r>
+          </a:p>
+          <a:p>
+            <a:pPr lvl="1"/>
+            <a:r>
+              <a:rPr dirty="0"/>
+              <a:t>Teste (20–30%): </a:t>
+            </a:r>
+            <a:r>
+              <a:rPr dirty="0" err="1"/>
+              <a:t>usado</a:t>
+            </a:r>
+            <a:r>
+              <a:rPr dirty="0"/>
+              <a:t> para </a:t>
+            </a:r>
+            <a:r>
+              <a:rPr dirty="0" err="1"/>
+              <a:t>avaliar</a:t>
+            </a:r>
+            <a:r>
+              <a:rPr dirty="0"/>
+              <a:t> o </a:t>
+            </a:r>
+            <a:r>
+              <a:rPr dirty="0" err="1"/>
+              <a:t>modelo</a:t>
+            </a:r>
+            <a:r>
+              <a:rPr dirty="0"/>
+              <a:t> </a:t>
+            </a:r>
+            <a:r>
+              <a:rPr dirty="0" err="1"/>
+              <a:t>em</a:t>
+            </a:r>
+            <a:r>
+              <a:rPr dirty="0"/>
+              <a:t> dados </a:t>
+            </a:r>
+            <a:r>
+              <a:rPr dirty="0" err="1"/>
+              <a:t>inéditos</a:t>
+            </a:r>
+            <a:r>
+              <a:rPr dirty="0"/>
+              <a:t>, </a:t>
+            </a:r>
+            <a:r>
+              <a:rPr dirty="0" err="1"/>
+              <a:t>verificando</a:t>
+            </a:r>
+            <a:r>
+              <a:rPr dirty="0"/>
+              <a:t> se </a:t>
+            </a:r>
+            <a:r>
+              <a:rPr dirty="0" err="1"/>
+              <a:t>ele</a:t>
+            </a:r>
+            <a:r>
+              <a:rPr dirty="0"/>
+              <a:t> </a:t>
+            </a:r>
+            <a:r>
+              <a:rPr dirty="0" err="1"/>
+              <a:t>generaliza</a:t>
+            </a:r>
+            <a:r>
+              <a:rPr dirty="0"/>
+              <a:t> </a:t>
+            </a:r>
+            <a:r>
+              <a:rPr dirty="0" err="1"/>
+              <a:t>além</a:t>
+            </a:r>
+            <a:r>
+              <a:rPr dirty="0"/>
+              <a:t> dos </a:t>
+            </a:r>
+            <a:r>
+              <a:rPr dirty="0" err="1"/>
+              <a:t>casos</a:t>
+            </a:r>
+            <a:r>
+              <a:rPr dirty="0"/>
+              <a:t> </a:t>
+            </a:r>
+            <a:r>
+              <a:rPr dirty="0" err="1"/>
+              <a:t>já</a:t>
+            </a:r>
+            <a:r>
+              <a:rPr dirty="0"/>
+              <a:t> vistos.</a:t>
+            </a:r>
+          </a:p>
+          <a:p>
+            <a:r>
+              <a:rPr dirty="0" err="1"/>
+              <a:t>Exemplo</a:t>
+            </a:r>
+            <a:r>
+              <a:rPr dirty="0"/>
+              <a:t> no </a:t>
+            </a:r>
+            <a:r>
+              <a:rPr dirty="0" err="1"/>
+              <a:t>varejo</a:t>
+            </a:r>
+            <a:r>
+              <a:rPr dirty="0"/>
+              <a:t>:</a:t>
+            </a:r>
+            <a:r>
+              <a:rPr lang="en-US" dirty="0"/>
+              <a:t> </a:t>
+            </a:r>
+            <a:r>
+              <a:rPr dirty="0"/>
+              <a:t>Dataset de 10.000 </a:t>
+            </a:r>
+            <a:r>
+              <a:rPr dirty="0" err="1"/>
+              <a:t>clientes</a:t>
+            </a:r>
+            <a:r>
+              <a:rPr dirty="0"/>
+              <a:t>.</a:t>
+            </a:r>
+          </a:p>
+          <a:p>
+            <a:pPr lvl="1"/>
+            <a:r>
+              <a:rPr dirty="0"/>
+              <a:t>7.000 → </a:t>
+            </a:r>
+            <a:r>
+              <a:rPr dirty="0" err="1"/>
+              <a:t>treino</a:t>
+            </a:r>
+            <a:endParaRPr dirty="0"/>
+          </a:p>
+          <a:p>
+            <a:pPr lvl="1"/>
+            <a:r>
+              <a:rPr dirty="0"/>
+              <a:t>3.000 → teste</a:t>
+            </a:r>
+          </a:p>
+          <a:p>
+            <a:r>
+              <a:rPr dirty="0"/>
+              <a:t>Se um </a:t>
+            </a:r>
+            <a:r>
+              <a:rPr dirty="0" err="1"/>
+              <a:t>cliente</a:t>
+            </a:r>
+            <a:r>
+              <a:rPr dirty="0"/>
+              <a:t> do teste </a:t>
+            </a:r>
+            <a:r>
+              <a:rPr dirty="0" err="1"/>
+              <a:t>nunca</a:t>
+            </a:r>
+            <a:r>
+              <a:rPr dirty="0"/>
+              <a:t> </a:t>
+            </a:r>
+            <a:r>
+              <a:rPr dirty="0" err="1"/>
+              <a:t>foi</a:t>
+            </a:r>
+            <a:r>
+              <a:rPr dirty="0"/>
+              <a:t> visto </a:t>
+            </a:r>
+            <a:r>
+              <a:rPr dirty="0" err="1"/>
+              <a:t>pelo</a:t>
+            </a:r>
+            <a:r>
+              <a:rPr dirty="0"/>
+              <a:t> </a:t>
+            </a:r>
+            <a:r>
+              <a:rPr dirty="0" err="1"/>
+              <a:t>modelo</a:t>
+            </a:r>
+            <a:r>
+              <a:rPr dirty="0"/>
+              <a:t>, mas </a:t>
+            </a:r>
+            <a:r>
+              <a:rPr dirty="0" err="1"/>
+              <a:t>ele</a:t>
+            </a:r>
+            <a:r>
+              <a:rPr dirty="0"/>
+              <a:t> </a:t>
+            </a:r>
+            <a:r>
+              <a:rPr dirty="0" err="1"/>
+              <a:t>consegue</a:t>
+            </a:r>
+            <a:r>
+              <a:rPr dirty="0"/>
+              <a:t> </a:t>
+            </a:r>
+            <a:r>
+              <a:rPr dirty="0" err="1"/>
+              <a:t>prever</a:t>
+            </a:r>
+            <a:r>
+              <a:rPr dirty="0"/>
+              <a:t> </a:t>
+            </a:r>
+            <a:r>
+              <a:rPr dirty="0" err="1"/>
+              <a:t>corretamente</a:t>
+            </a:r>
+            <a:r>
+              <a:rPr dirty="0"/>
+              <a:t> </a:t>
+            </a:r>
+            <a:r>
+              <a:rPr dirty="0" err="1"/>
+              <a:t>seu</a:t>
+            </a:r>
+            <a:r>
+              <a:rPr dirty="0"/>
+              <a:t> </a:t>
+            </a:r>
+            <a:r>
+              <a:rPr dirty="0" err="1"/>
+              <a:t>comportamento</a:t>
+            </a:r>
+            <a:r>
+              <a:rPr dirty="0"/>
+              <a:t>, </a:t>
+            </a:r>
+            <a:r>
+              <a:rPr dirty="0" err="1"/>
+              <a:t>significa</a:t>
+            </a:r>
+            <a:r>
+              <a:rPr dirty="0"/>
+              <a:t> que o </a:t>
+            </a:r>
+            <a:r>
+              <a:rPr dirty="0" err="1"/>
+              <a:t>modelo</a:t>
+            </a:r>
+            <a:r>
+              <a:rPr dirty="0"/>
+              <a:t> </a:t>
+            </a:r>
+            <a:r>
+              <a:rPr dirty="0" err="1"/>
+              <a:t>está</a:t>
+            </a:r>
+            <a:r>
+              <a:rPr dirty="0"/>
+              <a:t> </a:t>
+            </a:r>
+            <a:r>
+              <a:rPr dirty="0" err="1"/>
+              <a:t>aprendendo</a:t>
+            </a:r>
+            <a:r>
+              <a:rPr dirty="0"/>
+              <a:t> </a:t>
+            </a:r>
+            <a:r>
+              <a:rPr dirty="0" err="1"/>
+              <a:t>padrões</a:t>
+            </a:r>
+            <a:r>
+              <a:rPr dirty="0"/>
+              <a:t> reais.</a:t>
+            </a:r>
+          </a:p>
+          <a:p>
+            <a:r>
+              <a:rPr dirty="0"/>
+              <a:t>Analogia:</a:t>
+            </a:r>
+            <a:r>
+              <a:rPr lang="en-US" dirty="0"/>
+              <a:t> </a:t>
+            </a:r>
+            <a:r>
+              <a:rPr dirty="0"/>
+              <a:t>É </a:t>
+            </a:r>
+            <a:r>
+              <a:rPr dirty="0" err="1"/>
+              <a:t>como</a:t>
+            </a:r>
+            <a:r>
+              <a:rPr dirty="0"/>
+              <a:t> </a:t>
+            </a:r>
+            <a:r>
+              <a:rPr dirty="0" err="1"/>
+              <a:t>estudar</a:t>
+            </a:r>
+            <a:r>
+              <a:rPr dirty="0"/>
+              <a:t> para </a:t>
+            </a:r>
+            <a:r>
+              <a:rPr dirty="0" err="1"/>
+              <a:t>uma</a:t>
+            </a:r>
+            <a:r>
+              <a:rPr dirty="0"/>
+              <a:t> </a:t>
+            </a:r>
+            <a:r>
+              <a:rPr dirty="0" err="1"/>
+              <a:t>prova</a:t>
+            </a:r>
+            <a:r>
+              <a:rPr dirty="0"/>
+              <a:t>.</a:t>
+            </a:r>
+          </a:p>
+          <a:p>
+            <a:pPr lvl="1"/>
+            <a:r>
+              <a:rPr dirty="0"/>
+              <a:t>O conjunto de </a:t>
+            </a:r>
+            <a:r>
+              <a:rPr dirty="0" err="1"/>
+              <a:t>treino</a:t>
+            </a:r>
+            <a:r>
+              <a:rPr dirty="0"/>
+              <a:t> </a:t>
+            </a:r>
+            <a:r>
+              <a:rPr dirty="0" err="1"/>
+              <a:t>são</a:t>
+            </a:r>
+            <a:r>
+              <a:rPr dirty="0"/>
+              <a:t> </a:t>
+            </a:r>
+            <a:r>
+              <a:rPr dirty="0" err="1"/>
+              <a:t>os</a:t>
+            </a:r>
+            <a:r>
+              <a:rPr dirty="0"/>
+              <a:t> </a:t>
+            </a:r>
+            <a:r>
+              <a:rPr dirty="0" err="1"/>
+              <a:t>exercícios</a:t>
+            </a:r>
+            <a:r>
+              <a:rPr dirty="0"/>
+              <a:t> </a:t>
+            </a:r>
+            <a:r>
+              <a:rPr dirty="0" err="1"/>
+              <a:t>resolvidos</a:t>
+            </a:r>
+            <a:r>
+              <a:rPr dirty="0"/>
+              <a:t> no </a:t>
+            </a:r>
+            <a:r>
+              <a:rPr dirty="0" err="1"/>
+              <a:t>estudo</a:t>
+            </a:r>
+            <a:r>
+              <a:rPr dirty="0"/>
+              <a:t>.</a:t>
+            </a:r>
+          </a:p>
+          <a:p>
+            <a:pPr lvl="1"/>
+            <a:r>
+              <a:rPr dirty="0"/>
+              <a:t>O conjunto de teste é a </a:t>
+            </a:r>
+            <a:r>
+              <a:rPr dirty="0" err="1"/>
+              <a:t>prova</a:t>
+            </a:r>
+            <a:r>
+              <a:rPr dirty="0"/>
+              <a:t> real, com </a:t>
+            </a:r>
+            <a:r>
+              <a:rPr dirty="0" err="1"/>
+              <a:t>questões</a:t>
+            </a:r>
+            <a:r>
+              <a:rPr dirty="0"/>
+              <a:t> </a:t>
+            </a:r>
+            <a:r>
+              <a:rPr dirty="0" err="1"/>
+              <a:t>diferentes</a:t>
+            </a:r>
+            <a:r>
+              <a:rPr dirty="0"/>
+              <a:t>.</a:t>
+            </a:r>
+            <a:r>
+              <a:rPr lang="en-US" dirty="0"/>
+              <a:t> </a:t>
+            </a:r>
+            <a:r>
+              <a:rPr dirty="0"/>
+              <a:t>Se o </a:t>
+            </a:r>
+            <a:r>
+              <a:rPr dirty="0" err="1"/>
+              <a:t>aluno</a:t>
+            </a:r>
+            <a:r>
+              <a:rPr dirty="0"/>
+              <a:t> </a:t>
+            </a:r>
+            <a:r>
+              <a:rPr dirty="0" err="1"/>
+              <a:t>só</a:t>
+            </a:r>
+            <a:r>
+              <a:rPr dirty="0"/>
+              <a:t> </a:t>
+            </a:r>
+            <a:r>
+              <a:rPr dirty="0" err="1"/>
+              <a:t>souber</a:t>
+            </a:r>
+            <a:r>
+              <a:rPr dirty="0"/>
+              <a:t> </a:t>
+            </a:r>
+            <a:r>
+              <a:rPr dirty="0" err="1"/>
+              <a:t>repetir</a:t>
+            </a:r>
+            <a:r>
+              <a:rPr dirty="0"/>
+              <a:t> </a:t>
+            </a:r>
+            <a:r>
+              <a:rPr dirty="0" err="1"/>
+              <a:t>exatamente</a:t>
+            </a:r>
+            <a:r>
+              <a:rPr dirty="0"/>
+              <a:t> </a:t>
+            </a:r>
+            <a:r>
+              <a:rPr dirty="0" err="1"/>
+              <a:t>os</a:t>
+            </a:r>
+            <a:r>
+              <a:rPr dirty="0"/>
+              <a:t> </a:t>
+            </a:r>
+            <a:r>
+              <a:rPr dirty="0" err="1"/>
+              <a:t>exercícios</a:t>
+            </a:r>
+            <a:r>
+              <a:rPr dirty="0"/>
+              <a:t> vistos, mas </a:t>
+            </a:r>
+            <a:r>
+              <a:rPr dirty="0" err="1"/>
+              <a:t>não</a:t>
+            </a:r>
+            <a:r>
+              <a:rPr dirty="0"/>
+              <a:t> resolver </a:t>
+            </a:r>
+            <a:r>
+              <a:rPr dirty="0" err="1"/>
+              <a:t>novas</a:t>
+            </a:r>
+            <a:r>
+              <a:rPr dirty="0"/>
+              <a:t> </a:t>
+            </a:r>
+            <a:r>
+              <a:rPr dirty="0" err="1"/>
+              <a:t>questões</a:t>
+            </a:r>
+            <a:r>
+              <a:rPr dirty="0"/>
+              <a:t>, </a:t>
+            </a:r>
+            <a:r>
+              <a:rPr dirty="0" err="1"/>
+              <a:t>significa</a:t>
+            </a:r>
+            <a:r>
+              <a:rPr dirty="0"/>
+              <a:t> que </a:t>
+            </a:r>
+            <a:r>
+              <a:rPr dirty="0" err="1"/>
+              <a:t>ele</a:t>
+            </a:r>
+            <a:r>
+              <a:rPr dirty="0"/>
+              <a:t> </a:t>
+            </a:r>
+            <a:r>
+              <a:rPr dirty="0" err="1"/>
+              <a:t>não</a:t>
+            </a:r>
+            <a:r>
+              <a:rPr dirty="0"/>
+              <a:t> </a:t>
+            </a:r>
+            <a:r>
+              <a:rPr dirty="0" err="1"/>
+              <a:t>aprendeu</a:t>
+            </a:r>
+            <a:r>
+              <a:rPr dirty="0"/>
+              <a:t> de </a:t>
+            </a:r>
+            <a:r>
+              <a:rPr dirty="0" err="1"/>
+              <a:t>verdade</a:t>
+            </a:r>
+            <a:r>
+              <a:rPr dirty="0"/>
+              <a:t> – </a:t>
+            </a:r>
+            <a:r>
+              <a:rPr dirty="0" err="1"/>
+              <a:t>apenas</a:t>
+            </a:r>
+            <a:r>
+              <a:rPr dirty="0"/>
+              <a:t> </a:t>
+            </a:r>
+            <a:r>
+              <a:rPr dirty="0" err="1"/>
+              <a:t>decorou</a:t>
+            </a:r>
+            <a:r>
+              <a:rPr dirty="0"/>
+              <a:t>.</a:t>
             </a:r>
           </a:p>
         </p:txBody>
@@ -3465,7 +5185,7 @@
 </file>
 
 <file path=ppt/slides/slide13.xml><?xml version="1.0" encoding="utf-8"?>
-<p:sld xmlns:a="http://schemas.openxmlformats.org/drawingml/2006/main" xmlns:p="http://schemas.openxmlformats.org/presentationml/2006/main" xmlns:r="http://schemas.openxmlformats.org/officeDocument/2006/relationships">
+<p:sld xmlns:a="http://schemas.openxmlformats.org/drawingml/2006/main" xmlns:r="http://schemas.openxmlformats.org/officeDocument/2006/relationships" xmlns:p="http://schemas.openxmlformats.org/presentationml/2006/main">
   <p:cSld>
     <p:spTree>
       <p:nvGrpSpPr>
@@ -3473,7 +5193,14 @@
         <p:cNvGrpSpPr/>
         <p:nvPr/>
       </p:nvGrpSpPr>
-      <p:grpSpPr/>
+      <p:grpSpPr>
+        <a:xfrm>
+          <a:off x="0" y="0"/>
+          <a:ext cx="0" cy="0"/>
+          <a:chOff x="0" y="0"/>
+          <a:chExt cx="0" cy="0"/>
+        </a:xfrm>
+      </p:grpSpPr>
       <p:sp>
         <p:nvSpPr>
           <p:cNvPr id="2" name="Title 1"/>
@@ -3490,7 +5217,7 @@
           <a:lstStyle/>
           <a:p>
             <a:r>
-              <a:t>4. Atividade Prática Orientada</a:t>
+              <a:t>3.2 Validação cruzada</a:t>
             </a:r>
           </a:p>
         </p:txBody>
@@ -3507,59 +5234,610 @@
         </p:nvSpPr>
         <p:spPr/>
         <p:txBody>
-          <a:bodyPr/>
+          <a:bodyPr>
+            <a:normAutofit fontScale="92500" lnSpcReduction="20000"/>
+          </a:bodyPr>
           <a:lstStyle/>
           <a:p>
             <a:r>
-              <a:t>Nesta atividade, vamos aplicar os conceitos de aprendizado supervisionado usando o Online Retail Dataset (UCI Machine Learning Repository).</a:t>
-            </a:r>
-          </a:p>
-          <a:p/>
-          <a:p>
-            <a:r>
-              <a:t>Esse dataset contém transações de uma loja de e-commerce no Reino Unido entre 2010 e 2011. Ele traz informações como:</a:t>
-            </a:r>
-          </a:p>
-          <a:p/>
-          <a:p>
-            <a:r>
-              <a:t>InvoiceNo: número da fatura.</a:t>
-            </a:r>
-          </a:p>
-          <a:p>
-            <a:r>
-              <a:t>StockCode / Description: código e descrição do produto.</a:t>
-            </a:r>
-          </a:p>
-          <a:p>
-            <a:r>
-              <a:t>Quantity: quantidade comprada.</a:t>
-            </a:r>
-          </a:p>
-          <a:p>
-            <a:r>
-              <a:t>InvoiceDate: data da transação.</a:t>
-            </a:r>
-          </a:p>
-          <a:p>
-            <a:r>
-              <a:t>UnitPrice: preço unitário.</a:t>
-            </a:r>
-          </a:p>
-          <a:p>
-            <a:r>
-              <a:t>CustomerID: identificação do cliente.</a:t>
-            </a:r>
-          </a:p>
-          <a:p>
-            <a:r>
-              <a:t>Country: país do cliente.</a:t>
-            </a:r>
-          </a:p>
-          <a:p/>
-          <a:p>
-            <a:r>
-              <a:t>Para esta aula, vamos focar em criar uma variável-alvo simplificada: se o cliente voltará a comprar em até 30 dias (1) ou não (0), baseada no histórico de transações.</a:t>
+              <a:rPr dirty="0"/>
+              <a:t>A </a:t>
+            </a:r>
+            <a:r>
+              <a:rPr dirty="0" err="1"/>
+              <a:t>validação</a:t>
+            </a:r>
+            <a:r>
+              <a:rPr dirty="0"/>
+              <a:t> </a:t>
+            </a:r>
+            <a:r>
+              <a:rPr dirty="0" err="1"/>
+              <a:t>cruzada</a:t>
+            </a:r>
+            <a:r>
+              <a:rPr dirty="0"/>
+              <a:t> é </a:t>
+            </a:r>
+            <a:r>
+              <a:rPr dirty="0" err="1"/>
+              <a:t>uma</a:t>
+            </a:r>
+            <a:r>
+              <a:rPr dirty="0"/>
+              <a:t> </a:t>
+            </a:r>
+            <a:r>
+              <a:rPr dirty="0" err="1"/>
+              <a:t>técnica</a:t>
+            </a:r>
+            <a:r>
+              <a:rPr dirty="0"/>
+              <a:t> para </a:t>
+            </a:r>
+            <a:r>
+              <a:rPr dirty="0" err="1"/>
+              <a:t>aumentar</a:t>
+            </a:r>
+            <a:r>
+              <a:rPr dirty="0"/>
+              <a:t> a </a:t>
+            </a:r>
+            <a:r>
+              <a:rPr dirty="0" err="1"/>
+              <a:t>confiabilidade</a:t>
+            </a:r>
+            <a:r>
+              <a:rPr dirty="0"/>
+              <a:t> da </a:t>
+            </a:r>
+            <a:r>
+              <a:rPr dirty="0" err="1"/>
+              <a:t>avaliação</a:t>
+            </a:r>
+            <a:r>
+              <a:rPr dirty="0"/>
+              <a:t>.</a:t>
+            </a:r>
+          </a:p>
+          <a:p>
+            <a:pPr lvl="1"/>
+            <a:r>
+              <a:rPr dirty="0"/>
+              <a:t>Em </a:t>
+            </a:r>
+            <a:r>
+              <a:rPr dirty="0" err="1"/>
+              <a:t>vez</a:t>
+            </a:r>
+            <a:r>
+              <a:rPr dirty="0"/>
+              <a:t> de usar </a:t>
+            </a:r>
+            <a:r>
+              <a:rPr dirty="0" err="1"/>
+              <a:t>apenas</a:t>
+            </a:r>
+            <a:r>
+              <a:rPr dirty="0"/>
+              <a:t> </a:t>
+            </a:r>
+            <a:r>
+              <a:rPr dirty="0" err="1"/>
+              <a:t>uma</a:t>
+            </a:r>
+            <a:r>
+              <a:rPr dirty="0"/>
+              <a:t> </a:t>
+            </a:r>
+            <a:r>
+              <a:rPr dirty="0" err="1"/>
+              <a:t>divisão</a:t>
+            </a:r>
+            <a:r>
+              <a:rPr dirty="0"/>
+              <a:t> </a:t>
+            </a:r>
+            <a:r>
+              <a:rPr dirty="0" err="1"/>
+              <a:t>treino</a:t>
+            </a:r>
+            <a:r>
+              <a:rPr dirty="0"/>
+              <a:t>/teste, o dataset é </a:t>
+            </a:r>
+            <a:r>
+              <a:rPr dirty="0" err="1"/>
+              <a:t>dividido</a:t>
+            </a:r>
+            <a:r>
+              <a:rPr dirty="0"/>
+              <a:t> </a:t>
+            </a:r>
+            <a:r>
+              <a:rPr dirty="0" err="1"/>
+              <a:t>em</a:t>
+            </a:r>
+            <a:r>
+              <a:rPr dirty="0"/>
+              <a:t> </a:t>
+            </a:r>
+            <a:r>
+              <a:rPr dirty="0" err="1"/>
+              <a:t>várias</a:t>
+            </a:r>
+            <a:r>
+              <a:rPr dirty="0"/>
+              <a:t> partes (k-folds).</a:t>
+            </a:r>
+          </a:p>
+          <a:p>
+            <a:pPr lvl="1"/>
+            <a:r>
+              <a:rPr dirty="0"/>
+              <a:t>O </a:t>
+            </a:r>
+            <a:r>
+              <a:rPr dirty="0" err="1"/>
+              <a:t>modelo</a:t>
+            </a:r>
+            <a:r>
+              <a:rPr dirty="0"/>
+              <a:t> é </a:t>
+            </a:r>
+            <a:r>
+              <a:rPr dirty="0" err="1"/>
+              <a:t>treinado</a:t>
+            </a:r>
+            <a:r>
+              <a:rPr dirty="0"/>
+              <a:t> </a:t>
+            </a:r>
+            <a:r>
+              <a:rPr dirty="0" err="1"/>
+              <a:t>em</a:t>
+            </a:r>
+            <a:r>
+              <a:rPr dirty="0"/>
+              <a:t> </a:t>
+            </a:r>
+            <a:r>
+              <a:rPr dirty="0" err="1"/>
+              <a:t>algumas</a:t>
+            </a:r>
+            <a:r>
+              <a:rPr dirty="0"/>
+              <a:t> partes e </a:t>
+            </a:r>
+            <a:r>
+              <a:rPr dirty="0" err="1"/>
+              <a:t>testado</a:t>
+            </a:r>
+            <a:r>
+              <a:rPr dirty="0"/>
+              <a:t> </a:t>
+            </a:r>
+            <a:r>
+              <a:rPr dirty="0" err="1"/>
+              <a:t>nas</a:t>
+            </a:r>
+            <a:r>
+              <a:rPr dirty="0"/>
+              <a:t> </a:t>
+            </a:r>
+            <a:r>
+              <a:rPr dirty="0" err="1"/>
+              <a:t>restantes</a:t>
+            </a:r>
+            <a:r>
+              <a:rPr dirty="0"/>
+              <a:t>, </a:t>
+            </a:r>
+            <a:r>
+              <a:rPr dirty="0" err="1"/>
+              <a:t>até</a:t>
+            </a:r>
+            <a:r>
+              <a:rPr dirty="0"/>
+              <a:t> que </a:t>
+            </a:r>
+            <a:r>
+              <a:rPr dirty="0" err="1"/>
+              <a:t>todas</a:t>
+            </a:r>
+            <a:r>
+              <a:rPr dirty="0"/>
+              <a:t> </a:t>
+            </a:r>
+            <a:r>
+              <a:rPr dirty="0" err="1"/>
+              <a:t>sejam</a:t>
+            </a:r>
+            <a:r>
+              <a:rPr dirty="0"/>
+              <a:t> </a:t>
+            </a:r>
+            <a:r>
+              <a:rPr dirty="0" err="1"/>
+              <a:t>usadas</a:t>
+            </a:r>
+            <a:r>
+              <a:rPr dirty="0"/>
+              <a:t> </a:t>
+            </a:r>
+            <a:r>
+              <a:rPr dirty="0" err="1"/>
+              <a:t>como</a:t>
+            </a:r>
+            <a:r>
+              <a:rPr dirty="0"/>
+              <a:t> teste </a:t>
+            </a:r>
+            <a:r>
+              <a:rPr dirty="0" err="1"/>
+              <a:t>uma</a:t>
+            </a:r>
+            <a:r>
+              <a:rPr dirty="0"/>
+              <a:t> </a:t>
+            </a:r>
+            <a:r>
+              <a:rPr dirty="0" err="1"/>
+              <a:t>vez</a:t>
+            </a:r>
+            <a:r>
+              <a:rPr dirty="0"/>
+              <a:t>.</a:t>
+            </a:r>
+          </a:p>
+          <a:p>
+            <a:pPr lvl="1"/>
+            <a:r>
+              <a:rPr dirty="0"/>
+              <a:t>O </a:t>
+            </a:r>
+            <a:r>
+              <a:rPr dirty="0" err="1"/>
+              <a:t>desempenho</a:t>
+            </a:r>
+            <a:r>
+              <a:rPr dirty="0"/>
+              <a:t> final é a </a:t>
+            </a:r>
+            <a:r>
+              <a:rPr dirty="0" err="1"/>
+              <a:t>média</a:t>
+            </a:r>
+            <a:r>
+              <a:rPr dirty="0"/>
+              <a:t> dos </a:t>
+            </a:r>
+            <a:r>
+              <a:rPr dirty="0" err="1"/>
+              <a:t>resultados</a:t>
+            </a:r>
+            <a:r>
+              <a:rPr dirty="0"/>
+              <a:t>.</a:t>
+            </a:r>
+          </a:p>
+          <a:p>
+            <a:r>
+              <a:rPr dirty="0" err="1"/>
+              <a:t>Exemplo</a:t>
+            </a:r>
+            <a:r>
+              <a:rPr dirty="0"/>
+              <a:t> </a:t>
+            </a:r>
+            <a:r>
+              <a:rPr dirty="0" err="1"/>
+              <a:t>prático</a:t>
+            </a:r>
+            <a:r>
+              <a:rPr dirty="0"/>
+              <a:t>:</a:t>
+            </a:r>
+          </a:p>
+          <a:p>
+            <a:r>
+              <a:rPr dirty="0"/>
+              <a:t>Dataset de 1.000 </a:t>
+            </a:r>
+            <a:r>
+              <a:rPr dirty="0" err="1"/>
+              <a:t>clientes</a:t>
+            </a:r>
+            <a:r>
+              <a:rPr dirty="0"/>
+              <a:t> </a:t>
+            </a:r>
+            <a:r>
+              <a:rPr dirty="0" err="1"/>
+              <a:t>dividido</a:t>
+            </a:r>
+            <a:r>
+              <a:rPr dirty="0"/>
+              <a:t> </a:t>
+            </a:r>
+            <a:r>
+              <a:rPr dirty="0" err="1"/>
+              <a:t>em</a:t>
+            </a:r>
+            <a:r>
+              <a:rPr dirty="0"/>
+              <a:t> 5 partes </a:t>
+            </a:r>
+            <a:r>
+              <a:rPr dirty="0" err="1"/>
+              <a:t>iguais</a:t>
+            </a:r>
+            <a:r>
+              <a:rPr dirty="0"/>
+              <a:t> (k=5).</a:t>
+            </a:r>
+          </a:p>
+          <a:p>
+            <a:pPr lvl="1"/>
+            <a:r>
+              <a:rPr dirty="0"/>
+              <a:t>1ª </a:t>
+            </a:r>
+            <a:r>
+              <a:rPr dirty="0" err="1"/>
+              <a:t>rodada</a:t>
+            </a:r>
+            <a:r>
+              <a:rPr dirty="0"/>
+              <a:t> → </a:t>
+            </a:r>
+            <a:r>
+              <a:rPr dirty="0" err="1"/>
+              <a:t>Treino</a:t>
+            </a:r>
+            <a:r>
+              <a:rPr dirty="0"/>
+              <a:t>: 800, Teste: 200</a:t>
+            </a:r>
+          </a:p>
+          <a:p>
+            <a:pPr lvl="1"/>
+            <a:r>
+              <a:rPr dirty="0"/>
+              <a:t>2ª </a:t>
+            </a:r>
+            <a:r>
+              <a:rPr dirty="0" err="1"/>
+              <a:t>rodada</a:t>
+            </a:r>
+            <a:r>
+              <a:rPr dirty="0"/>
+              <a:t> → </a:t>
+            </a:r>
+            <a:r>
+              <a:rPr dirty="0" err="1"/>
+              <a:t>Treino</a:t>
+            </a:r>
+            <a:r>
+              <a:rPr dirty="0"/>
+              <a:t>: 800, Teste: 200</a:t>
+            </a:r>
+          </a:p>
+          <a:p>
+            <a:pPr lvl="1"/>
+            <a:r>
+              <a:rPr dirty="0"/>
+              <a:t>… (</a:t>
+            </a:r>
+            <a:r>
+              <a:rPr dirty="0" err="1"/>
+              <a:t>até</a:t>
+            </a:r>
+            <a:r>
+              <a:rPr dirty="0"/>
+              <a:t> </a:t>
+            </a:r>
+            <a:r>
+              <a:rPr dirty="0" err="1"/>
+              <a:t>cada</a:t>
+            </a:r>
+            <a:r>
+              <a:rPr dirty="0"/>
+              <a:t> </a:t>
+            </a:r>
+            <a:r>
+              <a:rPr dirty="0" err="1"/>
+              <a:t>parte</a:t>
+            </a:r>
+            <a:r>
+              <a:rPr dirty="0"/>
+              <a:t> ser </a:t>
+            </a:r>
+            <a:r>
+              <a:rPr dirty="0" err="1"/>
+              <a:t>usada</a:t>
+            </a:r>
+            <a:r>
+              <a:rPr dirty="0"/>
+              <a:t> </a:t>
+            </a:r>
+            <a:r>
+              <a:rPr dirty="0" err="1"/>
+              <a:t>como</a:t>
+            </a:r>
+            <a:r>
+              <a:rPr dirty="0"/>
+              <a:t> teste </a:t>
+            </a:r>
+            <a:r>
+              <a:rPr dirty="0" err="1"/>
+              <a:t>uma</a:t>
+            </a:r>
+            <a:r>
+              <a:rPr dirty="0"/>
+              <a:t> </a:t>
+            </a:r>
+            <a:r>
+              <a:rPr dirty="0" err="1"/>
+              <a:t>vez</a:t>
+            </a:r>
+            <a:r>
+              <a:rPr dirty="0"/>
+              <a:t>).</a:t>
+            </a:r>
+          </a:p>
+          <a:p>
+            <a:r>
+              <a:rPr dirty="0" err="1"/>
+              <a:t>Resultado</a:t>
+            </a:r>
+            <a:r>
+              <a:rPr dirty="0"/>
+              <a:t>: se o </a:t>
+            </a:r>
+            <a:r>
+              <a:rPr dirty="0" err="1"/>
+              <a:t>modelo</a:t>
+            </a:r>
+            <a:r>
+              <a:rPr dirty="0"/>
+              <a:t> </a:t>
+            </a:r>
+            <a:r>
+              <a:rPr dirty="0" err="1"/>
+              <a:t>tiver</a:t>
+            </a:r>
+            <a:r>
+              <a:rPr dirty="0"/>
+              <a:t> </a:t>
+            </a:r>
+            <a:r>
+              <a:rPr dirty="0" err="1"/>
+              <a:t>uma</a:t>
+            </a:r>
+            <a:r>
+              <a:rPr dirty="0"/>
+              <a:t> </a:t>
+            </a:r>
+            <a:r>
+              <a:rPr dirty="0" err="1"/>
+              <a:t>acurácia</a:t>
+            </a:r>
+            <a:r>
+              <a:rPr dirty="0"/>
+              <a:t> </a:t>
+            </a:r>
+            <a:r>
+              <a:rPr dirty="0" err="1"/>
+              <a:t>média</a:t>
+            </a:r>
+            <a:r>
+              <a:rPr dirty="0"/>
+              <a:t> de 82%, </a:t>
+            </a:r>
+            <a:r>
+              <a:rPr dirty="0" err="1"/>
+              <a:t>podemos</a:t>
+            </a:r>
+            <a:r>
+              <a:rPr dirty="0"/>
+              <a:t> </a:t>
+            </a:r>
+            <a:r>
+              <a:rPr dirty="0" err="1"/>
+              <a:t>confiar</a:t>
+            </a:r>
+            <a:r>
+              <a:rPr dirty="0"/>
+              <a:t> que </a:t>
+            </a:r>
+            <a:r>
+              <a:rPr dirty="0" err="1"/>
+              <a:t>ele</a:t>
+            </a:r>
+            <a:r>
+              <a:rPr dirty="0"/>
+              <a:t> </a:t>
+            </a:r>
+            <a:r>
+              <a:rPr dirty="0" err="1"/>
+              <a:t>tem</a:t>
+            </a:r>
+            <a:r>
+              <a:rPr dirty="0"/>
+              <a:t> um </a:t>
+            </a:r>
+            <a:r>
+              <a:rPr dirty="0" err="1"/>
+              <a:t>desempenho</a:t>
+            </a:r>
+            <a:r>
+              <a:rPr dirty="0"/>
+              <a:t> </a:t>
+            </a:r>
+            <a:r>
+              <a:rPr dirty="0" err="1"/>
+              <a:t>consistente</a:t>
+            </a:r>
+            <a:r>
+              <a:rPr dirty="0"/>
+              <a:t>, e </a:t>
+            </a:r>
+            <a:r>
+              <a:rPr dirty="0" err="1"/>
+              <a:t>não</a:t>
+            </a:r>
+            <a:r>
+              <a:rPr dirty="0"/>
+              <a:t> </a:t>
+            </a:r>
+            <a:r>
+              <a:rPr dirty="0" err="1"/>
+              <a:t>apenas</a:t>
+            </a:r>
+            <a:r>
+              <a:rPr dirty="0"/>
+              <a:t> </a:t>
+            </a:r>
+            <a:r>
+              <a:rPr dirty="0" err="1"/>
+              <a:t>sorte</a:t>
+            </a:r>
+            <a:r>
+              <a:rPr dirty="0"/>
+              <a:t> </a:t>
+            </a:r>
+            <a:r>
+              <a:rPr dirty="0" err="1"/>
+              <a:t>em</a:t>
+            </a:r>
+            <a:r>
+              <a:rPr dirty="0"/>
+              <a:t> </a:t>
+            </a:r>
+            <a:r>
+              <a:rPr dirty="0" err="1"/>
+              <a:t>uma</a:t>
+            </a:r>
+            <a:r>
+              <a:rPr dirty="0"/>
+              <a:t> </a:t>
+            </a:r>
+            <a:r>
+              <a:rPr dirty="0" err="1"/>
+              <a:t>divisão</a:t>
+            </a:r>
+            <a:r>
+              <a:rPr dirty="0"/>
+              <a:t> </a:t>
+            </a:r>
+            <a:r>
+              <a:rPr dirty="0" err="1"/>
+              <a:t>específica</a:t>
+            </a:r>
+            <a:r>
+              <a:rPr dirty="0"/>
+              <a:t>.</a:t>
             </a:r>
           </a:p>
         </p:txBody>
@@ -3573,7 +5851,7 @@
 </file>
 
 <file path=ppt/slides/slide14.xml><?xml version="1.0" encoding="utf-8"?>
-<p:sld xmlns:a="http://schemas.openxmlformats.org/drawingml/2006/main" xmlns:p="http://schemas.openxmlformats.org/presentationml/2006/main" xmlns:r="http://schemas.openxmlformats.org/officeDocument/2006/relationships">
+<p:sld xmlns:a="http://schemas.openxmlformats.org/drawingml/2006/main" xmlns:r="http://schemas.openxmlformats.org/officeDocument/2006/relationships" xmlns:p="http://schemas.openxmlformats.org/presentationml/2006/main">
   <p:cSld>
     <p:spTree>
       <p:nvGrpSpPr>
@@ -3581,7 +5859,14 @@
         <p:cNvGrpSpPr/>
         <p:nvPr/>
       </p:nvGrpSpPr>
-      <p:grpSpPr/>
+      <p:grpSpPr>
+        <a:xfrm>
+          <a:off x="0" y="0"/>
+          <a:ext cx="0" cy="0"/>
+          <a:chOff x="0" y="0"/>
+          <a:chExt cx="0" cy="0"/>
+        </a:xfrm>
+      </p:grpSpPr>
       <p:sp>
         <p:nvSpPr>
           <p:cNvPr id="2" name="Title 1"/>
@@ -3598,7 +5883,7 @@
           <a:lstStyle/>
           <a:p>
             <a:r>
-              <a:t>Bloco 1 – Importação de bibliotecas</a:t>
+              <a:t>Por que isso é importante para o projeto?</a:t>
             </a:r>
           </a:p>
         </p:txBody>
@@ -3619,85 +5904,17 @@
           <a:lstStyle/>
           <a:p>
             <a:r>
-              <a:t>`python</a:t>
-            </a:r>
-          </a:p>
-          <a:p>
-            <a:r>
-              <a:t>import pandas as pd</a:t>
-            </a:r>
-          </a:p>
-          <a:p>
-            <a:r>
-              <a:t>from sklearn.modelselection import traintestsplit</a:t>
-            </a:r>
-          </a:p>
-          <a:p>
-            <a:r>
-              <a:t>from sklearn.linearmodel import LogisticRegression</a:t>
-            </a:r>
-          </a:p>
-          <a:p>
-            <a:r>
-              <a:t>from sklearn.tree import DecisionTreeClassifier, plottree</a:t>
-            </a:r>
-          </a:p>
-          <a:p>
-            <a:r>
-              <a:t>from sklearn.metrics import accuracyscore, confusionmatrix, roccurve, auc</a:t>
-            </a:r>
-          </a:p>
-          <a:p>
-            <a:r>
-              <a:t>import seaborn as sns</a:t>
-            </a:r>
-          </a:p>
-          <a:p>
-            <a:r>
-              <a:t>import matplotlib.pyplot as plt</a:t>
-            </a:r>
-          </a:p>
-          <a:p>
-            <a:r>
-              <a:t>import numpy as np</a:t>
-            </a:r>
-          </a:p>
-          <a:p>
-            <a:r>
-              <a:t>`</a:t>
-            </a:r>
-          </a:p>
-          <a:p/>
-          <a:p>
-            <a:r>
-              <a:t>O que faz:</a:t>
-            </a:r>
-          </a:p>
-          <a:p/>
-          <a:p>
-            <a:r>
-              <a:t>Importa bibliotecas essenciais:</a:t>
-            </a:r>
-          </a:p>
-          <a:p/>
-          <a:p>
-            <a:r>
-              <a:t>pandas → manipulação de dados;</a:t>
-            </a:r>
-          </a:p>
-          <a:p>
-            <a:r>
-              <a:t>sklearn → modelagem e avaliação;</a:t>
-            </a:r>
-          </a:p>
-          <a:p>
-            <a:r>
-              <a:t>seaborn e matplotlib → gráficos;</a:t>
-            </a:r>
-          </a:p>
-          <a:p>
-            <a:r>
-              <a:t>numpy → operações numéricas.</a:t>
+              <a:t>Garante que o modelo não esteja apenas decorando os dados (overfitting).</a:t>
+            </a:r>
+          </a:p>
+          <a:p>
+            <a:r>
+              <a:t>Permite comparar diferentes algoritmos de forma justa.</a:t>
+            </a:r>
+          </a:p>
+          <a:p>
+            <a:r>
+              <a:t>Ajuda a empresa de varejo a confiar mais nos insights antes de aplicá-los em campanhas reais.</a:t>
             </a:r>
           </a:p>
         </p:txBody>
@@ -3711,7 +5928,7 @@
 </file>
 
 <file path=ppt/slides/slide15.xml><?xml version="1.0" encoding="utf-8"?>
-<p:sld xmlns:a="http://schemas.openxmlformats.org/drawingml/2006/main" xmlns:p="http://schemas.openxmlformats.org/presentationml/2006/main" xmlns:r="http://schemas.openxmlformats.org/officeDocument/2006/relationships">
+<p:sld xmlns:a="http://schemas.openxmlformats.org/drawingml/2006/main" xmlns:r="http://schemas.openxmlformats.org/officeDocument/2006/relationships" xmlns:p="http://schemas.openxmlformats.org/presentationml/2006/main">
   <p:cSld>
     <p:spTree>
       <p:nvGrpSpPr>
@@ -3719,7 +5936,14 @@
         <p:cNvGrpSpPr/>
         <p:nvPr/>
       </p:nvGrpSpPr>
-      <p:grpSpPr/>
+      <p:grpSpPr>
+        <a:xfrm>
+          <a:off x="0" y="0"/>
+          <a:ext cx="0" cy="0"/>
+          <a:chOff x="0" y="0"/>
+          <a:chExt cx="0" cy="0"/>
+        </a:xfrm>
+      </p:grpSpPr>
       <p:sp>
         <p:nvSpPr>
           <p:cNvPr id="2" name="Title 1"/>
@@ -3736,19 +5960,47 @@
           <a:lstStyle/>
           <a:p>
             <a:r>
-              <a:t>Bloco 2 – Carregar o dataset</a:t>
-            </a:r>
+              <a:rPr dirty="0"/>
+              <a:t>4. </a:t>
+            </a:r>
+            <a:r>
+              <a:rPr dirty="0" err="1"/>
+              <a:t>Atividade</a:t>
+            </a:r>
+            <a:r>
+              <a:rPr dirty="0"/>
+              <a:t> </a:t>
+            </a:r>
+            <a:r>
+              <a:rPr dirty="0" err="1"/>
+              <a:t>Prática</a:t>
+            </a:r>
+            <a:r>
+              <a:rPr dirty="0"/>
+              <a:t> </a:t>
+            </a:r>
+            <a:r>
+              <a:rPr dirty="0" err="1"/>
+              <a:t>Orientada</a:t>
+            </a:r>
+            <a:endParaRPr dirty="0"/>
           </a:p>
         </p:txBody>
       </p:sp>
       <p:sp>
         <p:nvSpPr>
-          <p:cNvPr id="3" name="Content Placeholder 2"/>
+          <p:cNvPr id="4" name="Text Placeholder 3">
+            <a:extLst>
+              <a:ext uri="{FF2B5EF4-FFF2-40B4-BE49-F238E27FC236}">
+                <a16:creationId xmlns:a16="http://schemas.microsoft.com/office/drawing/2014/main" id="{4476838A-CFB3-D80A-5B0B-44202ED0C524}"/>
+              </a:ext>
+            </a:extLst>
+          </p:cNvPr>
           <p:cNvSpPr>
             <a:spLocks noGrp="1"/>
           </p:cNvSpPr>
           <p:nvPr>
-            <p:ph idx="1"/>
+            <p:ph type="body" idx="1"/>
           </p:nvPr>
         </p:nvSpPr>
         <p:spPr/>
@@ -3756,442 +6008,7 @@
           <a:bodyPr/>
           <a:lstStyle/>
           <a:p>
-            <a:r>
-              <a:t>`python</a:t>
-            </a:r>
-          </a:p>
-          <a:p>
-            <a:r>
-              <a:t>df = pd.readexcel("Online Retail.xlsx")</a:t>
-            </a:r>
-          </a:p>
-          <a:p>
-            <a:r>
-              <a:t>`</a:t>
-            </a:r>
-          </a:p>
-          <a:p/>
-          <a:p>
-            <a:r>
-              <a:t>O que faz:</a:t>
-            </a:r>
-          </a:p>
-          <a:p/>
-          <a:p>
-            <a:r>
-              <a:t>Lê o arquivo Excel do dataset Online Retail e cria um DataFrame df.</a:t>
-            </a:r>
-          </a:p>
-        </p:txBody>
-      </p:sp>
-    </p:spTree>
-  </p:cSld>
-  <p:clrMapOvr>
-    <a:masterClrMapping/>
-  </p:clrMapOvr>
-</p:sld>
-</file>
-
-<file path=ppt/slides/slide16.xml><?xml version="1.0" encoding="utf-8"?>
-<p:sld xmlns:a="http://schemas.openxmlformats.org/drawingml/2006/main" xmlns:p="http://schemas.openxmlformats.org/presentationml/2006/main" xmlns:r="http://schemas.openxmlformats.org/officeDocument/2006/relationships">
-  <p:cSld>
-    <p:spTree>
-      <p:nvGrpSpPr>
-        <p:cNvPr id="1" name=""/>
-        <p:cNvGrpSpPr/>
-        <p:nvPr/>
-      </p:nvGrpSpPr>
-      <p:grpSpPr/>
-      <p:sp>
-        <p:nvSpPr>
-          <p:cNvPr id="2" name="Title 1"/>
-          <p:cNvSpPr>
-            <a:spLocks noGrp="1"/>
-          </p:cNvSpPr>
-          <p:nvPr>
-            <p:ph type="title"/>
-          </p:nvPr>
-        </p:nvSpPr>
-        <p:spPr/>
-        <p:txBody>
-          <a:bodyPr/>
-          <a:lstStyle/>
-          <a:p>
-            <a:r>
-              <a:t>Bloco 3 – Pré-processamento</a:t>
-            </a:r>
-          </a:p>
-        </p:txBody>
-      </p:sp>
-      <p:sp>
-        <p:nvSpPr>
-          <p:cNvPr id="3" name="Content Placeholder 2"/>
-          <p:cNvSpPr>
-            <a:spLocks noGrp="1"/>
-          </p:cNvSpPr>
-          <p:nvPr>
-            <p:ph idx="1"/>
-          </p:nvPr>
-        </p:nvSpPr>
-        <p:spPr/>
-        <p:txBody>
-          <a:bodyPr/>
-          <a:lstStyle/>
-          <a:p>
-            <a:r>
-              <a:t>`python</a:t>
-            </a:r>
-          </a:p>
-          <a:p>
-            <a:r>
-              <a:t>df = df.dropna(subset=["CustomerID"])</a:t>
-            </a:r>
-          </a:p>
-          <a:p>
-            <a:r>
-              <a:t>df["InvoiceDate"] = pd.todatetime(df["InvoiceDate"])</a:t>
-            </a:r>
-          </a:p>
-          <a:p>
-            <a:r>
-              <a:t>recencia = df.groupby("CustomerID")["InvoiceDate"].max().resetindex()</a:t>
-            </a:r>
-          </a:p>
-          <a:p>
-            <a:r>
-              <a:t>recencia["diasdesdeultimacompra"] = (df["InvoiceDate"].max() - recencia["InvoiceDate"]).dt.days</a:t>
-            </a:r>
-          </a:p>
-          <a:p>
-            <a:r>
-              <a:t>recencia["vaicomprar30d"] = recencia["diasdesdeultimacompra"].apply(lambda x: 1 if x &lt;= 30 else 0)</a:t>
-            </a:r>
-          </a:p>
-          <a:p>
-            <a:r>
-              <a:t>`</a:t>
-            </a:r>
-          </a:p>
-          <a:p/>
-          <a:p>
-            <a:r>
-              <a:t>O que faz:</a:t>
-            </a:r>
-          </a:p>
-          <a:p/>
-          <a:p>
-            <a:r>
-              <a:t>1. Remove registros sem CustomerID.</a:t>
-            </a:r>
-          </a:p>
-          <a:p>
-            <a:r>
-              <a:t>2. Converte a coluna de datas para o formato datetime.</a:t>
-            </a:r>
-          </a:p>
-          <a:p>
-            <a:r>
-              <a:t>3. Calcula a recência: número de dias desde a última compra de cada cliente.</a:t>
-            </a:r>
-          </a:p>
-          <a:p>
-            <a:r>
-              <a:t>4. Cria a variável alvo (vaicomprar30d):</a:t>
-            </a:r>
-          </a:p>
-          <a:p/>
-          <a:p>
-            <a:r>
-              <a:t>1 → cliente comprou nos últimos 30 dias</a:t>
-            </a:r>
-          </a:p>
-          <a:p>
-            <a:r>
-              <a:t>0 → cliente não comprou</a:t>
-            </a:r>
-          </a:p>
-        </p:txBody>
-      </p:sp>
-    </p:spTree>
-  </p:cSld>
-  <p:clrMapOvr>
-    <a:masterClrMapping/>
-  </p:clrMapOvr>
-</p:sld>
-</file>
-
-<file path=ppt/slides/slide17.xml><?xml version="1.0" encoding="utf-8"?>
-<p:sld xmlns:a="http://schemas.openxmlformats.org/drawingml/2006/main" xmlns:p="http://schemas.openxmlformats.org/presentationml/2006/main" xmlns:r="http://schemas.openxmlformats.org/officeDocument/2006/relationships">
-  <p:cSld>
-    <p:spTree>
-      <p:nvGrpSpPr>
-        <p:cNvPr id="1" name=""/>
-        <p:cNvGrpSpPr/>
-        <p:nvPr/>
-      </p:nvGrpSpPr>
-      <p:grpSpPr/>
-      <p:sp>
-        <p:nvSpPr>
-          <p:cNvPr id="2" name="Title 1"/>
-          <p:cNvSpPr>
-            <a:spLocks noGrp="1"/>
-          </p:cNvSpPr>
-          <p:nvPr>
-            <p:ph type="title"/>
-          </p:nvPr>
-        </p:nvSpPr>
-        <p:spPr/>
-        <p:txBody>
-          <a:bodyPr/>
-          <a:lstStyle/>
-          <a:p>
-            <a:r>
-              <a:t>Bloco 4 – Separar variáveis de entrada e saída</a:t>
-            </a:r>
-          </a:p>
-        </p:txBody>
-      </p:sp>
-      <p:sp>
-        <p:nvSpPr>
-          <p:cNvPr id="3" name="Content Placeholder 2"/>
-          <p:cNvSpPr>
-            <a:spLocks noGrp="1"/>
-          </p:cNvSpPr>
-          <p:nvPr>
-            <p:ph idx="1"/>
-          </p:nvPr>
-        </p:nvSpPr>
-        <p:spPr/>
-        <p:txBody>
-          <a:bodyPr/>
-          <a:lstStyle/>
-          <a:p>
-            <a:r>
-              <a:t>`python</a:t>
-            </a:r>
-          </a:p>
-          <a:p>
-            <a:r>
-              <a:t>X = recencia[["diasdesdeultimacompra"]]</a:t>
-            </a:r>
-          </a:p>
-          <a:p>
-            <a:r>
-              <a:t>y = recencia["vaicomprar30d"]</a:t>
-            </a:r>
-          </a:p>
-          <a:p>
-            <a:r>
-              <a:t>`</a:t>
-            </a:r>
-          </a:p>
-          <a:p/>
-          <a:p>
-            <a:r>
-              <a:t>O que faz:</a:t>
-            </a:r>
-          </a:p>
-          <a:p/>
-          <a:p>
-            <a:r>
-              <a:t>Define X como variável independente (dias desde a última compra).</a:t>
-            </a:r>
-          </a:p>
-          <a:p>
-            <a:r>
-              <a:t>Define y como variável dependente (probabilidade de recompra em 30 dias).</a:t>
-            </a:r>
-          </a:p>
-        </p:txBody>
-      </p:sp>
-    </p:spTree>
-  </p:cSld>
-  <p:clrMapOvr>
-    <a:masterClrMapping/>
-  </p:clrMapOvr>
-</p:sld>
-</file>
-
-<file path=ppt/slides/slide18.xml><?xml version="1.0" encoding="utf-8"?>
-<p:sld xmlns:a="http://schemas.openxmlformats.org/drawingml/2006/main" xmlns:p="http://schemas.openxmlformats.org/presentationml/2006/main" xmlns:r="http://schemas.openxmlformats.org/officeDocument/2006/relationships">
-  <p:cSld>
-    <p:spTree>
-      <p:nvGrpSpPr>
-        <p:cNvPr id="1" name=""/>
-        <p:cNvGrpSpPr/>
-        <p:nvPr/>
-      </p:nvGrpSpPr>
-      <p:grpSpPr/>
-      <p:sp>
-        <p:nvSpPr>
-          <p:cNvPr id="2" name="Title 1"/>
-          <p:cNvSpPr>
-            <a:spLocks noGrp="1"/>
-          </p:cNvSpPr>
-          <p:nvPr>
-            <p:ph type="title"/>
-          </p:nvPr>
-        </p:nvSpPr>
-        <p:spPr/>
-        <p:txBody>
-          <a:bodyPr/>
-          <a:lstStyle/>
-          <a:p>
-            <a:r>
-              <a:t>Bloco 5 – Divisão treino/teste</a:t>
-            </a:r>
-          </a:p>
-        </p:txBody>
-      </p:sp>
-      <p:sp>
-        <p:nvSpPr>
-          <p:cNvPr id="3" name="Content Placeholder 2"/>
-          <p:cNvSpPr>
-            <a:spLocks noGrp="1"/>
-          </p:cNvSpPr>
-          <p:nvPr>
-            <p:ph idx="1"/>
-          </p:nvPr>
-        </p:nvSpPr>
-        <p:spPr/>
-        <p:txBody>
-          <a:bodyPr/>
-          <a:lstStyle/>
-          <a:p>
-            <a:r>
-              <a:t>`python</a:t>
-            </a:r>
-          </a:p>
-          <a:p>
-            <a:r>
-              <a:t>Xtrain, Xtest, ytrain, ytest = traintestsplit(X, y, testsize=0.3, randomstate=42)</a:t>
-            </a:r>
-          </a:p>
-          <a:p>
-            <a:r>
-              <a:t>`</a:t>
-            </a:r>
-          </a:p>
-          <a:p/>
-          <a:p>
-            <a:r>
-              <a:t>O que faz:</a:t>
-            </a:r>
-          </a:p>
-          <a:p/>
-          <a:p>
-            <a:r>
-              <a:t>Divide os dados em 70% treino e 30% teste para avaliar modelos.</a:t>
-            </a:r>
-          </a:p>
-        </p:txBody>
-      </p:sp>
-    </p:spTree>
-  </p:cSld>
-  <p:clrMapOvr>
-    <a:masterClrMapping/>
-  </p:clrMapOvr>
-</p:sld>
-</file>
-
-<file path=ppt/slides/slide19.xml><?xml version="1.0" encoding="utf-8"?>
-<p:sld xmlns:a="http://schemas.openxmlformats.org/drawingml/2006/main" xmlns:p="http://schemas.openxmlformats.org/presentationml/2006/main" xmlns:r="http://schemas.openxmlformats.org/officeDocument/2006/relationships">
-  <p:cSld>
-    <p:spTree>
-      <p:nvGrpSpPr>
-        <p:cNvPr id="1" name=""/>
-        <p:cNvGrpSpPr/>
-        <p:nvPr/>
-      </p:nvGrpSpPr>
-      <p:grpSpPr/>
-      <p:sp>
-        <p:nvSpPr>
-          <p:cNvPr id="2" name="Title 1"/>
-          <p:cNvSpPr>
-            <a:spLocks noGrp="1"/>
-          </p:cNvSpPr>
-          <p:nvPr>
-            <p:ph type="title"/>
-          </p:nvPr>
-        </p:nvSpPr>
-        <p:spPr/>
-        <p:txBody>
-          <a:bodyPr/>
-          <a:lstStyle/>
-          <a:p>
-            <a:r>
-              <a:t>Bloco 6 – Treinar modelos</a:t>
-            </a:r>
-          </a:p>
-        </p:txBody>
-      </p:sp>
-      <p:sp>
-        <p:nvSpPr>
-          <p:cNvPr id="3" name="Content Placeholder 2"/>
-          <p:cNvSpPr>
-            <a:spLocks noGrp="1"/>
-          </p:cNvSpPr>
-          <p:nvPr>
-            <p:ph idx="1"/>
-          </p:nvPr>
-        </p:nvSpPr>
-        <p:spPr/>
-        <p:txBody>
-          <a:bodyPr/>
-          <a:lstStyle/>
-          <a:p>
-            <a:r>
-              <a:t>`python</a:t>
-            </a:r>
-          </a:p>
-          <a:p>
-            <a:r>
-              <a:t>logmodel = LogisticRegression(maxiter=1000)</a:t>
-            </a:r>
-          </a:p>
-          <a:p>
-            <a:r>
-              <a:t>logmodel.fit(Xtrain, ytrain)</a:t>
-            </a:r>
-          </a:p>
-          <a:p/>
-          <a:p>
-            <a:r>
-              <a:t>treemodel = DecisionTreeClassifier(maxdepth=4, randomstate=42)</a:t>
-            </a:r>
-          </a:p>
-          <a:p>
-            <a:r>
-              <a:t>treemodel.fit(Xtrain, ytrain)</a:t>
-            </a:r>
-          </a:p>
-          <a:p>
-            <a:r>
-              <a:t>`</a:t>
-            </a:r>
-          </a:p>
-          <a:p/>
-          <a:p>
-            <a:r>
-              <a:t>O que faz:</a:t>
-            </a:r>
-          </a:p>
-          <a:p/>
-          <a:p>
-            <a:r>
-              <a:t>Cria e treina:</a:t>
-            </a:r>
-          </a:p>
-          <a:p/>
-          <a:p>
-            <a:r>
-              <a:t>Regressão Logística → modelo probabilístico;</a:t>
-            </a:r>
-          </a:p>
-          <a:p>
-            <a:r>
-              <a:t>Árvore de Decisão → modelo baseado em regras (máx profundidade=4).</a:t>
-            </a:r>
+            <a:endParaRPr lang="en-US"/>
           </a:p>
         </p:txBody>
       </p:sp>
@@ -4204,7 +6021,7 @@
 </file>
 
 <file path=ppt/slides/slide2.xml><?xml version="1.0" encoding="utf-8"?>
-<p:sld xmlns:a="http://schemas.openxmlformats.org/drawingml/2006/main" xmlns:p="http://schemas.openxmlformats.org/presentationml/2006/main" xmlns:r="http://schemas.openxmlformats.org/officeDocument/2006/relationships">
+<p:sld xmlns:a="http://schemas.openxmlformats.org/drawingml/2006/main" xmlns:r="http://schemas.openxmlformats.org/officeDocument/2006/relationships" xmlns:p="http://schemas.openxmlformats.org/presentationml/2006/main">
   <p:cSld>
     <p:spTree>
       <p:nvGrpSpPr>
@@ -4212,7 +6029,14 @@
         <p:cNvGrpSpPr/>
         <p:nvPr/>
       </p:nvGrpSpPr>
-      <p:grpSpPr/>
+      <p:grpSpPr>
+        <a:xfrm>
+          <a:off x="0" y="0"/>
+          <a:ext cx="0" cy="0"/>
+          <a:chOff x="0" y="0"/>
+          <a:chExt cx="0" cy="0"/>
+        </a:xfrm>
+      </p:grpSpPr>
       <p:sp>
         <p:nvSpPr>
           <p:cNvPr id="2" name="Title 1"/>
@@ -4236,6 +6060,684 @@
       </p:sp>
       <p:sp>
         <p:nvSpPr>
+          <p:cNvPr id="4" name="Content Placeholder 3">
+            <a:extLst>
+              <a:ext uri="{FF2B5EF4-FFF2-40B4-BE49-F238E27FC236}">
+                <a16:creationId xmlns:a16="http://schemas.microsoft.com/office/drawing/2014/main" id="{03EA17AC-B08C-1D62-5D9C-A01317F3998F}"/>
+              </a:ext>
+            </a:extLst>
+          </p:cNvPr>
+          <p:cNvSpPr>
+            <a:spLocks noGrp="1"/>
+          </p:cNvSpPr>
+          <p:nvPr>
+            <p:ph idx="1"/>
+          </p:nvPr>
+        </p:nvSpPr>
+        <p:spPr/>
+        <p:txBody>
+          <a:bodyPr>
+            <a:normAutofit/>
+          </a:bodyPr>
+          <a:lstStyle/>
+          <a:p>
+            <a:r>
+              <a:rPr lang="pt-BR" dirty="0"/>
+              <a:t>Na última aula, tratamos e preparamos o dataset da empresa de varejo. Agora chegamos ao momento de modelar os dados para prever o comportamento dos clientes.</a:t>
+            </a:r>
+          </a:p>
+          <a:p>
+            <a:endParaRPr lang="pt-BR" dirty="0"/>
+          </a:p>
+          <a:p>
+            <a:r>
+              <a:rPr lang="pt-BR" dirty="0"/>
+              <a:t>“Com base no histórico de interações e compras, qual a probabilidade de um cliente comprar nos próximos 30 dias?”</a:t>
+            </a:r>
+          </a:p>
+          <a:p>
+            <a:endParaRPr lang="pt-BR" dirty="0"/>
+          </a:p>
+          <a:p>
+            <a:r>
+              <a:rPr lang="pt-BR" dirty="0"/>
+              <a:t>O objetivo é treinar modelos supervisionados para classificar clientes em dois grupos:</a:t>
+            </a:r>
+          </a:p>
+          <a:p>
+            <a:pPr lvl="1"/>
+            <a:r>
+              <a:rPr lang="pt-BR" dirty="0"/>
+              <a:t>1 (vai comprar)</a:t>
+            </a:r>
+          </a:p>
+          <a:p>
+            <a:pPr lvl="1"/>
+            <a:r>
+              <a:rPr lang="pt-BR" dirty="0"/>
+              <a:t>0 (não vai comprar)</a:t>
+            </a:r>
+            <a:endParaRPr lang="en-US" dirty="0"/>
+          </a:p>
+        </p:txBody>
+      </p:sp>
+    </p:spTree>
+  </p:cSld>
+  <p:clrMapOvr>
+    <a:masterClrMapping/>
+  </p:clrMapOvr>
+  <p:timing>
+    <p:tnLst>
+      <p:par>
+        <p:cTn id="1" dur="indefinite" restart="never" nodeType="tmRoot">
+          <p:childTnLst>
+            <p:seq concurrent="1" nextAc="seek">
+              <p:cTn id="2" dur="indefinite" nodeType="mainSeq">
+                <p:childTnLst>
+                  <p:par>
+                    <p:cTn id="3" fill="hold">
+                      <p:stCondLst>
+                        <p:cond delay="indefinite"/>
+                      </p:stCondLst>
+                      <p:childTnLst>
+                        <p:par>
+                          <p:cTn id="4" fill="hold">
+                            <p:stCondLst>
+                              <p:cond delay="0"/>
+                            </p:stCondLst>
+                            <p:childTnLst>
+                              <p:par>
+                                <p:cTn id="5" presetID="42" presetClass="entr" presetSubtype="0" fill="hold" nodeType="clickEffect">
+                                  <p:stCondLst>
+                                    <p:cond delay="0"/>
+                                  </p:stCondLst>
+                                  <p:childTnLst>
+                                    <p:set>
+                                      <p:cBhvr>
+                                        <p:cTn id="6" dur="1" fill="hold">
+                                          <p:stCondLst>
+                                            <p:cond delay="0"/>
+                                          </p:stCondLst>
+                                        </p:cTn>
+                                        <p:tgtEl>
+                                          <p:spTgt spid="4">
+                                            <p:txEl>
+                                              <p:pRg st="0" end="0"/>
+                                            </p:txEl>
+                                          </p:spTgt>
+                                        </p:tgtEl>
+                                        <p:attrNameLst>
+                                          <p:attrName>style.visibility</p:attrName>
+                                        </p:attrNameLst>
+                                      </p:cBhvr>
+                                      <p:to>
+                                        <p:strVal val="visible"/>
+                                      </p:to>
+                                    </p:set>
+                                    <p:animEffect transition="in" filter="fade">
+                                      <p:cBhvr>
+                                        <p:cTn id="7" dur="1000"/>
+                                        <p:tgtEl>
+                                          <p:spTgt spid="4">
+                                            <p:txEl>
+                                              <p:pRg st="0" end="0"/>
+                                            </p:txEl>
+                                          </p:spTgt>
+                                        </p:tgtEl>
+                                      </p:cBhvr>
+                                    </p:animEffect>
+                                    <p:anim calcmode="lin" valueType="num">
+                                      <p:cBhvr>
+                                        <p:cTn id="8" dur="1000" fill="hold"/>
+                                        <p:tgtEl>
+                                          <p:spTgt spid="4">
+                                            <p:txEl>
+                                              <p:pRg st="0" end="0"/>
+                                            </p:txEl>
+                                          </p:spTgt>
+                                        </p:tgtEl>
+                                        <p:attrNameLst>
+                                          <p:attrName>ppt_x</p:attrName>
+                                        </p:attrNameLst>
+                                      </p:cBhvr>
+                                      <p:tavLst>
+                                        <p:tav tm="0">
+                                          <p:val>
+                                            <p:strVal val="#ppt_x"/>
+                                          </p:val>
+                                        </p:tav>
+                                        <p:tav tm="100000">
+                                          <p:val>
+                                            <p:strVal val="#ppt_x"/>
+                                          </p:val>
+                                        </p:tav>
+                                      </p:tavLst>
+                                    </p:anim>
+                                    <p:anim calcmode="lin" valueType="num">
+                                      <p:cBhvr>
+                                        <p:cTn id="9" dur="1000" fill="hold"/>
+                                        <p:tgtEl>
+                                          <p:spTgt spid="4">
+                                            <p:txEl>
+                                              <p:pRg st="0" end="0"/>
+                                            </p:txEl>
+                                          </p:spTgt>
+                                        </p:tgtEl>
+                                        <p:attrNameLst>
+                                          <p:attrName>ppt_y</p:attrName>
+                                        </p:attrNameLst>
+                                      </p:cBhvr>
+                                      <p:tavLst>
+                                        <p:tav tm="0">
+                                          <p:val>
+                                            <p:strVal val="#ppt_y+.1"/>
+                                          </p:val>
+                                        </p:tav>
+                                        <p:tav tm="100000">
+                                          <p:val>
+                                            <p:strVal val="#ppt_y"/>
+                                          </p:val>
+                                        </p:tav>
+                                      </p:tavLst>
+                                    </p:anim>
+                                  </p:childTnLst>
+                                </p:cTn>
+                              </p:par>
+                            </p:childTnLst>
+                          </p:cTn>
+                        </p:par>
+                      </p:childTnLst>
+                    </p:cTn>
+                  </p:par>
+                  <p:par>
+                    <p:cTn id="10" fill="hold">
+                      <p:stCondLst>
+                        <p:cond delay="indefinite"/>
+                      </p:stCondLst>
+                      <p:childTnLst>
+                        <p:par>
+                          <p:cTn id="11" fill="hold">
+                            <p:stCondLst>
+                              <p:cond delay="0"/>
+                            </p:stCondLst>
+                            <p:childTnLst>
+                              <p:par>
+                                <p:cTn id="12" presetID="42" presetClass="entr" presetSubtype="0" fill="hold" nodeType="clickEffect">
+                                  <p:stCondLst>
+                                    <p:cond delay="0"/>
+                                  </p:stCondLst>
+                                  <p:childTnLst>
+                                    <p:set>
+                                      <p:cBhvr>
+                                        <p:cTn id="13" dur="1" fill="hold">
+                                          <p:stCondLst>
+                                            <p:cond delay="0"/>
+                                          </p:stCondLst>
+                                        </p:cTn>
+                                        <p:tgtEl>
+                                          <p:spTgt spid="4">
+                                            <p:txEl>
+                                              <p:pRg st="2" end="2"/>
+                                            </p:txEl>
+                                          </p:spTgt>
+                                        </p:tgtEl>
+                                        <p:attrNameLst>
+                                          <p:attrName>style.visibility</p:attrName>
+                                        </p:attrNameLst>
+                                      </p:cBhvr>
+                                      <p:to>
+                                        <p:strVal val="visible"/>
+                                      </p:to>
+                                    </p:set>
+                                    <p:animEffect transition="in" filter="fade">
+                                      <p:cBhvr>
+                                        <p:cTn id="14" dur="1000"/>
+                                        <p:tgtEl>
+                                          <p:spTgt spid="4">
+                                            <p:txEl>
+                                              <p:pRg st="2" end="2"/>
+                                            </p:txEl>
+                                          </p:spTgt>
+                                        </p:tgtEl>
+                                      </p:cBhvr>
+                                    </p:animEffect>
+                                    <p:anim calcmode="lin" valueType="num">
+                                      <p:cBhvr>
+                                        <p:cTn id="15" dur="1000" fill="hold"/>
+                                        <p:tgtEl>
+                                          <p:spTgt spid="4">
+                                            <p:txEl>
+                                              <p:pRg st="2" end="2"/>
+                                            </p:txEl>
+                                          </p:spTgt>
+                                        </p:tgtEl>
+                                        <p:attrNameLst>
+                                          <p:attrName>ppt_x</p:attrName>
+                                        </p:attrNameLst>
+                                      </p:cBhvr>
+                                      <p:tavLst>
+                                        <p:tav tm="0">
+                                          <p:val>
+                                            <p:strVal val="#ppt_x"/>
+                                          </p:val>
+                                        </p:tav>
+                                        <p:tav tm="100000">
+                                          <p:val>
+                                            <p:strVal val="#ppt_x"/>
+                                          </p:val>
+                                        </p:tav>
+                                      </p:tavLst>
+                                    </p:anim>
+                                    <p:anim calcmode="lin" valueType="num">
+                                      <p:cBhvr>
+                                        <p:cTn id="16" dur="1000" fill="hold"/>
+                                        <p:tgtEl>
+                                          <p:spTgt spid="4">
+                                            <p:txEl>
+                                              <p:pRg st="2" end="2"/>
+                                            </p:txEl>
+                                          </p:spTgt>
+                                        </p:tgtEl>
+                                        <p:attrNameLst>
+                                          <p:attrName>ppt_y</p:attrName>
+                                        </p:attrNameLst>
+                                      </p:cBhvr>
+                                      <p:tavLst>
+                                        <p:tav tm="0">
+                                          <p:val>
+                                            <p:strVal val="#ppt_y+.1"/>
+                                          </p:val>
+                                        </p:tav>
+                                        <p:tav tm="100000">
+                                          <p:val>
+                                            <p:strVal val="#ppt_y"/>
+                                          </p:val>
+                                        </p:tav>
+                                      </p:tavLst>
+                                    </p:anim>
+                                  </p:childTnLst>
+                                </p:cTn>
+                              </p:par>
+                            </p:childTnLst>
+                          </p:cTn>
+                        </p:par>
+                      </p:childTnLst>
+                    </p:cTn>
+                  </p:par>
+                  <p:par>
+                    <p:cTn id="17" fill="hold">
+                      <p:stCondLst>
+                        <p:cond delay="indefinite"/>
+                      </p:stCondLst>
+                      <p:childTnLst>
+                        <p:par>
+                          <p:cTn id="18" fill="hold">
+                            <p:stCondLst>
+                              <p:cond delay="0"/>
+                            </p:stCondLst>
+                            <p:childTnLst>
+                              <p:par>
+                                <p:cTn id="19" presetID="42" presetClass="entr" presetSubtype="0" fill="hold" nodeType="clickEffect">
+                                  <p:stCondLst>
+                                    <p:cond delay="0"/>
+                                  </p:stCondLst>
+                                  <p:childTnLst>
+                                    <p:set>
+                                      <p:cBhvr>
+                                        <p:cTn id="20" dur="1" fill="hold">
+                                          <p:stCondLst>
+                                            <p:cond delay="0"/>
+                                          </p:stCondLst>
+                                        </p:cTn>
+                                        <p:tgtEl>
+                                          <p:spTgt spid="4">
+                                            <p:txEl>
+                                              <p:pRg st="4" end="4"/>
+                                            </p:txEl>
+                                          </p:spTgt>
+                                        </p:tgtEl>
+                                        <p:attrNameLst>
+                                          <p:attrName>style.visibility</p:attrName>
+                                        </p:attrNameLst>
+                                      </p:cBhvr>
+                                      <p:to>
+                                        <p:strVal val="visible"/>
+                                      </p:to>
+                                    </p:set>
+                                    <p:animEffect transition="in" filter="fade">
+                                      <p:cBhvr>
+                                        <p:cTn id="21" dur="1000"/>
+                                        <p:tgtEl>
+                                          <p:spTgt spid="4">
+                                            <p:txEl>
+                                              <p:pRg st="4" end="4"/>
+                                            </p:txEl>
+                                          </p:spTgt>
+                                        </p:tgtEl>
+                                      </p:cBhvr>
+                                    </p:animEffect>
+                                    <p:anim calcmode="lin" valueType="num">
+                                      <p:cBhvr>
+                                        <p:cTn id="22" dur="1000" fill="hold"/>
+                                        <p:tgtEl>
+                                          <p:spTgt spid="4">
+                                            <p:txEl>
+                                              <p:pRg st="4" end="4"/>
+                                            </p:txEl>
+                                          </p:spTgt>
+                                        </p:tgtEl>
+                                        <p:attrNameLst>
+                                          <p:attrName>ppt_x</p:attrName>
+                                        </p:attrNameLst>
+                                      </p:cBhvr>
+                                      <p:tavLst>
+                                        <p:tav tm="0">
+                                          <p:val>
+                                            <p:strVal val="#ppt_x"/>
+                                          </p:val>
+                                        </p:tav>
+                                        <p:tav tm="100000">
+                                          <p:val>
+                                            <p:strVal val="#ppt_x"/>
+                                          </p:val>
+                                        </p:tav>
+                                      </p:tavLst>
+                                    </p:anim>
+                                    <p:anim calcmode="lin" valueType="num">
+                                      <p:cBhvr>
+                                        <p:cTn id="23" dur="1000" fill="hold"/>
+                                        <p:tgtEl>
+                                          <p:spTgt spid="4">
+                                            <p:txEl>
+                                              <p:pRg st="4" end="4"/>
+                                            </p:txEl>
+                                          </p:spTgt>
+                                        </p:tgtEl>
+                                        <p:attrNameLst>
+                                          <p:attrName>ppt_y</p:attrName>
+                                        </p:attrNameLst>
+                                      </p:cBhvr>
+                                      <p:tavLst>
+                                        <p:tav tm="0">
+                                          <p:val>
+                                            <p:strVal val="#ppt_y+.1"/>
+                                          </p:val>
+                                        </p:tav>
+                                        <p:tav tm="100000">
+                                          <p:val>
+                                            <p:strVal val="#ppt_y"/>
+                                          </p:val>
+                                        </p:tav>
+                                      </p:tavLst>
+                                    </p:anim>
+                                  </p:childTnLst>
+                                </p:cTn>
+                              </p:par>
+                              <p:par>
+                                <p:cTn id="24" presetID="42" presetClass="entr" presetSubtype="0" fill="hold" nodeType="withEffect">
+                                  <p:stCondLst>
+                                    <p:cond delay="0"/>
+                                  </p:stCondLst>
+                                  <p:childTnLst>
+                                    <p:set>
+                                      <p:cBhvr>
+                                        <p:cTn id="25" dur="1" fill="hold">
+                                          <p:stCondLst>
+                                            <p:cond delay="0"/>
+                                          </p:stCondLst>
+                                        </p:cTn>
+                                        <p:tgtEl>
+                                          <p:spTgt spid="4">
+                                            <p:txEl>
+                                              <p:pRg st="5" end="5"/>
+                                            </p:txEl>
+                                          </p:spTgt>
+                                        </p:tgtEl>
+                                        <p:attrNameLst>
+                                          <p:attrName>style.visibility</p:attrName>
+                                        </p:attrNameLst>
+                                      </p:cBhvr>
+                                      <p:to>
+                                        <p:strVal val="visible"/>
+                                      </p:to>
+                                    </p:set>
+                                    <p:animEffect transition="in" filter="fade">
+                                      <p:cBhvr>
+                                        <p:cTn id="26" dur="1000"/>
+                                        <p:tgtEl>
+                                          <p:spTgt spid="4">
+                                            <p:txEl>
+                                              <p:pRg st="5" end="5"/>
+                                            </p:txEl>
+                                          </p:spTgt>
+                                        </p:tgtEl>
+                                      </p:cBhvr>
+                                    </p:animEffect>
+                                    <p:anim calcmode="lin" valueType="num">
+                                      <p:cBhvr>
+                                        <p:cTn id="27" dur="1000" fill="hold"/>
+                                        <p:tgtEl>
+                                          <p:spTgt spid="4">
+                                            <p:txEl>
+                                              <p:pRg st="5" end="5"/>
+                                            </p:txEl>
+                                          </p:spTgt>
+                                        </p:tgtEl>
+                                        <p:attrNameLst>
+                                          <p:attrName>ppt_x</p:attrName>
+                                        </p:attrNameLst>
+                                      </p:cBhvr>
+                                      <p:tavLst>
+                                        <p:tav tm="0">
+                                          <p:val>
+                                            <p:strVal val="#ppt_x"/>
+                                          </p:val>
+                                        </p:tav>
+                                        <p:tav tm="100000">
+                                          <p:val>
+                                            <p:strVal val="#ppt_x"/>
+                                          </p:val>
+                                        </p:tav>
+                                      </p:tavLst>
+                                    </p:anim>
+                                    <p:anim calcmode="lin" valueType="num">
+                                      <p:cBhvr>
+                                        <p:cTn id="28" dur="1000" fill="hold"/>
+                                        <p:tgtEl>
+                                          <p:spTgt spid="4">
+                                            <p:txEl>
+                                              <p:pRg st="5" end="5"/>
+                                            </p:txEl>
+                                          </p:spTgt>
+                                        </p:tgtEl>
+                                        <p:attrNameLst>
+                                          <p:attrName>ppt_y</p:attrName>
+                                        </p:attrNameLst>
+                                      </p:cBhvr>
+                                      <p:tavLst>
+                                        <p:tav tm="0">
+                                          <p:val>
+                                            <p:strVal val="#ppt_y+.1"/>
+                                          </p:val>
+                                        </p:tav>
+                                        <p:tav tm="100000">
+                                          <p:val>
+                                            <p:strVal val="#ppt_y"/>
+                                          </p:val>
+                                        </p:tav>
+                                      </p:tavLst>
+                                    </p:anim>
+                                  </p:childTnLst>
+                                </p:cTn>
+                              </p:par>
+                              <p:par>
+                                <p:cTn id="29" presetID="42" presetClass="entr" presetSubtype="0" fill="hold" nodeType="withEffect">
+                                  <p:stCondLst>
+                                    <p:cond delay="0"/>
+                                  </p:stCondLst>
+                                  <p:childTnLst>
+                                    <p:set>
+                                      <p:cBhvr>
+                                        <p:cTn id="30" dur="1" fill="hold">
+                                          <p:stCondLst>
+                                            <p:cond delay="0"/>
+                                          </p:stCondLst>
+                                        </p:cTn>
+                                        <p:tgtEl>
+                                          <p:spTgt spid="4">
+                                            <p:txEl>
+                                              <p:pRg st="6" end="6"/>
+                                            </p:txEl>
+                                          </p:spTgt>
+                                        </p:tgtEl>
+                                        <p:attrNameLst>
+                                          <p:attrName>style.visibility</p:attrName>
+                                        </p:attrNameLst>
+                                      </p:cBhvr>
+                                      <p:to>
+                                        <p:strVal val="visible"/>
+                                      </p:to>
+                                    </p:set>
+                                    <p:animEffect transition="in" filter="fade">
+                                      <p:cBhvr>
+                                        <p:cTn id="31" dur="1000"/>
+                                        <p:tgtEl>
+                                          <p:spTgt spid="4">
+                                            <p:txEl>
+                                              <p:pRg st="6" end="6"/>
+                                            </p:txEl>
+                                          </p:spTgt>
+                                        </p:tgtEl>
+                                      </p:cBhvr>
+                                    </p:animEffect>
+                                    <p:anim calcmode="lin" valueType="num">
+                                      <p:cBhvr>
+                                        <p:cTn id="32" dur="1000" fill="hold"/>
+                                        <p:tgtEl>
+                                          <p:spTgt spid="4">
+                                            <p:txEl>
+                                              <p:pRg st="6" end="6"/>
+                                            </p:txEl>
+                                          </p:spTgt>
+                                        </p:tgtEl>
+                                        <p:attrNameLst>
+                                          <p:attrName>ppt_x</p:attrName>
+                                        </p:attrNameLst>
+                                      </p:cBhvr>
+                                      <p:tavLst>
+                                        <p:tav tm="0">
+                                          <p:val>
+                                            <p:strVal val="#ppt_x"/>
+                                          </p:val>
+                                        </p:tav>
+                                        <p:tav tm="100000">
+                                          <p:val>
+                                            <p:strVal val="#ppt_x"/>
+                                          </p:val>
+                                        </p:tav>
+                                      </p:tavLst>
+                                    </p:anim>
+                                    <p:anim calcmode="lin" valueType="num">
+                                      <p:cBhvr>
+                                        <p:cTn id="33" dur="1000" fill="hold"/>
+                                        <p:tgtEl>
+                                          <p:spTgt spid="4">
+                                            <p:txEl>
+                                              <p:pRg st="6" end="6"/>
+                                            </p:txEl>
+                                          </p:spTgt>
+                                        </p:tgtEl>
+                                        <p:attrNameLst>
+                                          <p:attrName>ppt_y</p:attrName>
+                                        </p:attrNameLst>
+                                      </p:cBhvr>
+                                      <p:tavLst>
+                                        <p:tav tm="0">
+                                          <p:val>
+                                            <p:strVal val="#ppt_y+.1"/>
+                                          </p:val>
+                                        </p:tav>
+                                        <p:tav tm="100000">
+                                          <p:val>
+                                            <p:strVal val="#ppt_y"/>
+                                          </p:val>
+                                        </p:tav>
+                                      </p:tavLst>
+                                    </p:anim>
+                                  </p:childTnLst>
+                                </p:cTn>
+                              </p:par>
+                            </p:childTnLst>
+                          </p:cTn>
+                        </p:par>
+                      </p:childTnLst>
+                    </p:cTn>
+                  </p:par>
+                </p:childTnLst>
+              </p:cTn>
+              <p:prevCondLst>
+                <p:cond evt="onPrev" delay="0">
+                  <p:tgtEl>
+                    <p:sldTgt/>
+                  </p:tgtEl>
+                </p:cond>
+              </p:prevCondLst>
+              <p:nextCondLst>
+                <p:cond evt="onNext" delay="0">
+                  <p:tgtEl>
+                    <p:sldTgt/>
+                  </p:tgtEl>
+                </p:cond>
+              </p:nextCondLst>
+            </p:seq>
+          </p:childTnLst>
+        </p:cTn>
+      </p:par>
+    </p:tnLst>
+  </p:timing>
+</p:sld>
+</file>
+
+<file path=ppt/slides/slide3.xml><?xml version="1.0" encoding="utf-8"?>
+<p:sld xmlns:a="http://schemas.openxmlformats.org/drawingml/2006/main" xmlns:r="http://schemas.openxmlformats.org/officeDocument/2006/relationships" xmlns:p="http://schemas.openxmlformats.org/presentationml/2006/main">
+  <p:cSld>
+    <p:spTree>
+      <p:nvGrpSpPr>
+        <p:cNvPr id="1" name=""/>
+        <p:cNvGrpSpPr/>
+        <p:nvPr/>
+      </p:nvGrpSpPr>
+      <p:grpSpPr>
+        <a:xfrm>
+          <a:off x="0" y="0"/>
+          <a:ext cx="0" cy="0"/>
+          <a:chOff x="0" y="0"/>
+          <a:chExt cx="0" cy="0"/>
+        </a:xfrm>
+      </p:grpSpPr>
+      <p:sp>
+        <p:nvSpPr>
+          <p:cNvPr id="2" name="Title 1"/>
+          <p:cNvSpPr>
+            <a:spLocks noGrp="1"/>
+          </p:cNvSpPr>
+          <p:nvPr>
+            <p:ph type="title"/>
+          </p:nvPr>
+        </p:nvSpPr>
+        <p:spPr/>
+        <p:txBody>
+          <a:bodyPr/>
+          <a:lstStyle/>
+          <a:p>
+            <a:r>
+              <a:t>2. Fundamentos do Aprendizado Supervisionado</a:t>
+            </a:r>
+          </a:p>
+        </p:txBody>
+      </p:sp>
+      <p:sp>
+        <p:nvSpPr>
           <p:cNvPr id="3" name="Text Placeholder 2"/>
           <p:cNvSpPr>
             <a:spLocks noGrp="1"/>
@@ -4248,692 +6750,9 @@
         <p:txBody>
           <a:bodyPr/>
           <a:lstStyle/>
-          <a:p/>
-        </p:txBody>
-      </p:sp>
-    </p:spTree>
-  </p:cSld>
-  <p:clrMapOvr>
-    <a:masterClrMapping/>
-  </p:clrMapOvr>
-</p:sld>
-</file>
-
-<file path=ppt/slides/slide20.xml><?xml version="1.0" encoding="utf-8"?>
-<p:sld xmlns:a="http://schemas.openxmlformats.org/drawingml/2006/main" xmlns:p="http://schemas.openxmlformats.org/presentationml/2006/main" xmlns:r="http://schemas.openxmlformats.org/officeDocument/2006/relationships">
-  <p:cSld>
-    <p:spTree>
-      <p:nvGrpSpPr>
-        <p:cNvPr id="1" name=""/>
-        <p:cNvGrpSpPr/>
-        <p:nvPr/>
-      </p:nvGrpSpPr>
-      <p:grpSpPr/>
-      <p:sp>
-        <p:nvSpPr>
-          <p:cNvPr id="2" name="Title 1"/>
-          <p:cNvSpPr>
-            <a:spLocks noGrp="1"/>
-          </p:cNvSpPr>
-          <p:nvPr>
-            <p:ph type="title"/>
-          </p:nvPr>
-        </p:nvSpPr>
-        <p:spPr/>
-        <p:txBody>
-          <a:bodyPr/>
-          <a:lstStyle/>
-          <a:p>
-            <a:r>
-              <a:t>Bloco 7 – Avaliar acurácia</a:t>
-            </a:r>
-          </a:p>
-        </p:txBody>
-      </p:sp>
-      <p:sp>
-        <p:nvSpPr>
-          <p:cNvPr id="3" name="Content Placeholder 2"/>
-          <p:cNvSpPr>
-            <a:spLocks noGrp="1"/>
-          </p:cNvSpPr>
-          <p:nvPr>
-            <p:ph idx="1"/>
-          </p:nvPr>
-        </p:nvSpPr>
-        <p:spPr/>
-        <p:txBody>
-          <a:bodyPr/>
-          <a:lstStyle/>
-          <a:p>
-            <a:r>
-              <a:t>`python</a:t>
-            </a:r>
-          </a:p>
-          <a:p>
-            <a:r>
-              <a:t>print("Acurácia Regressão Logística:", accuracyscore(ytest, logmodel.predict(Xtest)))</a:t>
-            </a:r>
-          </a:p>
-          <a:p>
-            <a:r>
-              <a:t>print("Acurácia Árvore de Decisão:", accuracyscore(ytest, treemodel.predict(Xtest)))</a:t>
-            </a:r>
-          </a:p>
-          <a:p>
-            <a:r>
-              <a:t>`</a:t>
-            </a:r>
-          </a:p>
-          <a:p/>
-          <a:p>
-            <a:r>
-              <a:t>O que faz:</a:t>
-            </a:r>
-          </a:p>
-          <a:p/>
-          <a:p>
-            <a:r>
-              <a:t>Mede taxa de acerto dos modelos no conjunto de teste.</a:t>
-            </a:r>
-          </a:p>
-        </p:txBody>
-      </p:sp>
-    </p:spTree>
-  </p:cSld>
-  <p:clrMapOvr>
-    <a:masterClrMapping/>
-  </p:clrMapOvr>
-</p:sld>
-</file>
-
-<file path=ppt/slides/slide21.xml><?xml version="1.0" encoding="utf-8"?>
-<p:sld xmlns:a="http://schemas.openxmlformats.org/drawingml/2006/main" xmlns:p="http://schemas.openxmlformats.org/presentationml/2006/main" xmlns:r="http://schemas.openxmlformats.org/officeDocument/2006/relationships">
-  <p:cSld>
-    <p:spTree>
-      <p:nvGrpSpPr>
-        <p:cNvPr id="1" name=""/>
-        <p:cNvGrpSpPr/>
-        <p:nvPr/>
-      </p:nvGrpSpPr>
-      <p:grpSpPr/>
-      <p:sp>
-        <p:nvSpPr>
-          <p:cNvPr id="2" name="Title 1"/>
-          <p:cNvSpPr>
-            <a:spLocks noGrp="1"/>
-          </p:cNvSpPr>
-          <p:nvPr>
-            <p:ph type="title"/>
-          </p:nvPr>
-        </p:nvSpPr>
-        <p:spPr/>
-        <p:txBody>
-          <a:bodyPr/>
-          <a:lstStyle/>
-          <a:p>
-            <a:r>
-              <a:t>Bloco 8 – Análises gráficas</a:t>
-            </a:r>
-          </a:p>
-        </p:txBody>
-      </p:sp>
-      <p:sp>
-        <p:nvSpPr>
-          <p:cNvPr id="3" name="Content Placeholder 2"/>
-          <p:cNvSpPr>
-            <a:spLocks noGrp="1"/>
-          </p:cNvSpPr>
-          <p:nvPr>
-            <p:ph idx="1"/>
-          </p:nvPr>
-        </p:nvSpPr>
-        <p:spPr/>
-        <p:txBody>
-          <a:bodyPr/>
-          <a:lstStyle/>
-          <a:p>
-            <a:r>
-              <a:t>1. Matriz de Confusão</a:t>
-            </a:r>
-          </a:p>
-          <a:p/>
-          <a:p>
-            <a:r>
-              <a:t>`python</a:t>
-            </a:r>
-          </a:p>
-          <a:p>
-            <a:r>
-              <a:t>ypredtree = treemodel.predict(Xtest)</a:t>
-            </a:r>
-          </a:p>
-          <a:p>
-            <a:r>
-              <a:t>cm = confusionmatrix(ytest, ypredtree)</a:t>
-            </a:r>
-          </a:p>
-          <a:p>
-            <a:r>
-              <a:t>sns.heatmap(cm, ...)</a:t>
-            </a:r>
-          </a:p>
-          <a:p>
-            <a:r>
-              <a:t>`</a:t>
-            </a:r>
-          </a:p>
-          <a:p/>
-          <a:p>
-            <a:r>
-              <a:t>Mostra acertos e erros do modelo de árvore de decisão.</a:t>
-            </a:r>
-          </a:p>
-          <a:p/>
-          <a:p>
-            <a:r>
-              <a:t>2. Curva ROC</a:t>
-            </a:r>
-          </a:p>
-          <a:p/>
-          <a:p>
-            <a:r>
-              <a:t>`python</a:t>
-            </a:r>
-          </a:p>
-          <a:p>
-            <a:r>
-              <a:t>yproblog = logmodel.predictproba(Xtest)[:,1]</a:t>
-            </a:r>
-          </a:p>
-          <a:p>
-            <a:r>
-              <a:t>fpr, tpr, thresholds = roccurve(ytest, yproblog)</a:t>
-            </a:r>
-          </a:p>
-          <a:p>
-            <a:r>
-              <a:t>rocauc = auc(fpr, tpr)</a:t>
-            </a:r>
-          </a:p>
-          <a:p>
-            <a:r>
-              <a:t>`</a:t>
-            </a:r>
-          </a:p>
-          <a:p/>
-          <a:p>
-            <a:r>
-              <a:t>Avalia desempenho da regressão logística em termos de sensibilidade vs. especificidade.</a:t>
-            </a:r>
-          </a:p>
-          <a:p/>
-          <a:p>
-            <a:r>
-              <a:t>3. Probabilidades previstas</a:t>
-            </a:r>
-          </a:p>
-          <a:p/>
-          <a:p>
-            <a:r>
-              <a:t>`python</a:t>
-            </a:r>
-          </a:p>
-          <a:p>
-            <a:r>
-              <a:t>plt.scatter(Xtest, yproblog, alpha=0.6, c=ytest, cmap="coolwarm", edgecolor="k")</a:t>
-            </a:r>
-          </a:p>
-          <a:p>
-            <a:r>
-              <a:t>`</a:t>
-            </a:r>
-          </a:p>
-          <a:p/>
-          <a:p>
-            <a:r>
-              <a:t>Visualiza a probabilidade prevista de recompra de cada cliente.</a:t>
-            </a:r>
-          </a:p>
-          <a:p/>
-          <a:p>
-            <a:r>
-              <a:t>4. Visualização da árvore de decisão</a:t>
-            </a:r>
-          </a:p>
-          <a:p/>
-          <a:p>
-            <a:r>
-              <a:t>`python</a:t>
-            </a:r>
-          </a:p>
-          <a:p>
-            <a:r>
-              <a:t>plottree(treemodel, featurenames=["diasdesdeultimacompra"], ...)</a:t>
-            </a:r>
-          </a:p>
-          <a:p>
-            <a:r>
-              <a:t>`</a:t>
-            </a:r>
-          </a:p>
-          <a:p/>
-          <a:p>
-            <a:r>
-              <a:t>Mostra graficamente as regras do modelo.</a:t>
-            </a:r>
-          </a:p>
-        </p:txBody>
-      </p:sp>
-    </p:spTree>
-  </p:cSld>
-  <p:clrMapOvr>
-    <a:masterClrMapping/>
-  </p:clrMapOvr>
-</p:sld>
-</file>
-
-<file path=ppt/slides/slide22.xml><?xml version="1.0" encoding="utf-8"?>
-<p:sld xmlns:a="http://schemas.openxmlformats.org/drawingml/2006/main" xmlns:p="http://schemas.openxmlformats.org/presentationml/2006/main" xmlns:r="http://schemas.openxmlformats.org/officeDocument/2006/relationships">
-  <p:cSld>
-    <p:spTree>
-      <p:nvGrpSpPr>
-        <p:cNvPr id="1" name=""/>
-        <p:cNvGrpSpPr/>
-        <p:nvPr/>
-      </p:nvGrpSpPr>
-      <p:grpSpPr/>
-      <p:sp>
-        <p:nvSpPr>
-          <p:cNvPr id="2" name="Title 1"/>
-          <p:cNvSpPr>
-            <a:spLocks noGrp="1"/>
-          </p:cNvSpPr>
-          <p:nvPr>
-            <p:ph type="title"/>
-          </p:nvPr>
-        </p:nvSpPr>
-        <p:spPr/>
-        <p:txBody>
-          <a:bodyPr/>
-          <a:lstStyle/>
-          <a:p>
-            <a:r>
-              <a:t>Bloco 9 – Exemplos interpretativos</a:t>
-            </a:r>
-          </a:p>
-        </p:txBody>
-      </p:sp>
-      <p:sp>
-        <p:nvSpPr>
-          <p:cNvPr id="3" name="Content Placeholder 2"/>
-          <p:cNvSpPr>
-            <a:spLocks noGrp="1"/>
-          </p:cNvSpPr>
-          <p:nvPr>
-            <p:ph idx="1"/>
-          </p:nvPr>
-        </p:nvSpPr>
-        <p:spPr/>
-        <p:txBody>
-          <a:bodyPr/>
-          <a:lstStyle/>
-          <a:p>
-            <a:r>
-              <a:t>`python</a:t>
-            </a:r>
-          </a:p>
-          <a:p>
-            <a:r>
-              <a:t>yprobs = logmodel.predictproba(Xtest)[:,1]</a:t>
-            </a:r>
-          </a:p>
-          <a:p>
-            <a:r>
-              <a:t>resultados = pd.DataFrame({...})</a:t>
-            </a:r>
-          </a:p>
-          <a:p>
-            <a:r>
-              <a:t>`</a:t>
-            </a:r>
-          </a:p>
-          <a:p/>
-          <a:p>
-            <a:r>
-              <a:t>Cria tabela com:</a:t>
-            </a:r>
-          </a:p>
-          <a:p/>
-          <a:p>
-            <a:r>
-              <a:t>CustomerID</a:t>
-            </a:r>
-          </a:p>
-          <a:p>
-            <a:r>
-              <a:t>Dias desde a última compra</a:t>
-            </a:r>
-          </a:p>
-          <a:p>
-            <a:r>
-              <a:t>Probabilidade prevista de recompra</a:t>
-            </a:r>
-          </a:p>
-          <a:p>
-            <a:r>
-              <a:t>Previsto x Real</a:t>
-            </a:r>
-          </a:p>
-          <a:p/>
-          <a:p>
-            <a:r>
-              <a:t>`python</a:t>
-            </a:r>
-          </a:p>
-          <a:p>
-            <a:r>
-              <a:t>for i, row in resultados.iterrows():</a:t>
-            </a:r>
-          </a:p>
-          <a:p>
-            <a:r>
-              <a:t>...</a:t>
-            </a:r>
-          </a:p>
-          <a:p>
-            <a:r>
-              <a:t>`</a:t>
-            </a:r>
-          </a:p>
-          <a:p/>
-          <a:p>
-            <a:r>
-              <a:t>Gera interpretação em linguagem de negócio: quem provavelmente vai ou não voltar a comprar.</a:t>
-            </a:r>
-          </a:p>
-          <a:p/>
-          <a:p/>
-          <a:p/>
-          <a:p>
-            <a:r>
-              <a:t>Resumo da lógica do fluxo:</a:t>
-            </a:r>
-          </a:p>
-          <a:p/>
-          <a:p>
-            <a:r>
-              <a:t>1. Carregar e limpar dados</a:t>
-            </a:r>
-          </a:p>
-          <a:p>
-            <a:r>
-              <a:t>2. Criar variável-alvo e features</a:t>
-            </a:r>
-          </a:p>
-          <a:p>
-            <a:r>
-              <a:t>3. Dividir treino/teste</a:t>
-            </a:r>
-          </a:p>
-          <a:p>
-            <a:r>
-              <a:t>4. Treinar modelos de classificação</a:t>
-            </a:r>
-          </a:p>
-          <a:p>
-            <a:r>
-              <a:t>5. Avaliar desempenho e gerar gráficos</a:t>
-            </a:r>
-          </a:p>
-          <a:p>
-            <a:r>
-              <a:t>6. Interpretar resultados para insights de negócio</a:t>
-            </a:r>
-          </a:p>
-        </p:txBody>
-      </p:sp>
-    </p:spTree>
-  </p:cSld>
-  <p:clrMapOvr>
-    <a:masterClrMapping/>
-  </p:clrMapOvr>
-</p:sld>
-</file>
-
-<file path=ppt/slides/slide23.xml><?xml version="1.0" encoding="utf-8"?>
-<p:sld xmlns:a="http://schemas.openxmlformats.org/drawingml/2006/main" xmlns:p="http://schemas.openxmlformats.org/presentationml/2006/main" xmlns:r="http://schemas.openxmlformats.org/officeDocument/2006/relationships">
-  <p:cSld>
-    <p:spTree>
-      <p:nvGrpSpPr>
-        <p:cNvPr id="1" name=""/>
-        <p:cNvGrpSpPr/>
-        <p:nvPr/>
-      </p:nvGrpSpPr>
-      <p:grpSpPr/>
-      <p:sp>
-        <p:nvSpPr>
-          <p:cNvPr id="2" name="Title 1"/>
-          <p:cNvSpPr>
-            <a:spLocks noGrp="1"/>
-          </p:cNvSpPr>
-          <p:nvPr>
-            <p:ph type="title"/>
-          </p:nvPr>
-        </p:nvSpPr>
-        <p:spPr/>
-        <p:txBody>
-          <a:bodyPr/>
-          <a:lstStyle/>
-          <a:p>
-            <a:r>
-              <a:t>Reflexão prática</a:t>
-            </a:r>
-          </a:p>
-        </p:txBody>
-      </p:sp>
-      <p:sp>
-        <p:nvSpPr>
-          <p:cNvPr id="3" name="Content Placeholder 2"/>
-          <p:cNvSpPr>
-            <a:spLocks noGrp="1"/>
-          </p:cNvSpPr>
-          <p:nvPr>
-            <p:ph idx="1"/>
-          </p:nvPr>
-        </p:nvSpPr>
-        <p:spPr/>
-        <p:txBody>
-          <a:bodyPr/>
-          <a:lstStyle/>
-          <a:p>
-            <a:r>
-              <a:t>A regressão logística nos dirá a probabilidade de recompra em função da recência.</a:t>
-            </a:r>
-          </a:p>
-          <a:p>
-            <a:r>
-              <a:t>A árvore de decisão pode mostrar regras simples, como:</a:t>
-            </a:r>
-          </a:p>
-          <a:p/>
-          <a:p>
-            <a:r>
-              <a:t>Se o cliente não compra há mais de 45 dias → baixa chance de recompra.</a:t>
-            </a:r>
-          </a:p>
-          <a:p>
-            <a:r>
-              <a:t>Se comprou nos últimos 10 dias → alta chance de recompra.</a:t>
-            </a:r>
-          </a:p>
-        </p:txBody>
-      </p:sp>
-    </p:spTree>
-  </p:cSld>
-  <p:clrMapOvr>
-    <a:masterClrMapping/>
-  </p:clrMapOvr>
-</p:sld>
-</file>
-
-<file path=ppt/slides/slide24.xml><?xml version="1.0" encoding="utf-8"?>
-<p:sld xmlns:a="http://schemas.openxmlformats.org/drawingml/2006/main" xmlns:p="http://schemas.openxmlformats.org/presentationml/2006/main" xmlns:r="http://schemas.openxmlformats.org/officeDocument/2006/relationships">
-  <p:cSld>
-    <p:spTree>
-      <p:nvGrpSpPr>
-        <p:cNvPr id="1" name=""/>
-        <p:cNvGrpSpPr/>
-        <p:nvPr/>
-      </p:nvGrpSpPr>
-      <p:grpSpPr/>
-      <p:sp>
-        <p:nvSpPr>
-          <p:cNvPr id="2" name="Title 1"/>
-          <p:cNvSpPr>
-            <a:spLocks noGrp="1"/>
-          </p:cNvSpPr>
-          <p:nvPr>
-            <p:ph type="title"/>
-          </p:nvPr>
-        </p:nvSpPr>
-        <p:spPr/>
-        <p:txBody>
-          <a:bodyPr/>
-          <a:lstStyle/>
-          <a:p>
-            <a:r>
-              <a:t>5. Discussão em Grupo</a:t>
-            </a:r>
-          </a:p>
-        </p:txBody>
-      </p:sp>
-      <p:sp>
-        <p:nvSpPr>
-          <p:cNvPr id="3" name="Text Placeholder 2"/>
-          <p:cNvSpPr>
-            <a:spLocks noGrp="1"/>
-          </p:cNvSpPr>
-          <p:nvPr>
-            <p:ph type="body" idx="1"/>
-          </p:nvPr>
-        </p:nvSpPr>
-        <p:spPr/>
-        <p:txBody>
-          <a:bodyPr/>
-          <a:lstStyle/>
-          <a:p/>
-        </p:txBody>
-      </p:sp>
-    </p:spTree>
-  </p:cSld>
-  <p:clrMapOvr>
-    <a:masterClrMapping/>
-  </p:clrMapOvr>
-</p:sld>
-</file>
-
-<file path=ppt/slides/slide25.xml><?xml version="1.0" encoding="utf-8"?>
-<p:sld xmlns:a="http://schemas.openxmlformats.org/drawingml/2006/main" xmlns:p="http://schemas.openxmlformats.org/presentationml/2006/main" xmlns:r="http://schemas.openxmlformats.org/officeDocument/2006/relationships">
-  <p:cSld>
-    <p:spTree>
-      <p:nvGrpSpPr>
-        <p:cNvPr id="1" name=""/>
-        <p:cNvGrpSpPr/>
-        <p:nvPr/>
-      </p:nvGrpSpPr>
-      <p:grpSpPr/>
-      <p:sp>
-        <p:nvSpPr>
-          <p:cNvPr id="2" name="Title 1"/>
-          <p:cNvSpPr>
-            <a:spLocks noGrp="1"/>
-          </p:cNvSpPr>
-          <p:nvPr>
-            <p:ph type="title"/>
-          </p:nvPr>
-        </p:nvSpPr>
-        <p:spPr/>
-        <p:txBody>
-          <a:bodyPr/>
-          <a:lstStyle/>
-          <a:p>
-            <a:r>
-              <a:t>6. Produto Esperado</a:t>
-            </a:r>
-          </a:p>
-        </p:txBody>
-      </p:sp>
-      <p:sp>
-        <p:nvSpPr>
-          <p:cNvPr id="3" name="Text Placeholder 2"/>
-          <p:cNvSpPr>
-            <a:spLocks noGrp="1"/>
-          </p:cNvSpPr>
-          <p:nvPr>
-            <p:ph type="body" idx="1"/>
-          </p:nvPr>
-        </p:nvSpPr>
-        <p:spPr/>
-        <p:txBody>
-          <a:bodyPr/>
-          <a:lstStyle/>
-          <a:p/>
-        </p:txBody>
-      </p:sp>
-    </p:spTree>
-  </p:cSld>
-  <p:clrMapOvr>
-    <a:masterClrMapping/>
-  </p:clrMapOvr>
-</p:sld>
-</file>
-
-<file path=ppt/slides/slide3.xml><?xml version="1.0" encoding="utf-8"?>
-<p:sld xmlns:a="http://schemas.openxmlformats.org/drawingml/2006/main" xmlns:p="http://schemas.openxmlformats.org/presentationml/2006/main" xmlns:r="http://schemas.openxmlformats.org/officeDocument/2006/relationships">
-  <p:cSld>
-    <p:spTree>
-      <p:nvGrpSpPr>
-        <p:cNvPr id="1" name=""/>
-        <p:cNvGrpSpPr/>
-        <p:nvPr/>
-      </p:nvGrpSpPr>
-      <p:grpSpPr/>
-      <p:sp>
-        <p:nvSpPr>
-          <p:cNvPr id="2" name="Title 1"/>
-          <p:cNvSpPr>
-            <a:spLocks noGrp="1"/>
-          </p:cNvSpPr>
-          <p:nvPr>
-            <p:ph type="title"/>
-          </p:nvPr>
-        </p:nvSpPr>
-        <p:spPr/>
-        <p:txBody>
-          <a:bodyPr/>
-          <a:lstStyle/>
-          <a:p>
-            <a:r>
-              <a:t>2. Fundamentos do Aprendizado Supervisionado</a:t>
-            </a:r>
-          </a:p>
-        </p:txBody>
-      </p:sp>
-      <p:sp>
-        <p:nvSpPr>
-          <p:cNvPr id="3" name="Text Placeholder 2"/>
-          <p:cNvSpPr>
-            <a:spLocks noGrp="1"/>
-          </p:cNvSpPr>
-          <p:nvPr>
-            <p:ph type="body" idx="1"/>
-          </p:nvPr>
-        </p:nvSpPr>
-        <p:spPr/>
-        <p:txBody>
-          <a:bodyPr/>
-          <a:lstStyle/>
-          <a:p/>
+          <a:p>
+            <a:endParaRPr/>
+          </a:p>
         </p:txBody>
       </p:sp>
     </p:spTree>
@@ -4945,7 +6764,7 @@
 </file>
 
 <file path=ppt/slides/slide4.xml><?xml version="1.0" encoding="utf-8"?>
-<p:sld xmlns:a="http://schemas.openxmlformats.org/drawingml/2006/main" xmlns:p="http://schemas.openxmlformats.org/presentationml/2006/main" xmlns:r="http://schemas.openxmlformats.org/officeDocument/2006/relationships">
+<p:sld xmlns:a="http://schemas.openxmlformats.org/drawingml/2006/main" xmlns:r="http://schemas.openxmlformats.org/officeDocument/2006/relationships" xmlns:p="http://schemas.openxmlformats.org/presentationml/2006/main">
   <p:cSld>
     <p:spTree>
       <p:nvGrpSpPr>
@@ -4953,7 +6772,14 @@
         <p:cNvGrpSpPr/>
         <p:nvPr/>
       </p:nvGrpSpPr>
-      <p:grpSpPr/>
+      <p:grpSpPr>
+        <a:xfrm>
+          <a:off x="0" y="0"/>
+          <a:ext cx="0" cy="0"/>
+          <a:chOff x="0" y="0"/>
+          <a:chExt cx="0" cy="0"/>
+        </a:xfrm>
+      </p:grpSpPr>
       <p:sp>
         <p:nvSpPr>
           <p:cNvPr id="2" name="Title 1"/>
@@ -4987,49 +6813,342 @@
         </p:nvSpPr>
         <p:spPr/>
         <p:txBody>
-          <a:bodyPr/>
+          <a:bodyPr>
+            <a:normAutofit/>
+          </a:bodyPr>
           <a:lstStyle/>
           <a:p>
             <a:r>
-              <a:t>O aprendizado supervisionado é uma das técnicas mais utilizadas em Machine Learning.</a:t>
-            </a:r>
-          </a:p>
-          <a:p>
-            <a:r>
-              <a:t>Segundo Medeiros (2018), o princípio básico é oferecer ao algoritmo exemplos rotulados, ou seja, dados de entrada acompanhados da saída correta, para que ele aprenda uma relação matemática ou estatística entre eles.</a:t>
-            </a:r>
-          </a:p>
-          <a:p>
-            <a:r>
-              <a:t>Depois do treinamento, o modelo é capaz de generalizar e prever resultados para novos dados, mesmo que nunca os tenha visto antes.</a:t>
-            </a:r>
-          </a:p>
-          <a:p/>
-          <a:p>
-            <a:r>
-              <a:t>Exemplo prático (varejo):</a:t>
-            </a:r>
-          </a:p>
-          <a:p/>
-          <a:p>
-            <a:r>
-              <a:t>Entrada (X): idade do cliente, frequência de compras, ticket médio, número de visitas ao site.</a:t>
-            </a:r>
-          </a:p>
-          <a:p>
-            <a:r>
-              <a:t>Saída (y): variável binária vaicomprar30d (0 = não compra, 1 = compra).</a:t>
-            </a:r>
-          </a:p>
-          <a:p>
-            <a:r>
-              <a:t>O modelo aprende os padrões no histórico e tenta prever se um novo cliente, com base em seu perfil, comprará ou não.</a:t>
-            </a:r>
-          </a:p>
-          <a:p/>
-          <a:p>
-            <a:r>
-              <a:t>Segundo Valdati (2020), essa técnica é considerada “supervisionada” porque o processo de treinamento é acompanhado por um supervisor (o rótulo correto), que guia o aprendizado.</a:t>
+              <a:rPr dirty="0"/>
+              <a:t>O </a:t>
+            </a:r>
+            <a:r>
+              <a:rPr dirty="0" err="1"/>
+              <a:t>aprendizado</a:t>
+            </a:r>
+            <a:r>
+              <a:rPr dirty="0"/>
+              <a:t> </a:t>
+            </a:r>
+            <a:r>
+              <a:rPr dirty="0" err="1"/>
+              <a:t>supervisionado</a:t>
+            </a:r>
+            <a:r>
+              <a:rPr dirty="0"/>
+              <a:t> é </a:t>
+            </a:r>
+            <a:r>
+              <a:rPr dirty="0" err="1"/>
+              <a:t>uma</a:t>
+            </a:r>
+            <a:r>
+              <a:rPr dirty="0"/>
+              <a:t> das </a:t>
+            </a:r>
+            <a:r>
+              <a:rPr dirty="0" err="1"/>
+              <a:t>técnicas</a:t>
+            </a:r>
+            <a:r>
+              <a:rPr dirty="0"/>
+              <a:t> </a:t>
+            </a:r>
+            <a:r>
+              <a:rPr dirty="0" err="1"/>
+              <a:t>mais</a:t>
+            </a:r>
+            <a:r>
+              <a:rPr dirty="0"/>
+              <a:t> </a:t>
+            </a:r>
+            <a:r>
+              <a:rPr dirty="0" err="1"/>
+              <a:t>utilizadas</a:t>
+            </a:r>
+            <a:r>
+              <a:rPr dirty="0"/>
+              <a:t> </a:t>
+            </a:r>
+            <a:r>
+              <a:rPr dirty="0" err="1"/>
+              <a:t>em</a:t>
+            </a:r>
+            <a:r>
+              <a:rPr dirty="0"/>
+              <a:t> Machine Learning.</a:t>
+            </a:r>
+          </a:p>
+          <a:p>
+            <a:r>
+              <a:rPr dirty="0"/>
+              <a:t>Segundo Medeiros (2018), o </a:t>
+            </a:r>
+            <a:r>
+              <a:rPr dirty="0" err="1"/>
+              <a:t>princípio</a:t>
+            </a:r>
+            <a:r>
+              <a:rPr dirty="0"/>
+              <a:t> </a:t>
+            </a:r>
+            <a:r>
+              <a:rPr dirty="0" err="1"/>
+              <a:t>básico</a:t>
+            </a:r>
+            <a:r>
+              <a:rPr dirty="0"/>
+              <a:t> é </a:t>
+            </a:r>
+            <a:r>
+              <a:rPr dirty="0" err="1"/>
+              <a:t>oferecer</a:t>
+            </a:r>
+            <a:r>
+              <a:rPr dirty="0"/>
+              <a:t> </a:t>
+            </a:r>
+            <a:r>
+              <a:rPr dirty="0" err="1"/>
+              <a:t>ao</a:t>
+            </a:r>
+            <a:r>
+              <a:rPr dirty="0"/>
+              <a:t> </a:t>
+            </a:r>
+            <a:r>
+              <a:rPr dirty="0" err="1"/>
+              <a:t>algoritmo</a:t>
+            </a:r>
+            <a:r>
+              <a:rPr dirty="0"/>
+              <a:t> </a:t>
+            </a:r>
+            <a:r>
+              <a:rPr dirty="0" err="1"/>
+              <a:t>exemplos</a:t>
+            </a:r>
+            <a:r>
+              <a:rPr dirty="0"/>
+              <a:t> </a:t>
+            </a:r>
+            <a:r>
+              <a:rPr dirty="0" err="1"/>
+              <a:t>rotulados</a:t>
+            </a:r>
+            <a:r>
+              <a:rPr dirty="0"/>
+              <a:t>, </a:t>
+            </a:r>
+            <a:r>
+              <a:rPr dirty="0" err="1"/>
+              <a:t>ou</a:t>
+            </a:r>
+            <a:r>
+              <a:rPr dirty="0"/>
+              <a:t> </a:t>
+            </a:r>
+            <a:r>
+              <a:rPr dirty="0" err="1"/>
+              <a:t>seja</a:t>
+            </a:r>
+            <a:r>
+              <a:rPr dirty="0"/>
+              <a:t>, dados de entrada </a:t>
+            </a:r>
+            <a:r>
+              <a:rPr dirty="0" err="1"/>
+              <a:t>acompanhados</a:t>
+            </a:r>
+            <a:r>
+              <a:rPr dirty="0"/>
+              <a:t> da </a:t>
+            </a:r>
+            <a:r>
+              <a:rPr dirty="0" err="1"/>
+              <a:t>saída</a:t>
+            </a:r>
+            <a:r>
+              <a:rPr dirty="0"/>
+              <a:t> </a:t>
+            </a:r>
+            <a:r>
+              <a:rPr dirty="0" err="1"/>
+              <a:t>correta</a:t>
+            </a:r>
+            <a:r>
+              <a:rPr dirty="0"/>
+              <a:t>, para que </a:t>
+            </a:r>
+            <a:r>
+              <a:rPr dirty="0" err="1"/>
+              <a:t>ele</a:t>
+            </a:r>
+            <a:r>
+              <a:rPr dirty="0"/>
+              <a:t> </a:t>
+            </a:r>
+            <a:r>
+              <a:rPr dirty="0" err="1"/>
+              <a:t>aprenda</a:t>
+            </a:r>
+            <a:r>
+              <a:rPr dirty="0"/>
+              <a:t> </a:t>
+            </a:r>
+            <a:r>
+              <a:rPr dirty="0" err="1"/>
+              <a:t>uma</a:t>
+            </a:r>
+            <a:r>
+              <a:rPr dirty="0"/>
+              <a:t> </a:t>
+            </a:r>
+            <a:r>
+              <a:rPr dirty="0" err="1"/>
+              <a:t>relação</a:t>
+            </a:r>
+            <a:r>
+              <a:rPr dirty="0"/>
+              <a:t> </a:t>
+            </a:r>
+            <a:r>
+              <a:rPr dirty="0" err="1"/>
+              <a:t>matemática</a:t>
+            </a:r>
+            <a:r>
+              <a:rPr dirty="0"/>
+              <a:t> </a:t>
+            </a:r>
+            <a:r>
+              <a:rPr dirty="0" err="1"/>
+              <a:t>ou</a:t>
+            </a:r>
+            <a:r>
+              <a:rPr dirty="0"/>
+              <a:t> </a:t>
+            </a:r>
+            <a:r>
+              <a:rPr dirty="0" err="1"/>
+              <a:t>estatística</a:t>
+            </a:r>
+            <a:r>
+              <a:rPr dirty="0"/>
+              <a:t> entre </a:t>
+            </a:r>
+            <a:r>
+              <a:rPr dirty="0" err="1"/>
+              <a:t>eles</a:t>
+            </a:r>
+            <a:r>
+              <a:rPr dirty="0"/>
+              <a:t>.</a:t>
+            </a:r>
+          </a:p>
+          <a:p>
+            <a:r>
+              <a:rPr dirty="0" err="1"/>
+              <a:t>Depois</a:t>
+            </a:r>
+            <a:r>
+              <a:rPr dirty="0"/>
+              <a:t> do </a:t>
+            </a:r>
+            <a:r>
+              <a:rPr dirty="0" err="1"/>
+              <a:t>treinamento</a:t>
+            </a:r>
+            <a:r>
+              <a:rPr dirty="0"/>
+              <a:t>, o </a:t>
+            </a:r>
+            <a:r>
+              <a:rPr dirty="0" err="1"/>
+              <a:t>modelo</a:t>
+            </a:r>
+            <a:r>
+              <a:rPr dirty="0"/>
+              <a:t> é </a:t>
+            </a:r>
+            <a:r>
+              <a:rPr dirty="0" err="1"/>
+              <a:t>capaz</a:t>
+            </a:r>
+            <a:r>
+              <a:rPr dirty="0"/>
+              <a:t> de </a:t>
+            </a:r>
+            <a:r>
+              <a:rPr dirty="0" err="1"/>
+              <a:t>generalizar</a:t>
+            </a:r>
+            <a:r>
+              <a:rPr dirty="0"/>
+              <a:t> e </a:t>
+            </a:r>
+            <a:r>
+              <a:rPr dirty="0" err="1"/>
+              <a:t>prever</a:t>
+            </a:r>
+            <a:r>
+              <a:rPr dirty="0"/>
+              <a:t> </a:t>
+            </a:r>
+            <a:r>
+              <a:rPr dirty="0" err="1"/>
+              <a:t>resultados</a:t>
+            </a:r>
+            <a:r>
+              <a:rPr dirty="0"/>
+              <a:t> para </a:t>
+            </a:r>
+            <a:r>
+              <a:rPr dirty="0" err="1"/>
+              <a:t>no</a:t>
+            </a:r>
+            <a:r>
+              <a:rPr lang="en-US" dirty="0" err="1"/>
+              <a:t>v</a:t>
+            </a:r>
+            <a:r>
+              <a:rPr dirty="0" err="1"/>
+              <a:t>os</a:t>
+            </a:r>
+            <a:r>
+              <a:rPr dirty="0"/>
+              <a:t> dados, </a:t>
+            </a:r>
+            <a:r>
+              <a:rPr dirty="0" err="1"/>
+              <a:t>mesmo</a:t>
+            </a:r>
+            <a:r>
+              <a:rPr dirty="0"/>
+              <a:t> que </a:t>
+            </a:r>
+            <a:r>
+              <a:rPr dirty="0" err="1"/>
+              <a:t>nunca</a:t>
+            </a:r>
+            <a:r>
+              <a:rPr dirty="0"/>
+              <a:t> </a:t>
+            </a:r>
+            <a:r>
+              <a:rPr dirty="0" err="1"/>
+              <a:t>os</a:t>
+            </a:r>
+            <a:r>
+              <a:rPr dirty="0"/>
+              <a:t> </a:t>
+            </a:r>
+            <a:r>
+              <a:rPr dirty="0" err="1"/>
+              <a:t>tenha</a:t>
+            </a:r>
+            <a:r>
+              <a:rPr dirty="0"/>
+              <a:t> visto antes.</a:t>
             </a:r>
           </a:p>
         </p:txBody>
@@ -5043,18 +7162,37 @@
 </file>
 
 <file path=ppt/slides/slide5.xml><?xml version="1.0" encoding="utf-8"?>
-<p:sld xmlns:a="http://schemas.openxmlformats.org/drawingml/2006/main" xmlns:p="http://schemas.openxmlformats.org/presentationml/2006/main" xmlns:r="http://schemas.openxmlformats.org/officeDocument/2006/relationships">
+<p:sld xmlns:a="http://schemas.openxmlformats.org/drawingml/2006/main" xmlns:r="http://schemas.openxmlformats.org/officeDocument/2006/relationships" xmlns:p="http://schemas.openxmlformats.org/presentationml/2006/main">
   <p:cSld>
     <p:spTree>
       <p:nvGrpSpPr>
-        <p:cNvPr id="1" name=""/>
+        <p:cNvPr id="1" name="">
+          <a:extLst>
+            <a:ext uri="{FF2B5EF4-FFF2-40B4-BE49-F238E27FC236}">
+              <a16:creationId xmlns:a16="http://schemas.microsoft.com/office/drawing/2014/main" id="{786F1090-6BAE-0593-B412-78299A7A5CC6}"/>
+            </a:ext>
+          </a:extLst>
+        </p:cNvPr>
         <p:cNvGrpSpPr/>
         <p:nvPr/>
       </p:nvGrpSpPr>
-      <p:grpSpPr/>
-      <p:sp>
-        <p:nvSpPr>
-          <p:cNvPr id="2" name="Title 1"/>
+      <p:grpSpPr>
+        <a:xfrm>
+          <a:off x="0" y="0"/>
+          <a:ext cx="0" cy="0"/>
+          <a:chOff x="0" y="0"/>
+          <a:chExt cx="0" cy="0"/>
+        </a:xfrm>
+      </p:grpSpPr>
+      <p:sp>
+        <p:nvSpPr>
+          <p:cNvPr id="2" name="Title 1">
+            <a:extLst>
+              <a:ext uri="{FF2B5EF4-FFF2-40B4-BE49-F238E27FC236}">
+                <a16:creationId xmlns:a16="http://schemas.microsoft.com/office/drawing/2014/main" id="{4C52B3BB-1195-03CB-2A4C-D37EA2CF0451}"/>
+              </a:ext>
+            </a:extLst>
+          </p:cNvPr>
           <p:cNvSpPr>
             <a:spLocks noGrp="1"/>
           </p:cNvSpPr>
@@ -5068,14 +7206,20 @@
           <a:lstStyle/>
           <a:p>
             <a:r>
-              <a:t>2.2 Diferença entre Regressão e Classificação</a:t>
+              <a:t>2.1 O que é aprendizado supervisionado?</a:t>
             </a:r>
           </a:p>
         </p:txBody>
       </p:sp>
       <p:sp>
         <p:nvSpPr>
-          <p:cNvPr id="3" name="Content Placeholder 2"/>
+          <p:cNvPr id="3" name="Content Placeholder 2">
+            <a:extLst>
+              <a:ext uri="{FF2B5EF4-FFF2-40B4-BE49-F238E27FC236}">
+                <a16:creationId xmlns:a16="http://schemas.microsoft.com/office/drawing/2014/main" id="{4E05F4AF-3D77-4492-3350-F3982792AF9D}"/>
+              </a:ext>
+            </a:extLst>
+          </p:cNvPr>
           <p:cNvSpPr>
             <a:spLocks noGrp="1"/>
           </p:cNvSpPr>
@@ -5085,109 +7229,375 @@
         </p:nvSpPr>
         <p:spPr/>
         <p:txBody>
-          <a:bodyPr/>
+          <a:bodyPr>
+            <a:normAutofit/>
+          </a:bodyPr>
           <a:lstStyle/>
           <a:p>
             <a:r>
-              <a:t>No aprendizado supervisionado existem duas tarefas principais: regressão e classificação.</a:t>
-            </a:r>
-          </a:p>
-          <a:p/>
-          <a:p>
-            <a:r>
-              <a:t>Regressão (saída numérica contínua):</a:t>
-            </a:r>
-          </a:p>
-          <a:p>
-            <a:r>
-              <a:t>O objetivo é prever valores quantitativos.</a:t>
-            </a:r>
-          </a:p>
-          <a:p/>
-          <a:p>
-            <a:r>
-              <a:t>Exemplo no varejo: prever quanto um cliente irá gastar no próximo mês com base em seu histórico.</a:t>
-            </a:r>
-          </a:p>
-          <a:p>
-            <a:r>
-              <a:t>Exemplo simples:</a:t>
-            </a:r>
-          </a:p>
-          <a:p/>
-          <a:p>
-            <a:r>
-              <a:t>Cliente A comprou R\$ 500 nos últimos 12 meses → previsão = R\$ 60 no próximo mês.</a:t>
-            </a:r>
-          </a:p>
-          <a:p>
-            <a:r>
-              <a:t>Cliente B comprou R\$ 3.000 nos últimos 12 meses → previsão = R\$ 350 no próximo mês.</a:t>
-            </a:r>
-          </a:p>
-          <a:p/>
-          <a:p>
-            <a:r>
-              <a:t>Classificação (saída categórica):</a:t>
-            </a:r>
-          </a:p>
-          <a:p>
-            <a:r>
-              <a:t>O objetivo é prever categorias ou rótulos.</a:t>
-            </a:r>
-          </a:p>
-          <a:p/>
-          <a:p>
-            <a:r>
-              <a:t>Exemplo no varejo: prever se um cliente vai comprar (1) ou não vai comprar (0).</a:t>
-            </a:r>
-          </a:p>
-          <a:p>
-            <a:r>
-              <a:t>Exemplo simples:</a:t>
-            </a:r>
-          </a:p>
-          <a:p/>
-          <a:p>
-            <a:r>
-              <a:t>Cliente C: frequência de 12 compras/ano, ticket médio alto, usa cupons → modelo prevê classe = “vai comprar”.</a:t>
-            </a:r>
-          </a:p>
-          <a:p>
-            <a:r>
-              <a:t>Cliente D: poucas compras, ticket baixo, não abre e-mails → modelo prevê classe = “não vai comprar”.</a:t>
-            </a:r>
-          </a:p>
-          <a:p/>
-          <a:p>
-            <a:r>
-              <a:t>Resumo comparativo:</a:t>
-            </a:r>
-          </a:p>
-          <a:p/>
-          <a:p>
-            <a:r>
-              <a:t>| Tipo          | Saída             | Exemplo no Varejo               |</a:t>
-            </a:r>
-          </a:p>
-          <a:p>
-            <a:r>
-              <a:t>| ------------- | ----------------- | ------------------------------- |</a:t>
-            </a:r>
-          </a:p>
-          <a:p>
-            <a:r>
-              <a:t>| Regressão     | Numérica contínua | Valor previsto de compras (R\$) |</a:t>
-            </a:r>
-          </a:p>
-          <a:p>
-            <a:r>
-              <a:t>| Classificação | Categórica        | Vai comprar (Sim/Não)           |</a:t>
+              <a:rPr lang="pt-BR" dirty="0"/>
+              <a:t>Exemplo prático (varejo):</a:t>
+            </a:r>
+          </a:p>
+          <a:p>
+            <a:pPr lvl="1"/>
+            <a:r>
+              <a:rPr dirty="0"/>
+              <a:t>Entrada (X): </a:t>
+            </a:r>
+            <a:r>
+              <a:rPr dirty="0" err="1"/>
+              <a:t>idade</a:t>
+            </a:r>
+            <a:r>
+              <a:rPr dirty="0"/>
+              <a:t> do </a:t>
+            </a:r>
+            <a:r>
+              <a:rPr dirty="0" err="1"/>
+              <a:t>cliente</a:t>
+            </a:r>
+            <a:r>
+              <a:rPr dirty="0"/>
+              <a:t>, </a:t>
+            </a:r>
+            <a:r>
+              <a:rPr dirty="0" err="1"/>
+              <a:t>frequência</a:t>
+            </a:r>
+            <a:r>
+              <a:rPr dirty="0"/>
+              <a:t> de </a:t>
+            </a:r>
+            <a:r>
+              <a:rPr dirty="0" err="1"/>
+              <a:t>compras</a:t>
+            </a:r>
+            <a:r>
+              <a:rPr dirty="0"/>
+              <a:t>, ticket </a:t>
+            </a:r>
+            <a:r>
+              <a:rPr dirty="0" err="1"/>
+              <a:t>médio</a:t>
+            </a:r>
+            <a:r>
+              <a:rPr dirty="0"/>
+              <a:t>, </a:t>
+            </a:r>
+            <a:r>
+              <a:rPr dirty="0" err="1"/>
+              <a:t>número</a:t>
+            </a:r>
+            <a:r>
+              <a:rPr dirty="0"/>
+              <a:t> de </a:t>
+            </a:r>
+            <a:r>
+              <a:rPr dirty="0" err="1"/>
+              <a:t>visitas</a:t>
+            </a:r>
+            <a:r>
+              <a:rPr dirty="0"/>
+              <a:t> </a:t>
+            </a:r>
+            <a:r>
+              <a:rPr dirty="0" err="1"/>
+              <a:t>ao</a:t>
+            </a:r>
+            <a:r>
+              <a:rPr dirty="0"/>
+              <a:t> site.</a:t>
+            </a:r>
+          </a:p>
+          <a:p>
+            <a:pPr lvl="1"/>
+            <a:r>
+              <a:rPr dirty="0" err="1"/>
+              <a:t>Saída</a:t>
+            </a:r>
+            <a:r>
+              <a:rPr dirty="0"/>
+              <a:t> (y): </a:t>
+            </a:r>
+            <a:r>
+              <a:rPr dirty="0" err="1"/>
+              <a:t>variável</a:t>
+            </a:r>
+            <a:r>
+              <a:rPr dirty="0"/>
+              <a:t> </a:t>
+            </a:r>
+            <a:r>
+              <a:rPr dirty="0" err="1"/>
+              <a:t>binária</a:t>
+            </a:r>
+            <a:r>
+              <a:rPr dirty="0"/>
+              <a:t> vaicomprar30d (0 = </a:t>
+            </a:r>
+            <a:r>
+              <a:rPr dirty="0" err="1"/>
+              <a:t>não</a:t>
+            </a:r>
+            <a:r>
+              <a:rPr dirty="0"/>
+              <a:t> </a:t>
+            </a:r>
+            <a:r>
+              <a:rPr dirty="0" err="1"/>
+              <a:t>compra</a:t>
+            </a:r>
+            <a:r>
+              <a:rPr dirty="0"/>
+              <a:t>, 1 = </a:t>
+            </a:r>
+            <a:r>
+              <a:rPr dirty="0" err="1"/>
+              <a:t>compra</a:t>
+            </a:r>
+            <a:r>
+              <a:rPr dirty="0"/>
+              <a:t>).</a:t>
+            </a:r>
+          </a:p>
+          <a:p>
+            <a:pPr lvl="1"/>
+            <a:r>
+              <a:rPr dirty="0"/>
+              <a:t>O </a:t>
+            </a:r>
+            <a:r>
+              <a:rPr dirty="0" err="1"/>
+              <a:t>modelo</a:t>
+            </a:r>
+            <a:r>
+              <a:rPr dirty="0"/>
+              <a:t> </a:t>
+            </a:r>
+            <a:r>
+              <a:rPr dirty="0" err="1"/>
+              <a:t>aprende</a:t>
+            </a:r>
+            <a:r>
+              <a:rPr dirty="0"/>
+              <a:t> </a:t>
+            </a:r>
+            <a:r>
+              <a:rPr dirty="0" err="1"/>
+              <a:t>os</a:t>
+            </a:r>
+            <a:r>
+              <a:rPr dirty="0"/>
+              <a:t> </a:t>
+            </a:r>
+            <a:r>
+              <a:rPr dirty="0" err="1"/>
+              <a:t>padrões</a:t>
+            </a:r>
+            <a:r>
+              <a:rPr dirty="0"/>
+              <a:t> no histórico e </a:t>
+            </a:r>
+            <a:r>
+              <a:rPr dirty="0" err="1"/>
+              <a:t>tenta</a:t>
+            </a:r>
+            <a:r>
+              <a:rPr dirty="0"/>
+              <a:t> </a:t>
+            </a:r>
+            <a:r>
+              <a:rPr dirty="0" err="1"/>
+              <a:t>prever</a:t>
+            </a:r>
+            <a:r>
+              <a:rPr dirty="0"/>
+              <a:t> se um novo </a:t>
+            </a:r>
+            <a:r>
+              <a:rPr dirty="0" err="1"/>
+              <a:t>cliente</a:t>
+            </a:r>
+            <a:r>
+              <a:rPr dirty="0"/>
+              <a:t>, com base </a:t>
+            </a:r>
+            <a:r>
+              <a:rPr dirty="0" err="1"/>
+              <a:t>em</a:t>
+            </a:r>
+            <a:r>
+              <a:rPr dirty="0"/>
+              <a:t> </a:t>
+            </a:r>
+            <a:r>
+              <a:rPr dirty="0" err="1"/>
+              <a:t>seu</a:t>
+            </a:r>
+            <a:r>
+              <a:rPr dirty="0"/>
+              <a:t> </a:t>
+            </a:r>
+            <a:r>
+              <a:rPr dirty="0" err="1"/>
+              <a:t>perfil</a:t>
+            </a:r>
+            <a:r>
+              <a:rPr dirty="0"/>
+              <a:t>, </a:t>
+            </a:r>
+            <a:r>
+              <a:rPr dirty="0" err="1"/>
+              <a:t>comprará</a:t>
+            </a:r>
+            <a:r>
+              <a:rPr dirty="0"/>
+              <a:t> </a:t>
+            </a:r>
+            <a:r>
+              <a:rPr dirty="0" err="1"/>
+              <a:t>ou</a:t>
+            </a:r>
+            <a:r>
+              <a:rPr dirty="0"/>
+              <a:t> </a:t>
+            </a:r>
+            <a:r>
+              <a:rPr dirty="0" err="1"/>
+              <a:t>não</a:t>
+            </a:r>
+            <a:r>
+              <a:rPr dirty="0"/>
+              <a:t>.</a:t>
+            </a:r>
+          </a:p>
+          <a:p>
+            <a:r>
+              <a:rPr dirty="0"/>
+              <a:t>Segundo </a:t>
+            </a:r>
+            <a:r>
+              <a:rPr dirty="0" err="1"/>
+              <a:t>Valdati</a:t>
+            </a:r>
+            <a:r>
+              <a:rPr dirty="0"/>
+              <a:t> (2020), </a:t>
+            </a:r>
+            <a:r>
+              <a:rPr dirty="0" err="1"/>
+              <a:t>essa</a:t>
+            </a:r>
+            <a:r>
+              <a:rPr dirty="0"/>
+              <a:t> </a:t>
+            </a:r>
+            <a:r>
+              <a:rPr dirty="0" err="1"/>
+              <a:t>técnica</a:t>
+            </a:r>
+            <a:r>
+              <a:rPr dirty="0"/>
+              <a:t> é </a:t>
+            </a:r>
+            <a:r>
+              <a:rPr dirty="0" err="1"/>
+              <a:t>considerada</a:t>
+            </a:r>
+            <a:r>
+              <a:rPr dirty="0"/>
+              <a:t> “</a:t>
+            </a:r>
+            <a:r>
+              <a:rPr dirty="0" err="1"/>
+              <a:t>supervisionada</a:t>
+            </a:r>
+            <a:r>
+              <a:rPr dirty="0"/>
+              <a:t>” </a:t>
+            </a:r>
+            <a:r>
+              <a:rPr dirty="0" err="1"/>
+              <a:t>porque</a:t>
+            </a:r>
+            <a:r>
+              <a:rPr dirty="0"/>
+              <a:t> o </a:t>
+            </a:r>
+            <a:r>
+              <a:rPr dirty="0" err="1"/>
+              <a:t>processo</a:t>
+            </a:r>
+            <a:r>
+              <a:rPr dirty="0"/>
+              <a:t> de </a:t>
+            </a:r>
+            <a:r>
+              <a:rPr dirty="0" err="1"/>
+              <a:t>treinamento</a:t>
+            </a:r>
+            <a:r>
+              <a:rPr dirty="0"/>
+              <a:t> é </a:t>
+            </a:r>
+            <a:r>
+              <a:rPr dirty="0" err="1"/>
+              <a:t>acompanhado</a:t>
+            </a:r>
+            <a:r>
+              <a:rPr dirty="0"/>
+              <a:t> </a:t>
+            </a:r>
+            <a:r>
+              <a:rPr dirty="0" err="1"/>
+              <a:t>por</a:t>
+            </a:r>
+            <a:r>
+              <a:rPr dirty="0"/>
+              <a:t> um supervisor (o </a:t>
+            </a:r>
+            <a:r>
+              <a:rPr dirty="0" err="1"/>
+              <a:t>rótulo</a:t>
+            </a:r>
+            <a:r>
+              <a:rPr dirty="0"/>
+              <a:t> </a:t>
+            </a:r>
+            <a:r>
+              <a:rPr dirty="0" err="1"/>
+              <a:t>correto</a:t>
+            </a:r>
+            <a:r>
+              <a:rPr dirty="0"/>
+              <a:t>), que </a:t>
+            </a:r>
+            <a:r>
+              <a:rPr dirty="0" err="1"/>
+              <a:t>guia</a:t>
+            </a:r>
+            <a:r>
+              <a:rPr dirty="0"/>
+              <a:t> o </a:t>
+            </a:r>
+            <a:r>
+              <a:rPr dirty="0" err="1"/>
+              <a:t>aprendizado</a:t>
+            </a:r>
+            <a:r>
+              <a:rPr dirty="0"/>
+              <a:t>.</a:t>
             </a:r>
           </a:p>
         </p:txBody>
       </p:sp>
     </p:spTree>
+    <p:extLst>
+      <p:ext uri="{BB962C8B-B14F-4D97-AF65-F5344CB8AC3E}">
+        <p14:creationId xmlns:p14="http://schemas.microsoft.com/office/powerpoint/2010/main" val="1758156885"/>
+      </p:ext>
+    </p:extLst>
   </p:cSld>
   <p:clrMapOvr>
     <a:masterClrMapping/>
@@ -5196,18 +7606,37 @@
 </file>
 
 <file path=ppt/slides/slide6.xml><?xml version="1.0" encoding="utf-8"?>
-<p:sld xmlns:a="http://schemas.openxmlformats.org/drawingml/2006/main" xmlns:p="http://schemas.openxmlformats.org/presentationml/2006/main" xmlns:r="http://schemas.openxmlformats.org/officeDocument/2006/relationships">
+<p:sld xmlns:a="http://schemas.openxmlformats.org/drawingml/2006/main" xmlns:r="http://schemas.openxmlformats.org/officeDocument/2006/relationships" xmlns:p="http://schemas.openxmlformats.org/presentationml/2006/main">
   <p:cSld>
     <p:spTree>
       <p:nvGrpSpPr>
-        <p:cNvPr id="1" name=""/>
+        <p:cNvPr id="1" name="">
+          <a:extLst>
+            <a:ext uri="{FF2B5EF4-FFF2-40B4-BE49-F238E27FC236}">
+              <a16:creationId xmlns:a16="http://schemas.microsoft.com/office/drawing/2014/main" id="{CF8DEA9C-AB1C-6C43-5F3E-D8D8327D174D}"/>
+            </a:ext>
+          </a:extLst>
+        </p:cNvPr>
         <p:cNvGrpSpPr/>
         <p:nvPr/>
       </p:nvGrpSpPr>
-      <p:grpSpPr/>
-      <p:sp>
-        <p:nvSpPr>
-          <p:cNvPr id="2" name="Title 1"/>
+      <p:grpSpPr>
+        <a:xfrm>
+          <a:off x="0" y="0"/>
+          <a:ext cx="0" cy="0"/>
+          <a:chOff x="0" y="0"/>
+          <a:chExt cx="0" cy="0"/>
+        </a:xfrm>
+      </p:grpSpPr>
+      <p:sp>
+        <p:nvSpPr>
+          <p:cNvPr id="2" name="Title 1">
+            <a:extLst>
+              <a:ext uri="{FF2B5EF4-FFF2-40B4-BE49-F238E27FC236}">
+                <a16:creationId xmlns:a16="http://schemas.microsoft.com/office/drawing/2014/main" id="{238AA691-6F5C-E794-DEAE-28752F97D500}"/>
+              </a:ext>
+            </a:extLst>
+          </p:cNvPr>
           <p:cNvSpPr>
             <a:spLocks noGrp="1"/>
           </p:cNvSpPr>
@@ -5221,14 +7650,20 @@
           <a:lstStyle/>
           <a:p>
             <a:r>
-              <a:t>2.3 Algoritmos principais para esta aula</a:t>
+              <a:t>2.2 Diferença entre Regressão e Classificação</a:t>
             </a:r>
           </a:p>
         </p:txBody>
       </p:sp>
       <p:sp>
         <p:nvSpPr>
-          <p:cNvPr id="3" name="Content Placeholder 2"/>
+          <p:cNvPr id="3" name="Content Placeholder 2">
+            <a:extLst>
+              <a:ext uri="{FF2B5EF4-FFF2-40B4-BE49-F238E27FC236}">
+                <a16:creationId xmlns:a16="http://schemas.microsoft.com/office/drawing/2014/main" id="{CBEEDB51-F642-F8E3-746A-06781D1F335E}"/>
+              </a:ext>
+            </a:extLst>
+          </p:cNvPr>
           <p:cNvSpPr>
             <a:spLocks noGrp="1"/>
           </p:cNvSpPr>
@@ -5238,16 +7673,344 @@
         </p:nvSpPr>
         <p:spPr/>
         <p:txBody>
-          <a:bodyPr/>
+          <a:bodyPr>
+            <a:normAutofit/>
+          </a:bodyPr>
           <a:lstStyle/>
           <a:p>
             <a:r>
-              <a:t>Nesta aula vamos trabalhar com dois algoritmos básicos, mas que são a base para muitos projetos reais em ciência de dados.</a:t>
+              <a:rPr dirty="0" err="1"/>
+              <a:t>Regressão</a:t>
+            </a:r>
+            <a:r>
+              <a:rPr dirty="0"/>
+              <a:t> (</a:t>
+            </a:r>
+            <a:r>
+              <a:rPr dirty="0" err="1"/>
+              <a:t>saída</a:t>
+            </a:r>
+            <a:r>
+              <a:rPr dirty="0"/>
+              <a:t> </a:t>
+            </a:r>
+            <a:r>
+              <a:rPr dirty="0" err="1"/>
+              <a:t>numérica</a:t>
+            </a:r>
+            <a:r>
+              <a:rPr dirty="0"/>
+              <a:t> </a:t>
+            </a:r>
+            <a:r>
+              <a:rPr dirty="0" err="1"/>
+              <a:t>contínua</a:t>
+            </a:r>
+            <a:r>
+              <a:rPr dirty="0"/>
+              <a:t>):</a:t>
+            </a:r>
+          </a:p>
+          <a:p>
+            <a:r>
+              <a:rPr dirty="0"/>
+              <a:t>O </a:t>
+            </a:r>
+            <a:r>
+              <a:rPr dirty="0" err="1"/>
+              <a:t>objetivo</a:t>
+            </a:r>
+            <a:r>
+              <a:rPr dirty="0"/>
+              <a:t> é </a:t>
+            </a:r>
+            <a:r>
+              <a:rPr dirty="0" err="1"/>
+              <a:t>prever</a:t>
+            </a:r>
+            <a:r>
+              <a:rPr dirty="0"/>
+              <a:t> </a:t>
+            </a:r>
+            <a:r>
+              <a:rPr dirty="0" err="1"/>
+              <a:t>valores</a:t>
+            </a:r>
+            <a:r>
+              <a:rPr dirty="0"/>
+              <a:t> </a:t>
+            </a:r>
+            <a:r>
+              <a:rPr dirty="0" err="1"/>
+              <a:t>quantitativos</a:t>
+            </a:r>
+            <a:r>
+              <a:rPr dirty="0"/>
+              <a:t>.</a:t>
+            </a:r>
+            <a:endParaRPr lang="en-US" dirty="0"/>
+          </a:p>
+          <a:p>
+            <a:endParaRPr dirty="0"/>
+          </a:p>
+          <a:p>
+            <a:r>
+              <a:rPr dirty="0" err="1"/>
+              <a:t>Exemplo</a:t>
+            </a:r>
+            <a:r>
+              <a:rPr dirty="0"/>
+              <a:t> no </a:t>
+            </a:r>
+            <a:r>
+              <a:rPr dirty="0" err="1"/>
+              <a:t>varejo</a:t>
+            </a:r>
+            <a:r>
+              <a:rPr dirty="0"/>
+              <a:t>: </a:t>
+            </a:r>
+            <a:r>
+              <a:rPr dirty="0" err="1"/>
+              <a:t>prever</a:t>
+            </a:r>
+            <a:r>
+              <a:rPr dirty="0"/>
+              <a:t> </a:t>
+            </a:r>
+            <a:r>
+              <a:rPr dirty="0" err="1"/>
+              <a:t>quanto</a:t>
+            </a:r>
+            <a:r>
+              <a:rPr dirty="0"/>
+              <a:t> um </a:t>
+            </a:r>
+            <a:r>
+              <a:rPr dirty="0" err="1"/>
+              <a:t>cliente</a:t>
+            </a:r>
+            <a:r>
+              <a:rPr dirty="0"/>
+              <a:t> </a:t>
+            </a:r>
+            <a:r>
+              <a:rPr dirty="0" err="1"/>
+              <a:t>irá</a:t>
+            </a:r>
+            <a:r>
+              <a:rPr dirty="0"/>
+              <a:t> </a:t>
+            </a:r>
+            <a:r>
+              <a:rPr dirty="0" err="1"/>
+              <a:t>gastar</a:t>
+            </a:r>
+            <a:r>
+              <a:rPr dirty="0"/>
+              <a:t> no </a:t>
+            </a:r>
+            <a:r>
+              <a:rPr dirty="0" err="1"/>
+              <a:t>próximo</a:t>
+            </a:r>
+            <a:r>
+              <a:rPr dirty="0"/>
+              <a:t> </a:t>
+            </a:r>
+            <a:r>
+              <a:rPr dirty="0" err="1"/>
+              <a:t>mês</a:t>
+            </a:r>
+            <a:r>
+              <a:rPr dirty="0"/>
+              <a:t> com base </a:t>
+            </a:r>
+            <a:r>
+              <a:rPr dirty="0" err="1"/>
+              <a:t>em</a:t>
+            </a:r>
+            <a:r>
+              <a:rPr dirty="0"/>
+              <a:t> </a:t>
+            </a:r>
+            <a:r>
+              <a:rPr dirty="0" err="1"/>
+              <a:t>seu</a:t>
+            </a:r>
+            <a:r>
+              <a:rPr dirty="0"/>
+              <a:t> histórico.</a:t>
+            </a:r>
+          </a:p>
+          <a:p>
+            <a:r>
+              <a:rPr dirty="0" err="1"/>
+              <a:t>Exemplo</a:t>
+            </a:r>
+            <a:r>
+              <a:rPr dirty="0"/>
+              <a:t> simples:</a:t>
+            </a:r>
+          </a:p>
+          <a:p>
+            <a:pPr lvl="1"/>
+            <a:r>
+              <a:rPr dirty="0" err="1"/>
+              <a:t>Cliente</a:t>
+            </a:r>
+            <a:r>
+              <a:rPr dirty="0"/>
+              <a:t> A </a:t>
+            </a:r>
+            <a:r>
+              <a:rPr dirty="0" err="1"/>
+              <a:t>comprou</a:t>
+            </a:r>
+            <a:r>
+              <a:rPr dirty="0"/>
+              <a:t> </a:t>
+            </a:r>
+            <a:r>
+              <a:rPr lang="en-US" dirty="0"/>
+              <a:t>R$</a:t>
+            </a:r>
+            <a:r>
+              <a:rPr dirty="0"/>
+              <a:t> 500 </a:t>
+            </a:r>
+            <a:r>
+              <a:rPr dirty="0" err="1"/>
+              <a:t>nos</a:t>
+            </a:r>
+            <a:r>
+              <a:rPr dirty="0"/>
+              <a:t> </a:t>
+            </a:r>
+            <a:r>
+              <a:rPr dirty="0" err="1"/>
+              <a:t>últimos</a:t>
+            </a:r>
+            <a:r>
+              <a:rPr dirty="0"/>
+              <a:t> 12 meses → </a:t>
+            </a:r>
+            <a:r>
+              <a:rPr dirty="0" err="1"/>
+              <a:t>previsão</a:t>
+            </a:r>
+            <a:r>
+              <a:rPr dirty="0"/>
+              <a:t> = </a:t>
+            </a:r>
+            <a:r>
+              <a:rPr lang="en-US" dirty="0"/>
+              <a:t>R$</a:t>
+            </a:r>
+            <a:r>
+              <a:rPr dirty="0"/>
+              <a:t> 60 no </a:t>
+            </a:r>
+            <a:r>
+              <a:rPr dirty="0" err="1"/>
+              <a:t>próximo</a:t>
+            </a:r>
+            <a:r>
+              <a:rPr dirty="0"/>
+              <a:t> </a:t>
+            </a:r>
+            <a:r>
+              <a:rPr dirty="0" err="1"/>
+              <a:t>mês</a:t>
+            </a:r>
+            <a:r>
+              <a:rPr dirty="0"/>
+              <a:t>.</a:t>
+            </a:r>
+          </a:p>
+          <a:p>
+            <a:pPr lvl="1"/>
+            <a:r>
+              <a:rPr dirty="0" err="1"/>
+              <a:t>Cliente</a:t>
+            </a:r>
+            <a:r>
+              <a:rPr dirty="0"/>
+              <a:t> B </a:t>
+            </a:r>
+            <a:r>
+              <a:rPr dirty="0" err="1"/>
+              <a:t>comprou</a:t>
+            </a:r>
+            <a:r>
+              <a:rPr dirty="0"/>
+              <a:t> </a:t>
+            </a:r>
+            <a:r>
+              <a:rPr lang="en-US" dirty="0"/>
+              <a:t>R$</a:t>
+            </a:r>
+            <a:r>
+              <a:rPr dirty="0"/>
+              <a:t> 3.000 </a:t>
+            </a:r>
+            <a:r>
+              <a:rPr dirty="0" err="1"/>
+              <a:t>nos</a:t>
+            </a:r>
+            <a:r>
+              <a:rPr dirty="0"/>
+              <a:t> </a:t>
+            </a:r>
+            <a:r>
+              <a:rPr dirty="0" err="1"/>
+              <a:t>últimos</a:t>
+            </a:r>
+            <a:r>
+              <a:rPr dirty="0"/>
+              <a:t> 12 meses → </a:t>
+            </a:r>
+            <a:r>
+              <a:rPr dirty="0" err="1"/>
+              <a:t>previsão</a:t>
+            </a:r>
+            <a:r>
+              <a:rPr dirty="0"/>
+              <a:t> = </a:t>
+            </a:r>
+            <a:r>
+              <a:rPr lang="en-US" dirty="0"/>
+              <a:t>R$</a:t>
+            </a:r>
+            <a:r>
+              <a:rPr dirty="0"/>
+              <a:t> 350 no </a:t>
+            </a:r>
+            <a:r>
+              <a:rPr dirty="0" err="1"/>
+              <a:t>próximo</a:t>
+            </a:r>
+            <a:r>
+              <a:rPr dirty="0"/>
+              <a:t> </a:t>
+            </a:r>
+            <a:r>
+              <a:rPr dirty="0" err="1"/>
+              <a:t>mês</a:t>
+            </a:r>
+            <a:r>
+              <a:rPr dirty="0"/>
+              <a:t>.</a:t>
             </a:r>
           </a:p>
         </p:txBody>
       </p:sp>
     </p:spTree>
+    <p:extLst>
+      <p:ext uri="{BB962C8B-B14F-4D97-AF65-F5344CB8AC3E}">
+        <p14:creationId xmlns:p14="http://schemas.microsoft.com/office/powerpoint/2010/main" val="1227726965"/>
+      </p:ext>
+    </p:extLst>
   </p:cSld>
   <p:clrMapOvr>
     <a:masterClrMapping/>
@@ -5256,7 +8019,7 @@
 </file>
 
 <file path=ppt/slides/slide7.xml><?xml version="1.0" encoding="utf-8"?>
-<p:sld xmlns:a="http://schemas.openxmlformats.org/drawingml/2006/main" xmlns:p="http://schemas.openxmlformats.org/presentationml/2006/main" xmlns:r="http://schemas.openxmlformats.org/officeDocument/2006/relationships">
+<p:sld xmlns:a="http://schemas.openxmlformats.org/drawingml/2006/main" xmlns:r="http://schemas.openxmlformats.org/officeDocument/2006/relationships" xmlns:p="http://schemas.openxmlformats.org/presentationml/2006/main">
   <p:cSld>
     <p:spTree>
       <p:nvGrpSpPr>
@@ -5264,7 +8027,14 @@
         <p:cNvGrpSpPr/>
         <p:nvPr/>
       </p:nvGrpSpPr>
-      <p:grpSpPr/>
+      <p:grpSpPr>
+        <a:xfrm>
+          <a:off x="0" y="0"/>
+          <a:ext cx="0" cy="0"/>
+          <a:chOff x="0" y="0"/>
+          <a:chExt cx="0" cy="0"/>
+        </a:xfrm>
+      </p:grpSpPr>
       <p:sp>
         <p:nvSpPr>
           <p:cNvPr id="2" name="Title 1"/>
@@ -5281,7 +8051,7 @@
           <a:lstStyle/>
           <a:p>
             <a:r>
-              <a:t>a) Regressão Logística</a:t>
+              <a:t>2.2 Diferença entre Regressão e Classificação</a:t>
             </a:r>
           </a:p>
         </p:txBody>
@@ -5298,37 +8068,374 @@
         </p:nvSpPr>
         <p:spPr/>
         <p:txBody>
-          <a:bodyPr/>
+          <a:bodyPr>
+            <a:normAutofit/>
+          </a:bodyPr>
           <a:lstStyle/>
           <a:p>
             <a:r>
-              <a:t>Apesar do nome, é usada em classificação.</a:t>
-            </a:r>
-          </a:p>
-          <a:p>
-            <a:r>
-              <a:t>Gera como saída uma probabilidade (entre 0 e 1) de que o evento ocorra.</a:t>
-            </a:r>
-          </a:p>
-          <a:p>
-            <a:r>
-              <a:t>No caso do varejo:</a:t>
-            </a:r>
-          </a:p>
-          <a:p/>
-          <a:p>
-            <a:r>
-              <a:t>Cliente X → 0,82 → interpretamos como 82% de chance de comprar nos próximos 30 dias.</a:t>
-            </a:r>
-          </a:p>
-          <a:p>
-            <a:r>
-              <a:t>Cliente Y → 0,15 → apenas 15% de chance de comprar.</a:t>
-            </a:r>
-          </a:p>
-          <a:p>
-            <a:r>
-              <a:t>Vantagem: permite identificar quais variáveis mais influenciam o resultado (ex.: “uso de cupom aumenta a probabilidade de compra”).</a:t>
+              <a:rPr dirty="0" err="1"/>
+              <a:t>Classificação</a:t>
+            </a:r>
+            <a:r>
+              <a:rPr dirty="0"/>
+              <a:t> (</a:t>
+            </a:r>
+            <a:r>
+              <a:rPr dirty="0" err="1"/>
+              <a:t>saída</a:t>
+            </a:r>
+            <a:r>
+              <a:rPr dirty="0"/>
+              <a:t> </a:t>
+            </a:r>
+            <a:r>
+              <a:rPr dirty="0" err="1"/>
+              <a:t>categórica</a:t>
+            </a:r>
+            <a:r>
+              <a:rPr dirty="0"/>
+              <a:t>):</a:t>
+            </a:r>
+          </a:p>
+          <a:p>
+            <a:r>
+              <a:rPr dirty="0"/>
+              <a:t>O </a:t>
+            </a:r>
+            <a:r>
+              <a:rPr dirty="0" err="1"/>
+              <a:t>objetivo</a:t>
+            </a:r>
+            <a:r>
+              <a:rPr dirty="0"/>
+              <a:t> é </a:t>
+            </a:r>
+            <a:r>
+              <a:rPr dirty="0" err="1"/>
+              <a:t>prever</a:t>
+            </a:r>
+            <a:r>
+              <a:rPr dirty="0"/>
+              <a:t> </a:t>
+            </a:r>
+            <a:r>
+              <a:rPr dirty="0" err="1"/>
+              <a:t>categorias</a:t>
+            </a:r>
+            <a:r>
+              <a:rPr dirty="0"/>
+              <a:t> </a:t>
+            </a:r>
+            <a:r>
+              <a:rPr dirty="0" err="1"/>
+              <a:t>ou</a:t>
+            </a:r>
+            <a:r>
+              <a:rPr dirty="0"/>
+              <a:t> </a:t>
+            </a:r>
+            <a:r>
+              <a:rPr dirty="0" err="1"/>
+              <a:t>rótulos</a:t>
+            </a:r>
+            <a:r>
+              <a:rPr dirty="0"/>
+              <a:t>.</a:t>
+            </a:r>
+            <a:endParaRPr lang="en-US" dirty="0"/>
+          </a:p>
+          <a:p>
+            <a:endParaRPr dirty="0"/>
+          </a:p>
+          <a:p>
+            <a:r>
+              <a:rPr dirty="0" err="1"/>
+              <a:t>Exemplo</a:t>
+            </a:r>
+            <a:r>
+              <a:rPr dirty="0"/>
+              <a:t> no </a:t>
+            </a:r>
+            <a:r>
+              <a:rPr dirty="0" err="1"/>
+              <a:t>varejo</a:t>
+            </a:r>
+            <a:r>
+              <a:rPr dirty="0"/>
+              <a:t>: </a:t>
+            </a:r>
+            <a:r>
+              <a:rPr dirty="0" err="1"/>
+              <a:t>prever</a:t>
+            </a:r>
+            <a:r>
+              <a:rPr dirty="0"/>
+              <a:t> se um </a:t>
+            </a:r>
+            <a:r>
+              <a:rPr dirty="0" err="1"/>
+              <a:t>cliente</a:t>
+            </a:r>
+            <a:r>
+              <a:rPr dirty="0"/>
+              <a:t> </a:t>
+            </a:r>
+            <a:r>
+              <a:rPr dirty="0" err="1"/>
+              <a:t>vai</a:t>
+            </a:r>
+            <a:r>
+              <a:rPr dirty="0"/>
+              <a:t> </a:t>
+            </a:r>
+            <a:r>
+              <a:rPr dirty="0" err="1"/>
+              <a:t>comprar</a:t>
+            </a:r>
+            <a:r>
+              <a:rPr dirty="0"/>
+              <a:t> (1) </a:t>
+            </a:r>
+            <a:r>
+              <a:rPr dirty="0" err="1"/>
+              <a:t>ou</a:t>
+            </a:r>
+            <a:r>
+              <a:rPr dirty="0"/>
+              <a:t> </a:t>
+            </a:r>
+            <a:r>
+              <a:rPr dirty="0" err="1"/>
+              <a:t>não</a:t>
+            </a:r>
+            <a:r>
+              <a:rPr dirty="0"/>
+              <a:t> </a:t>
+            </a:r>
+            <a:r>
+              <a:rPr dirty="0" err="1"/>
+              <a:t>vai</a:t>
+            </a:r>
+            <a:r>
+              <a:rPr dirty="0"/>
+              <a:t> </a:t>
+            </a:r>
+            <a:r>
+              <a:rPr dirty="0" err="1"/>
+              <a:t>comprar</a:t>
+            </a:r>
+            <a:r>
+              <a:rPr dirty="0"/>
+              <a:t> (0).</a:t>
+            </a:r>
+          </a:p>
+          <a:p>
+            <a:r>
+              <a:rPr dirty="0" err="1"/>
+              <a:t>Exemplo</a:t>
+            </a:r>
+            <a:r>
+              <a:rPr dirty="0"/>
+              <a:t> simples:</a:t>
+            </a:r>
+          </a:p>
+          <a:p>
+            <a:pPr lvl="1"/>
+            <a:r>
+              <a:rPr dirty="0" err="1"/>
+              <a:t>Cliente</a:t>
+            </a:r>
+            <a:r>
+              <a:rPr dirty="0"/>
+              <a:t> C: </a:t>
+            </a:r>
+            <a:r>
+              <a:rPr dirty="0" err="1"/>
+              <a:t>frequência</a:t>
+            </a:r>
+            <a:r>
+              <a:rPr dirty="0"/>
+              <a:t> de 12 </a:t>
+            </a:r>
+            <a:r>
+              <a:rPr dirty="0" err="1"/>
+              <a:t>compras</a:t>
+            </a:r>
+            <a:r>
+              <a:rPr dirty="0"/>
+              <a:t>/</a:t>
+            </a:r>
+            <a:r>
+              <a:rPr dirty="0" err="1"/>
+              <a:t>ano</a:t>
+            </a:r>
+            <a:r>
+              <a:rPr dirty="0"/>
+              <a:t>, ticket </a:t>
+            </a:r>
+            <a:r>
+              <a:rPr dirty="0" err="1"/>
+              <a:t>médio</a:t>
+            </a:r>
+            <a:r>
+              <a:rPr dirty="0"/>
+              <a:t> alto, </a:t>
+            </a:r>
+            <a:r>
+              <a:rPr dirty="0" err="1"/>
+              <a:t>usa</a:t>
+            </a:r>
+            <a:r>
+              <a:rPr dirty="0"/>
+              <a:t> </a:t>
+            </a:r>
+            <a:r>
+              <a:rPr dirty="0" err="1"/>
+              <a:t>cupons</a:t>
+            </a:r>
+            <a:r>
+              <a:rPr dirty="0"/>
+              <a:t> → </a:t>
+            </a:r>
+            <a:r>
+              <a:rPr dirty="0" err="1"/>
+              <a:t>modelo</a:t>
+            </a:r>
+            <a:r>
+              <a:rPr dirty="0"/>
+              <a:t> </a:t>
+            </a:r>
+            <a:r>
+              <a:rPr dirty="0" err="1"/>
+              <a:t>prevê</a:t>
+            </a:r>
+            <a:r>
+              <a:rPr dirty="0"/>
+              <a:t> </a:t>
+            </a:r>
+            <a:r>
+              <a:rPr dirty="0" err="1"/>
+              <a:t>classe</a:t>
+            </a:r>
+            <a:r>
+              <a:rPr dirty="0"/>
+              <a:t> = “</a:t>
+            </a:r>
+            <a:r>
+              <a:rPr dirty="0" err="1"/>
+              <a:t>vai</a:t>
+            </a:r>
+            <a:r>
+              <a:rPr dirty="0"/>
+              <a:t> </a:t>
+            </a:r>
+            <a:r>
+              <a:rPr dirty="0" err="1"/>
+              <a:t>comprar</a:t>
+            </a:r>
+            <a:r>
+              <a:rPr dirty="0"/>
+              <a:t>”.</a:t>
+            </a:r>
+          </a:p>
+          <a:p>
+            <a:pPr lvl="1"/>
+            <a:r>
+              <a:rPr dirty="0" err="1"/>
+              <a:t>Cliente</a:t>
+            </a:r>
+            <a:r>
+              <a:rPr dirty="0"/>
+              <a:t> D: </a:t>
+            </a:r>
+            <a:r>
+              <a:rPr dirty="0" err="1"/>
+              <a:t>poucas</a:t>
+            </a:r>
+            <a:r>
+              <a:rPr dirty="0"/>
+              <a:t> </a:t>
+            </a:r>
+            <a:r>
+              <a:rPr dirty="0" err="1"/>
+              <a:t>compras</a:t>
+            </a:r>
+            <a:r>
+              <a:rPr dirty="0"/>
+              <a:t>, ticket </a:t>
+            </a:r>
+            <a:r>
+              <a:rPr dirty="0" err="1"/>
+              <a:t>baixo</a:t>
+            </a:r>
+            <a:r>
+              <a:rPr dirty="0"/>
+              <a:t>, </a:t>
+            </a:r>
+            <a:r>
+              <a:rPr dirty="0" err="1"/>
+              <a:t>não</a:t>
+            </a:r>
+            <a:r>
+              <a:rPr dirty="0"/>
+              <a:t> </a:t>
+            </a:r>
+            <a:r>
+              <a:rPr dirty="0" err="1"/>
+              <a:t>abre</a:t>
+            </a:r>
+            <a:r>
+              <a:rPr dirty="0"/>
+              <a:t> e-mails → </a:t>
+            </a:r>
+            <a:r>
+              <a:rPr dirty="0" err="1"/>
+              <a:t>modelo</a:t>
+            </a:r>
+            <a:r>
+              <a:rPr dirty="0"/>
+              <a:t> </a:t>
+            </a:r>
+            <a:r>
+              <a:rPr dirty="0" err="1"/>
+              <a:t>prevê</a:t>
+            </a:r>
+            <a:r>
+              <a:rPr dirty="0"/>
+              <a:t> </a:t>
+            </a:r>
+            <a:r>
+              <a:rPr dirty="0" err="1"/>
+              <a:t>classe</a:t>
+            </a:r>
+            <a:r>
+              <a:rPr dirty="0"/>
+              <a:t> = “</a:t>
+            </a:r>
+            <a:r>
+              <a:rPr dirty="0" err="1"/>
+              <a:t>não</a:t>
+            </a:r>
+            <a:r>
+              <a:rPr dirty="0"/>
+              <a:t> </a:t>
+            </a:r>
+            <a:r>
+              <a:rPr dirty="0" err="1"/>
+              <a:t>vai</a:t>
+            </a:r>
+            <a:r>
+              <a:rPr dirty="0"/>
+              <a:t> </a:t>
+            </a:r>
+            <a:r>
+              <a:rPr dirty="0" err="1"/>
+              <a:t>comprar</a:t>
+            </a:r>
+            <a:r>
+              <a:rPr dirty="0"/>
+              <a:t>”.</a:t>
             </a:r>
           </a:p>
         </p:txBody>
@@ -5342,7 +8449,7 @@
 </file>
 
 <file path=ppt/slides/slide8.xml><?xml version="1.0" encoding="utf-8"?>
-<p:sld xmlns:a="http://schemas.openxmlformats.org/drawingml/2006/main" xmlns:p="http://schemas.openxmlformats.org/presentationml/2006/main" xmlns:r="http://schemas.openxmlformats.org/officeDocument/2006/relationships">
+<p:sld xmlns:a="http://schemas.openxmlformats.org/drawingml/2006/main" xmlns:r="http://schemas.openxmlformats.org/officeDocument/2006/relationships" xmlns:p="http://schemas.openxmlformats.org/presentationml/2006/main">
   <p:cSld>
     <p:spTree>
       <p:nvGrpSpPr>
@@ -5350,7 +8457,14 @@
         <p:cNvGrpSpPr/>
         <p:nvPr/>
       </p:nvGrpSpPr>
-      <p:grpSpPr/>
+      <p:grpSpPr>
+        <a:xfrm>
+          <a:off x="0" y="0"/>
+          <a:ext cx="0" cy="0"/>
+          <a:chOff x="0" y="0"/>
+          <a:chExt cx="0" cy="0"/>
+        </a:xfrm>
+      </p:grpSpPr>
       <p:sp>
         <p:nvSpPr>
           <p:cNvPr id="2" name="Title 1"/>
@@ -5367,7 +8481,7 @@
           <a:lstStyle/>
           <a:p>
             <a:r>
-              <a:t>b) Árvore de Decisão</a:t>
+              <a:t>2.3 Algoritmos principais para esta aula</a:t>
             </a:r>
           </a:p>
         </p:txBody>
@@ -5388,50 +8502,88 @@
           <a:lstStyle/>
           <a:p>
             <a:r>
-              <a:t>Estrutura em formato de árvore, baseada em regras “se... então...”.</a:t>
-            </a:r>
-          </a:p>
-          <a:p>
-            <a:r>
-              <a:t>Exemplo no varejo:</a:t>
-            </a:r>
-          </a:p>
-          <a:p/>
-          <a:p>
-            <a:r>
-              <a:t>Se ticket\médio &gt; R\$ 200 e cliente usa cupons → prever “vai comprar”.</a:t>
-            </a:r>
-          </a:p>
-          <a:p>
-            <a:r>
-              <a:t>Senão → prever “não vai comprar”.</a:t>
-            </a:r>
-          </a:p>
-          <a:p>
-            <a:r>
-              <a:t>Vantagem: fácil de interpretar e explicar para gestores, mostrando regras de negócio derivadas dos dados.</a:t>
-            </a:r>
-          </a:p>
-          <a:p>
-            <a:r>
-              <a:t>Limitação: pode se tornar muito complexa (overfitting) se não for controlada (ex.: definindo profundidade máxima).</a:t>
-            </a:r>
-          </a:p>
-          <a:p/>
-          <a:p>
-            <a:r>
-              <a:t>Resumo prático para a empresa de varejo:</a:t>
-            </a:r>
-          </a:p>
-          <a:p/>
-          <a:p>
-            <a:r>
-              <a:t>Regressão Logística → boa para interpretar o peso de cada variável (explicação mais estatística).</a:t>
-            </a:r>
-          </a:p>
-          <a:p>
-            <a:r>
-              <a:t>Árvore de Decisão → boa para explicar de forma visual e gerar regras de negócio.</a:t>
+              <a:rPr dirty="0"/>
+              <a:t>Nesta aula </a:t>
+            </a:r>
+            <a:r>
+              <a:rPr dirty="0" err="1"/>
+              <a:t>vamos</a:t>
+            </a:r>
+            <a:r>
+              <a:rPr dirty="0"/>
+              <a:t> </a:t>
+            </a:r>
+            <a:r>
+              <a:rPr dirty="0" err="1"/>
+              <a:t>trabalhar</a:t>
+            </a:r>
+            <a:r>
+              <a:rPr dirty="0"/>
+              <a:t> com </a:t>
+            </a:r>
+            <a:r>
+              <a:rPr dirty="0" err="1"/>
+              <a:t>dois</a:t>
+            </a:r>
+            <a:r>
+              <a:rPr dirty="0"/>
+              <a:t> </a:t>
+            </a:r>
+            <a:r>
+              <a:rPr dirty="0" err="1"/>
+              <a:t>algoritmos</a:t>
+            </a:r>
+            <a:r>
+              <a:rPr dirty="0"/>
+              <a:t> </a:t>
+            </a:r>
+            <a:r>
+              <a:rPr dirty="0" err="1"/>
+              <a:t>básicos</a:t>
+            </a:r>
+            <a:r>
+              <a:rPr dirty="0"/>
+              <a:t>, mas que </a:t>
+            </a:r>
+            <a:r>
+              <a:rPr dirty="0" err="1"/>
+              <a:t>são</a:t>
+            </a:r>
+            <a:r>
+              <a:rPr dirty="0"/>
+              <a:t> a base para </a:t>
+            </a:r>
+            <a:r>
+              <a:rPr dirty="0" err="1"/>
+              <a:t>muitos</a:t>
+            </a:r>
+            <a:r>
+              <a:rPr dirty="0"/>
+              <a:t> </a:t>
+            </a:r>
+            <a:r>
+              <a:rPr dirty="0" err="1"/>
+              <a:t>projetos</a:t>
+            </a:r>
+            <a:r>
+              <a:rPr dirty="0"/>
+              <a:t> reais </a:t>
+            </a:r>
+            <a:r>
+              <a:rPr dirty="0" err="1"/>
+              <a:t>em</a:t>
+            </a:r>
+            <a:r>
+              <a:rPr dirty="0"/>
+              <a:t> </a:t>
+            </a:r>
+            <a:r>
+              <a:rPr dirty="0" err="1"/>
+              <a:t>ciência</a:t>
+            </a:r>
+            <a:r>
+              <a:rPr dirty="0"/>
+              <a:t> de dados.</a:t>
             </a:r>
           </a:p>
         </p:txBody>
@@ -5445,7 +8597,7 @@
 </file>
 
 <file path=ppt/slides/slide9.xml><?xml version="1.0" encoding="utf-8"?>
-<p:sld xmlns:a="http://schemas.openxmlformats.org/drawingml/2006/main" xmlns:p="http://schemas.openxmlformats.org/presentationml/2006/main" xmlns:r="http://schemas.openxmlformats.org/officeDocument/2006/relationships">
+<p:sld xmlns:a="http://schemas.openxmlformats.org/drawingml/2006/main" xmlns:r="http://schemas.openxmlformats.org/officeDocument/2006/relationships" xmlns:p="http://schemas.openxmlformats.org/presentationml/2006/main">
   <p:cSld>
     <p:spTree>
       <p:nvGrpSpPr>
@@ -5453,7 +8605,14 @@
         <p:cNvGrpSpPr/>
         <p:nvPr/>
       </p:nvGrpSpPr>
-      <p:grpSpPr/>
+      <p:grpSpPr>
+        <a:xfrm>
+          <a:off x="0" y="0"/>
+          <a:ext cx="0" cy="0"/>
+          <a:chOff x="0" y="0"/>
+          <a:chExt cx="0" cy="0"/>
+        </a:xfrm>
+      </p:grpSpPr>
       <p:sp>
         <p:nvSpPr>
           <p:cNvPr id="2" name="Title 1"/>
@@ -5470,26 +8629,327 @@
           <a:lstStyle/>
           <a:p>
             <a:r>
-              <a:t>3. Preparação para a Modelagem</a:t>
+              <a:t>a) Regressão Logística</a:t>
             </a:r>
           </a:p>
         </p:txBody>
       </p:sp>
       <p:sp>
         <p:nvSpPr>
-          <p:cNvPr id="3" name="Text Placeholder 2"/>
+          <p:cNvPr id="3" name="Content Placeholder 2"/>
           <p:cNvSpPr>
             <a:spLocks noGrp="1"/>
           </p:cNvSpPr>
           <p:nvPr>
-            <p:ph type="body" idx="1"/>
+            <p:ph idx="1"/>
           </p:nvPr>
         </p:nvSpPr>
         <p:spPr/>
         <p:txBody>
           <a:bodyPr/>
           <a:lstStyle/>
-          <a:p/>
+          <a:p>
+            <a:r>
+              <a:rPr dirty="0" err="1"/>
+              <a:t>Apesar</a:t>
+            </a:r>
+            <a:r>
+              <a:rPr dirty="0"/>
+              <a:t> do </a:t>
+            </a:r>
+            <a:r>
+              <a:rPr dirty="0" err="1"/>
+              <a:t>nome</a:t>
+            </a:r>
+            <a:r>
+              <a:rPr dirty="0"/>
+              <a:t>, é </a:t>
+            </a:r>
+            <a:r>
+              <a:rPr dirty="0" err="1"/>
+              <a:t>usada</a:t>
+            </a:r>
+            <a:r>
+              <a:rPr dirty="0"/>
+              <a:t> </a:t>
+            </a:r>
+            <a:r>
+              <a:rPr dirty="0" err="1"/>
+              <a:t>em</a:t>
+            </a:r>
+            <a:r>
+              <a:rPr dirty="0"/>
+              <a:t> </a:t>
+            </a:r>
+            <a:r>
+              <a:rPr dirty="0" err="1"/>
+              <a:t>classificação</a:t>
+            </a:r>
+            <a:r>
+              <a:rPr dirty="0"/>
+              <a:t>.</a:t>
+            </a:r>
+          </a:p>
+          <a:p>
+            <a:r>
+              <a:rPr dirty="0"/>
+              <a:t>Gera </a:t>
+            </a:r>
+            <a:r>
+              <a:rPr dirty="0" err="1"/>
+              <a:t>como</a:t>
+            </a:r>
+            <a:r>
+              <a:rPr dirty="0"/>
+              <a:t> </a:t>
+            </a:r>
+            <a:r>
+              <a:rPr dirty="0" err="1"/>
+              <a:t>saída</a:t>
+            </a:r>
+            <a:r>
+              <a:rPr dirty="0"/>
+              <a:t> </a:t>
+            </a:r>
+            <a:r>
+              <a:rPr dirty="0" err="1"/>
+              <a:t>uma</a:t>
+            </a:r>
+            <a:r>
+              <a:rPr dirty="0"/>
+              <a:t> </a:t>
+            </a:r>
+            <a:r>
+              <a:rPr dirty="0" err="1"/>
+              <a:t>probabilidade</a:t>
+            </a:r>
+            <a:r>
+              <a:rPr dirty="0"/>
+              <a:t> (entre 0 e 1) de que o </a:t>
+            </a:r>
+            <a:r>
+              <a:rPr dirty="0" err="1"/>
+              <a:t>evento</a:t>
+            </a:r>
+            <a:r>
+              <a:rPr dirty="0"/>
+              <a:t> </a:t>
+            </a:r>
+            <a:r>
+              <a:rPr dirty="0" err="1"/>
+              <a:t>ocorra</a:t>
+            </a:r>
+            <a:r>
+              <a:rPr dirty="0"/>
+              <a:t>.</a:t>
+            </a:r>
+          </a:p>
+          <a:p>
+            <a:r>
+              <a:rPr dirty="0"/>
+              <a:t>No </a:t>
+            </a:r>
+            <a:r>
+              <a:rPr dirty="0" err="1"/>
+              <a:t>caso</a:t>
+            </a:r>
+            <a:r>
+              <a:rPr dirty="0"/>
+              <a:t> do </a:t>
+            </a:r>
+            <a:r>
+              <a:rPr dirty="0" err="1"/>
+              <a:t>varejo</a:t>
+            </a:r>
+            <a:r>
+              <a:rPr dirty="0"/>
+              <a:t>:</a:t>
+            </a:r>
+          </a:p>
+          <a:p>
+            <a:pPr lvl="1"/>
+            <a:r>
+              <a:rPr dirty="0" err="1"/>
+              <a:t>Cliente</a:t>
+            </a:r>
+            <a:r>
+              <a:rPr dirty="0"/>
+              <a:t> X → 0,82 → </a:t>
+            </a:r>
+            <a:r>
+              <a:rPr dirty="0" err="1"/>
+              <a:t>interpretamos</a:t>
+            </a:r>
+            <a:r>
+              <a:rPr dirty="0"/>
+              <a:t> </a:t>
+            </a:r>
+            <a:r>
+              <a:rPr dirty="0" err="1"/>
+              <a:t>como</a:t>
+            </a:r>
+            <a:r>
+              <a:rPr dirty="0"/>
+              <a:t> 82% de chance de </a:t>
+            </a:r>
+            <a:r>
+              <a:rPr dirty="0" err="1"/>
+              <a:t>comprar</a:t>
+            </a:r>
+            <a:r>
+              <a:rPr dirty="0"/>
+              <a:t> </a:t>
+            </a:r>
+            <a:r>
+              <a:rPr dirty="0" err="1"/>
+              <a:t>nos</a:t>
+            </a:r>
+            <a:r>
+              <a:rPr dirty="0"/>
+              <a:t> </a:t>
+            </a:r>
+            <a:r>
+              <a:rPr dirty="0" err="1"/>
+              <a:t>próximos</a:t>
+            </a:r>
+            <a:r>
+              <a:rPr dirty="0"/>
+              <a:t> 30 </a:t>
+            </a:r>
+            <a:r>
+              <a:rPr dirty="0" err="1"/>
+              <a:t>dias</a:t>
+            </a:r>
+            <a:r>
+              <a:rPr dirty="0"/>
+              <a:t>.</a:t>
+            </a:r>
+          </a:p>
+          <a:p>
+            <a:pPr lvl="1"/>
+            <a:r>
+              <a:rPr dirty="0" err="1"/>
+              <a:t>Cliente</a:t>
+            </a:r>
+            <a:r>
+              <a:rPr dirty="0"/>
+              <a:t> Y → 0,15 → </a:t>
+            </a:r>
+            <a:r>
+              <a:rPr dirty="0" err="1"/>
+              <a:t>apenas</a:t>
+            </a:r>
+            <a:r>
+              <a:rPr dirty="0"/>
+              <a:t> 15% de chance de </a:t>
+            </a:r>
+            <a:r>
+              <a:rPr dirty="0" err="1"/>
+              <a:t>comprar</a:t>
+            </a:r>
+            <a:r>
+              <a:rPr dirty="0"/>
+              <a:t>.</a:t>
+            </a:r>
+          </a:p>
+          <a:p>
+            <a:r>
+              <a:rPr dirty="0" err="1"/>
+              <a:t>Vantagem</a:t>
+            </a:r>
+            <a:r>
+              <a:rPr dirty="0"/>
+              <a:t>: </a:t>
+            </a:r>
+            <a:r>
+              <a:rPr dirty="0" err="1"/>
+              <a:t>permite</a:t>
+            </a:r>
+            <a:r>
+              <a:rPr dirty="0"/>
+              <a:t> </a:t>
+            </a:r>
+            <a:r>
+              <a:rPr dirty="0" err="1"/>
+              <a:t>identificar</a:t>
+            </a:r>
+            <a:r>
+              <a:rPr dirty="0"/>
+              <a:t> quais </a:t>
+            </a:r>
+            <a:r>
+              <a:rPr dirty="0" err="1"/>
+              <a:t>variáveis</a:t>
+            </a:r>
+            <a:r>
+              <a:rPr dirty="0"/>
+              <a:t> </a:t>
+            </a:r>
+            <a:r>
+              <a:rPr dirty="0" err="1"/>
+              <a:t>mais</a:t>
+            </a:r>
+            <a:r>
+              <a:rPr dirty="0"/>
+              <a:t> </a:t>
+            </a:r>
+            <a:r>
+              <a:rPr dirty="0" err="1"/>
+              <a:t>influenciam</a:t>
+            </a:r>
+            <a:r>
+              <a:rPr dirty="0"/>
+              <a:t> o </a:t>
+            </a:r>
+            <a:r>
+              <a:rPr dirty="0" err="1"/>
+              <a:t>resultado</a:t>
+            </a:r>
+            <a:r>
+              <a:rPr dirty="0"/>
+              <a:t> (ex.: “</a:t>
+            </a:r>
+            <a:r>
+              <a:rPr dirty="0" err="1"/>
+              <a:t>uso</a:t>
+            </a:r>
+            <a:r>
+              <a:rPr dirty="0"/>
+              <a:t> de </a:t>
+            </a:r>
+            <a:r>
+              <a:rPr dirty="0" err="1"/>
+              <a:t>cupom</a:t>
+            </a:r>
+            <a:r>
+              <a:rPr dirty="0"/>
+              <a:t> </a:t>
+            </a:r>
+            <a:r>
+              <a:rPr dirty="0" err="1"/>
+              <a:t>aumenta</a:t>
+            </a:r>
+            <a:r>
+              <a:rPr dirty="0"/>
+              <a:t> a </a:t>
+            </a:r>
+            <a:r>
+              <a:rPr dirty="0" err="1"/>
+              <a:t>probabilidade</a:t>
+            </a:r>
+            <a:r>
+              <a:rPr dirty="0"/>
+              <a:t> de </a:t>
+            </a:r>
+            <a:r>
+              <a:rPr dirty="0" err="1"/>
+              <a:t>compra</a:t>
+            </a:r>
+            <a:r>
+              <a:rPr dirty="0"/>
+              <a:t>”).</a:t>
+            </a:r>
+          </a:p>
         </p:txBody>
       </p:sp>
     </p:spTree>
@@ -5501,9 +8961,9 @@
 </file>
 
 <file path=ppt/theme/theme1.xml><?xml version="1.0" encoding="utf-8"?>
-<a:theme xmlns:a="http://schemas.openxmlformats.org/drawingml/2006/main" name="Office Theme">
+<a:theme xmlns:a="http://schemas.openxmlformats.org/drawingml/2006/main" name="Retrospect">
   <a:themeElements>
-    <a:clrScheme name="Office">
+    <a:clrScheme name="Retrospect">
       <a:dk1>
         <a:sysClr val="windowText" lastClr="000000"/>
       </a:dk1>
@@ -5511,39 +8971,39 @@
         <a:sysClr val="window" lastClr="FFFFFF"/>
       </a:lt1>
       <a:dk2>
-        <a:srgbClr val="1F497D"/>
+        <a:srgbClr val="455F51"/>
       </a:dk2>
       <a:lt2>
-        <a:srgbClr val="EEECE1"/>
+        <a:srgbClr val="E2DFCC"/>
       </a:lt2>
       <a:accent1>
-        <a:srgbClr val="4F81BD"/>
+        <a:srgbClr val="99CB38"/>
       </a:accent1>
       <a:accent2>
-        <a:srgbClr val="C0504D"/>
+        <a:srgbClr val="63A537"/>
       </a:accent2>
       <a:accent3>
-        <a:srgbClr val="9BBB59"/>
+        <a:srgbClr val="37A76F"/>
       </a:accent3>
       <a:accent4>
-        <a:srgbClr val="8064A2"/>
+        <a:srgbClr val="44C1A3"/>
       </a:accent4>
       <a:accent5>
-        <a:srgbClr val="4BACC6"/>
+        <a:srgbClr val="4EB3CF"/>
       </a:accent5>
       <a:accent6>
-        <a:srgbClr val="F79646"/>
+        <a:srgbClr val="51C3F9"/>
       </a:accent6>
       <a:hlink>
-        <a:srgbClr val="0000FF"/>
+        <a:srgbClr val="6B9F25"/>
       </a:hlink>
       <a:folHlink>
-        <a:srgbClr val="800080"/>
+        <a:srgbClr val="B26B02"/>
       </a:folHlink>
     </a:clrScheme>
-    <a:fontScheme name="Office">
+    <a:fontScheme name="Retrospect">
       <a:majorFont>
-        <a:latin typeface="Calibri"/>
+        <a:latin typeface="Calibri Light" panose="020F0302020204030204"/>
         <a:ea typeface=""/>
         <a:cs typeface=""/>
         <a:font script="Jpan" typeface="ＭＳ Ｐゴシック"/>
@@ -5578,7 +9038,7 @@
         <a:font script="Geor" typeface="Sylfaen"/>
       </a:majorFont>
       <a:minorFont>
-        <a:latin typeface="Calibri"/>
+        <a:latin typeface="Calibri" panose="020F0502020204030204"/>
         <a:ea typeface=""/>
         <a:cs typeface=""/>
         <a:font script="Jpan" typeface="ＭＳ Ｐゴシック"/>
@@ -5613,7 +9073,7 @@
         <a:font script="Geor" typeface="Sylfaen"/>
       </a:minorFont>
     </a:fontScheme>
-    <a:fmtScheme name="Office">
+    <a:fmtScheme name="Retrospect">
       <a:fillStyleLst>
         <a:solidFill>
           <a:schemeClr val="phClr"/>
@@ -5622,52 +9082,73 @@
           <a:gsLst>
             <a:gs pos="0">
               <a:schemeClr val="phClr">
-                <a:tint val="50000"/>
-                <a:satMod val="300000"/>
+                <a:tint val="65000"/>
+                <a:shade val="92000"/>
+                <a:satMod val="130000"/>
               </a:schemeClr>
             </a:gs>
-            <a:gs pos="35000">
+            <a:gs pos="45000">
               <a:schemeClr val="phClr">
-                <a:tint val="37000"/>
-                <a:satMod val="300000"/>
+                <a:tint val="60000"/>
+                <a:shade val="99000"/>
+                <a:satMod val="120000"/>
               </a:schemeClr>
             </a:gs>
             <a:gs pos="100000">
               <a:schemeClr val="phClr">
-                <a:tint val="15000"/>
-                <a:satMod val="350000"/>
+                <a:tint val="55000"/>
+                <a:satMod val="140000"/>
               </a:schemeClr>
             </a:gs>
           </a:gsLst>
-          <a:lin ang="16200000" scaled="1"/>
+          <a:path path="circle">
+            <a:fillToRect l="100000" t="100000" r="100000" b="100000"/>
+          </a:path>
         </a:gradFill>
         <a:gradFill rotWithShape="1">
           <a:gsLst>
             <a:gs pos="0">
               <a:schemeClr val="phClr">
+                <a:shade val="85000"/>
+                <a:satMod val="130000"/>
+              </a:schemeClr>
+            </a:gs>
+            <a:gs pos="34000">
+              <a:schemeClr val="phClr">
+                <a:shade val="87000"/>
+                <a:satMod val="125000"/>
+              </a:schemeClr>
+            </a:gs>
+            <a:gs pos="70000">
+              <a:schemeClr val="phClr">
                 <a:tint val="100000"/>
-                <a:shade val="100000"/>
+                <a:shade val="90000"/>
                 <a:satMod val="130000"/>
               </a:schemeClr>
             </a:gs>
             <a:gs pos="100000">
               <a:schemeClr val="phClr">
-                <a:tint val="50000"/>
+                <a:tint val="100000"/>
                 <a:shade val="100000"/>
-                <a:satMod val="350000"/>
+                <a:satMod val="110000"/>
               </a:schemeClr>
             </a:gs>
           </a:gsLst>
-          <a:lin ang="16200000" scaled="0"/>
+          <a:path path="circle">
+            <a:fillToRect l="100000" t="100000" r="100000" b="100000"/>
+          </a:path>
         </a:gradFill>
       </a:fillStyleLst>
       <a:lnStyleLst>
-        <a:ln w="9525" cap="flat" cmpd="sng" algn="ctr">
+        <a:ln w="12700" cap="flat" cmpd="sng" algn="ctr">
           <a:solidFill>
-            <a:schemeClr val="phClr">
-              <a:shade val="95000"/>
-              <a:satMod val="105000"/>
-            </a:schemeClr>
+            <a:schemeClr val="phClr"/>
+          </a:solidFill>
+          <a:prstDash val="solid"/>
+        </a:ln>
+        <a:ln w="15875" cap="flat" cmpd="sng" algn="ctr">
+          <a:solidFill>
+            <a:schemeClr val="phClr"/>
           </a:solidFill>
           <a:prstDash val="solid"/>
         </a:ln>
@@ -5677,37 +9158,25 @@
           </a:solidFill>
           <a:prstDash val="solid"/>
         </a:ln>
-        <a:ln w="38100" cap="flat" cmpd="sng" algn="ctr">
-          <a:solidFill>
-            <a:schemeClr val="phClr"/>
-          </a:solidFill>
-          <a:prstDash val="solid"/>
-        </a:ln>
       </a:lnStyleLst>
       <a:effectStyleLst>
         <a:effectStyle>
+          <a:effectLst/>
+        </a:effectStyle>
+        <a:effectStyle>
           <a:effectLst>
-            <a:outerShdw blurRad="40000" dist="20000" dir="5400000" rotWithShape="0">
+            <a:outerShdw blurRad="38100" dist="25400" dir="2700000" algn="br" rotWithShape="0">
               <a:srgbClr val="000000">
-                <a:alpha val="38000"/>
+                <a:alpha val="60000"/>
               </a:srgbClr>
             </a:outerShdw>
           </a:effectLst>
         </a:effectStyle>
         <a:effectStyle>
           <a:effectLst>
-            <a:outerShdw blurRad="40000" dist="23000" dir="5400000" rotWithShape="0">
+            <a:outerShdw blurRad="44450" dist="25400" dir="2700000" algn="br" rotWithShape="0">
               <a:srgbClr val="000000">
-                <a:alpha val="35000"/>
-              </a:srgbClr>
-            </a:outerShdw>
-          </a:effectLst>
-        </a:effectStyle>
-        <a:effectStyle>
-          <a:effectLst>
-            <a:outerShdw blurRad="40000" dist="23000" dir="5400000" rotWithShape="0">
-              <a:srgbClr val="000000">
-                <a:alpha val="35000"/>
+                <a:alpha val="60000"/>
               </a:srgbClr>
             </a:outerShdw>
           </a:effectLst>
@@ -5716,11 +9185,11 @@
               <a:rot lat="0" lon="0" rev="0"/>
             </a:camera>
             <a:lightRig rig="threePt" dir="t">
-              <a:rot lat="0" lon="0" rev="1200000"/>
+              <a:rot lat="0" lon="0" rev="19800000"/>
             </a:lightRig>
           </a:scene3d>
-          <a:sp3d>
-            <a:bevelT w="63500" h="25400"/>
+          <a:sp3d prstMaterial="flat">
+            <a:bevelT w="25400" h="31750"/>
           </a:sp3d>
         </a:effectStyle>
       </a:effectStyleLst>
@@ -5728,94 +9197,48 @@
         <a:solidFill>
           <a:schemeClr val="phClr"/>
         </a:solidFill>
+        <a:solidFill>
+          <a:schemeClr val="phClr">
+            <a:tint val="90000"/>
+            <a:shade val="97000"/>
+            <a:satMod val="130000"/>
+          </a:schemeClr>
+        </a:solidFill>
         <a:gradFill rotWithShape="1">
           <a:gsLst>
             <a:gs pos="0">
               <a:schemeClr val="phClr">
-                <a:tint val="40000"/>
-                <a:satMod val="350000"/>
+                <a:tint val="96000"/>
+                <a:shade val="99000"/>
+                <a:satMod val="140000"/>
               </a:schemeClr>
             </a:gs>
-            <a:gs pos="40000">
+            <a:gs pos="65000">
               <a:schemeClr val="phClr">
-                <a:tint val="45000"/>
-                <a:shade val="99000"/>
-                <a:satMod val="350000"/>
+                <a:tint val="100000"/>
+                <a:shade val="80000"/>
+                <a:satMod val="130000"/>
               </a:schemeClr>
             </a:gs>
             <a:gs pos="100000">
               <a:schemeClr val="phClr">
-                <a:shade val="20000"/>
-                <a:satMod val="255000"/>
+                <a:tint val="100000"/>
+                <a:shade val="48000"/>
+                <a:satMod val="120000"/>
               </a:schemeClr>
             </a:gs>
           </a:gsLst>
-          <a:path path="circle">
-            <a:fillToRect l="50000" t="-80000" r="50000" b="180000"/>
-          </a:path>
-        </a:gradFill>
-        <a:gradFill rotWithShape="1">
-          <a:gsLst>
-            <a:gs pos="0">
-              <a:schemeClr val="phClr">
-                <a:tint val="80000"/>
-                <a:satMod val="300000"/>
-              </a:schemeClr>
-            </a:gs>
-            <a:gs pos="100000">
-              <a:schemeClr val="phClr">
-                <a:shade val="30000"/>
-                <a:satMod val="200000"/>
-              </a:schemeClr>
-            </a:gs>
-          </a:gsLst>
-          <a:path path="circle">
-            <a:fillToRect l="50000" t="50000" r="50000" b="50000"/>
-          </a:path>
+          <a:lin ang="16200000" scaled="0"/>
         </a:gradFill>
       </a:bgFillStyleLst>
     </a:fmtScheme>
   </a:themeElements>
-  <a:objectDefaults>
-    <a:spDef>
-      <a:spPr/>
-      <a:bodyPr/>
-      <a:lstStyle/>
-      <a:style>
-        <a:lnRef idx="1">
-          <a:schemeClr val="accent1"/>
-        </a:lnRef>
-        <a:fillRef idx="3">
-          <a:schemeClr val="accent1"/>
-        </a:fillRef>
-        <a:effectRef idx="2">
-          <a:schemeClr val="accent1"/>
-        </a:effectRef>
-        <a:fontRef idx="minor">
-          <a:schemeClr val="lt1"/>
-        </a:fontRef>
-      </a:style>
-    </a:spDef>
-    <a:lnDef>
-      <a:spPr/>
-      <a:bodyPr/>
-      <a:lstStyle/>
-      <a:style>
-        <a:lnRef idx="2">
-          <a:schemeClr val="accent1"/>
-        </a:lnRef>
-        <a:fillRef idx="0">
-          <a:schemeClr val="accent1"/>
-        </a:fillRef>
-        <a:effectRef idx="1">
-          <a:schemeClr val="accent1"/>
-        </a:effectRef>
-        <a:fontRef idx="minor">
-          <a:schemeClr val="tx1"/>
-        </a:fontRef>
-      </a:style>
-    </a:lnDef>
-  </a:objectDefaults>
+  <a:objectDefaults/>
   <a:extraClrSchemeLst/>
+  <a:extLst>
+    <a:ext uri="{05A4C25C-085E-4340-85A3-A5531E510DB2}">
+      <thm15:themeFamily xmlns:thm15="http://schemas.microsoft.com/office/thememl/2012/main" name="Retrospect" id="{5F128B03-DCCA-4EEB-AB3B-CF2899314A46}" vid="{D26EA377-59BD-4C9C-9D94-EE8416EE4C79}"/>
+    </a:ext>
+  </a:extLst>
 </a:theme>
 </file>